--- a/智慧車輛/期中簡報.pptx
+++ b/智慧車輛/期中簡報.pptx
@@ -6,7 +6,8 @@
   </p:sldMasterIdLst>
   <p:sldIdLst>
     <p:sldId id="256" r:id="rId2"/>
-    <p:sldId id="257" r:id="rId3"/>
+    <p:sldId id="258" r:id="rId3"/>
+    <p:sldId id="257" r:id="rId4"/>
   </p:sldIdLst>
   <p:sldSz cx="12192000" cy="6858000"/>
   <p:notesSz cx="6858000" cy="9144000"/>
@@ -105,6 +106,11 @@
       </a:defRPr>
     </a:lvl9pPr>
   </p:defaultTextStyle>
+  <p:extLst>
+    <p:ext uri="{EFAFB233-063F-42B5-8137-9DF3F51BA10A}">
+      <p15:sldGuideLst xmlns:p15="http://schemas.microsoft.com/office/powerpoint/2012/main"/>
+    </p:ext>
+  </p:extLst>
 </p:presentation>
 </file>
 
@@ -255,7 +261,7 @@
           <a:p>
             <a:fld id="{3D790119-CE58-40D1-A6C9-A01FB5D208F7}" type="datetimeFigureOut">
               <a:rPr lang="zh-TW" altLang="en-US" smtClean="0"/>
-              <a:t>2025/4/11</a:t>
+              <a:t>2025/4/15</a:t>
             </a:fld>
             <a:endParaRPr lang="zh-TW" altLang="en-US"/>
           </a:p>
@@ -453,7 +459,7 @@
           <a:p>
             <a:fld id="{3D790119-CE58-40D1-A6C9-A01FB5D208F7}" type="datetimeFigureOut">
               <a:rPr lang="zh-TW" altLang="en-US" smtClean="0"/>
-              <a:t>2025/4/11</a:t>
+              <a:t>2025/4/15</a:t>
             </a:fld>
             <a:endParaRPr lang="zh-TW" altLang="en-US"/>
           </a:p>
@@ -661,7 +667,7 @@
           <a:p>
             <a:fld id="{3D790119-CE58-40D1-A6C9-A01FB5D208F7}" type="datetimeFigureOut">
               <a:rPr lang="zh-TW" altLang="en-US" smtClean="0"/>
-              <a:t>2025/4/11</a:t>
+              <a:t>2025/4/15</a:t>
             </a:fld>
             <a:endParaRPr lang="zh-TW" altLang="en-US"/>
           </a:p>
@@ -859,7 +865,7 @@
           <a:p>
             <a:fld id="{3D790119-CE58-40D1-A6C9-A01FB5D208F7}" type="datetimeFigureOut">
               <a:rPr lang="zh-TW" altLang="en-US" smtClean="0"/>
-              <a:t>2025/4/11</a:t>
+              <a:t>2025/4/15</a:t>
             </a:fld>
             <a:endParaRPr lang="zh-TW" altLang="en-US"/>
           </a:p>
@@ -1134,7 +1140,7 @@
           <a:p>
             <a:fld id="{3D790119-CE58-40D1-A6C9-A01FB5D208F7}" type="datetimeFigureOut">
               <a:rPr lang="zh-TW" altLang="en-US" smtClean="0"/>
-              <a:t>2025/4/11</a:t>
+              <a:t>2025/4/15</a:t>
             </a:fld>
             <a:endParaRPr lang="zh-TW" altLang="en-US"/>
           </a:p>
@@ -1399,7 +1405,7 @@
           <a:p>
             <a:fld id="{3D790119-CE58-40D1-A6C9-A01FB5D208F7}" type="datetimeFigureOut">
               <a:rPr lang="zh-TW" altLang="en-US" smtClean="0"/>
-              <a:t>2025/4/11</a:t>
+              <a:t>2025/4/15</a:t>
             </a:fld>
             <a:endParaRPr lang="zh-TW" altLang="en-US"/>
           </a:p>
@@ -1811,7 +1817,7 @@
           <a:p>
             <a:fld id="{3D790119-CE58-40D1-A6C9-A01FB5D208F7}" type="datetimeFigureOut">
               <a:rPr lang="zh-TW" altLang="en-US" smtClean="0"/>
-              <a:t>2025/4/11</a:t>
+              <a:t>2025/4/15</a:t>
             </a:fld>
             <a:endParaRPr lang="zh-TW" altLang="en-US"/>
           </a:p>
@@ -1952,7 +1958,7 @@
           <a:p>
             <a:fld id="{3D790119-CE58-40D1-A6C9-A01FB5D208F7}" type="datetimeFigureOut">
               <a:rPr lang="zh-TW" altLang="en-US" smtClean="0"/>
-              <a:t>2025/4/11</a:t>
+              <a:t>2025/4/15</a:t>
             </a:fld>
             <a:endParaRPr lang="zh-TW" altLang="en-US"/>
           </a:p>
@@ -2065,7 +2071,7 @@
           <a:p>
             <a:fld id="{3D790119-CE58-40D1-A6C9-A01FB5D208F7}" type="datetimeFigureOut">
               <a:rPr lang="zh-TW" altLang="en-US" smtClean="0"/>
-              <a:t>2025/4/11</a:t>
+              <a:t>2025/4/15</a:t>
             </a:fld>
             <a:endParaRPr lang="zh-TW" altLang="en-US"/>
           </a:p>
@@ -2376,7 +2382,7 @@
           <a:p>
             <a:fld id="{3D790119-CE58-40D1-A6C9-A01FB5D208F7}" type="datetimeFigureOut">
               <a:rPr lang="zh-TW" altLang="en-US" smtClean="0"/>
-              <a:t>2025/4/11</a:t>
+              <a:t>2025/4/15</a:t>
             </a:fld>
             <a:endParaRPr lang="zh-TW" altLang="en-US"/>
           </a:p>
@@ -2664,7 +2670,7 @@
           <a:p>
             <a:fld id="{3D790119-CE58-40D1-A6C9-A01FB5D208F7}" type="datetimeFigureOut">
               <a:rPr lang="zh-TW" altLang="en-US" smtClean="0"/>
-              <a:t>2025/4/11</a:t>
+              <a:t>2025/4/15</a:t>
             </a:fld>
             <a:endParaRPr lang="zh-TW" altLang="en-US"/>
           </a:p>
@@ -2905,7 +2911,7 @@
           <a:p>
             <a:fld id="{3D790119-CE58-40D1-A6C9-A01FB5D208F7}" type="datetimeFigureOut">
               <a:rPr lang="zh-TW" altLang="en-US" smtClean="0"/>
-              <a:t>2025/4/11</a:t>
+              <a:t>2025/4/15</a:t>
             </a:fld>
             <a:endParaRPr lang="zh-TW" altLang="en-US"/>
           </a:p>
@@ -3416,7 +3422,7 @@
         </p:nvSpPr>
         <p:spPr>
           <a:xfrm rot="20606465">
-            <a:off x="1892304" y="3596927"/>
+            <a:off x="430003" y="4197565"/>
             <a:ext cx="6366933" cy="84667"/>
           </a:xfrm>
           <a:prstGeom prst="rect">
@@ -3472,7 +3478,7 @@
         </p:nvSpPr>
         <p:spPr>
           <a:xfrm rot="20606465">
-            <a:off x="3628144" y="2053662"/>
+            <a:off x="2165843" y="2654300"/>
             <a:ext cx="2616200" cy="1549400"/>
           </a:xfrm>
           <a:prstGeom prst="rect">
@@ -3527,7 +3533,7 @@
         </p:nvCxnSpPr>
         <p:spPr>
           <a:xfrm>
-            <a:off x="4936243" y="2828361"/>
+            <a:off x="3473942" y="3428999"/>
             <a:ext cx="0" cy="1024452"/>
           </a:xfrm>
           <a:prstGeom prst="straightConnector1">
@@ -3569,7 +3575,7 @@
         </p:nvGrpSpPr>
         <p:grpSpPr>
           <a:xfrm rot="20606465">
-            <a:off x="4756244" y="2648362"/>
+            <a:off x="3293943" y="3249000"/>
             <a:ext cx="360000" cy="360000"/>
             <a:chOff x="6578600" y="1634067"/>
             <a:chExt cx="360000" cy="360000"/>
@@ -3764,7 +3770,7 @@
         </p:nvCxnSpPr>
         <p:spPr>
           <a:xfrm rot="20606465">
-            <a:off x="5046639" y="2812297"/>
+            <a:off x="3584338" y="3412935"/>
             <a:ext cx="0" cy="774700"/>
           </a:xfrm>
           <a:prstGeom prst="straightConnector1">
@@ -3806,7 +3812,7 @@
         </p:nvCxnSpPr>
         <p:spPr>
           <a:xfrm rot="20606465" flipH="1">
-            <a:off x="2743249" y="3147482"/>
+            <a:off x="1280948" y="3748120"/>
             <a:ext cx="2239433" cy="0"/>
           </a:xfrm>
           <a:prstGeom prst="straightConnector1">
@@ -3848,7 +3854,7 @@
         </p:nvCxnSpPr>
         <p:spPr>
           <a:xfrm rot="20606465">
-            <a:off x="2721972" y="2141898"/>
+            <a:off x="1259671" y="2742536"/>
             <a:ext cx="0" cy="2193925"/>
           </a:xfrm>
           <a:prstGeom prst="line">
@@ -3890,7 +3896,7 @@
         </p:nvSpPr>
         <p:spPr>
           <a:xfrm rot="20606465">
-            <a:off x="6354065" y="2807669"/>
+            <a:off x="4891764" y="3408307"/>
             <a:ext cx="296333" cy="355600"/>
           </a:xfrm>
           <a:prstGeom prst="rtTriangle">
@@ -3942,7 +3948,7 @@
         </p:nvSpPr>
         <p:spPr>
           <a:xfrm rot="20606465" flipH="1">
-            <a:off x="3561697" y="3635636"/>
+            <a:off x="2099396" y="4236274"/>
             <a:ext cx="296333" cy="355600"/>
           </a:xfrm>
           <a:prstGeom prst="rtTriangle">
@@ -3994,7 +4000,7 @@
         </p:nvSpPr>
         <p:spPr>
           <a:xfrm>
-            <a:off x="2600632" y="4307998"/>
+            <a:off x="1138331" y="4908636"/>
             <a:ext cx="867951" cy="486330"/>
           </a:xfrm>
           <a:prstGeom prst="triangle">
@@ -4048,7 +4054,7 @@
         </p:nvSpPr>
         <p:spPr>
           <a:xfrm>
-            <a:off x="6837880" y="3052198"/>
+            <a:off x="5375579" y="3652836"/>
             <a:ext cx="867951" cy="486330"/>
           </a:xfrm>
           <a:prstGeom prst="triangle">
@@ -4104,7 +4110,7 @@
         </p:nvCxnSpPr>
         <p:spPr>
           <a:xfrm>
-            <a:off x="2600632" y="4303685"/>
+            <a:off x="1138331" y="4904323"/>
             <a:ext cx="5760000" cy="1"/>
           </a:xfrm>
           <a:prstGeom prst="line">
@@ -4140,7 +4146,7 @@
         </p:nvSpPr>
         <p:spPr>
           <a:xfrm>
-            <a:off x="1867919" y="3052198"/>
+            <a:off x="405618" y="3652836"/>
             <a:ext cx="2520000" cy="2520000"/>
           </a:xfrm>
           <a:prstGeom prst="arc">
@@ -4193,7 +4199,7 @@
         </p:nvCxnSpPr>
         <p:spPr>
           <a:xfrm rot="20606465">
-            <a:off x="6959209" y="869532"/>
+            <a:off x="5496908" y="1470170"/>
             <a:ext cx="0" cy="2193925"/>
           </a:xfrm>
           <a:prstGeom prst="line">
@@ -4237,7 +4243,7 @@
             </p:nvSpPr>
             <p:spPr>
               <a:xfrm>
-                <a:off x="5021194" y="2960461"/>
+                <a:off x="3558893" y="3561099"/>
                 <a:ext cx="327534" cy="369332"/>
               </a:xfrm>
               <a:prstGeom prst="rect">
@@ -4251,6 +4257,7 @@
               </a:bodyPr>
               <a:lstStyle/>
               <a:p>
+                <a:pPr/>
                 <a14:m>
                   <m:oMathPara xmlns:m="http://schemas.openxmlformats.org/officeDocument/2006/math">
                     <m:oMathParaPr>
@@ -4288,7 +4295,7 @@
             </p:nvSpPr>
             <p:spPr>
               <a:xfrm>
-                <a:off x="5021194" y="2960461"/>
+                <a:off x="3558893" y="3561099"/>
                 <a:ext cx="327534" cy="369332"/>
               </a:xfrm>
               <a:prstGeom prst="rect">
@@ -4332,7 +4339,7 @@
             </p:nvSpPr>
             <p:spPr>
               <a:xfrm>
-                <a:off x="3709863" y="2828361"/>
+                <a:off x="2247562" y="3428999"/>
                 <a:ext cx="285553" cy="369332"/>
               </a:xfrm>
               <a:prstGeom prst="rect">
@@ -4346,6 +4353,7 @@
               </a:bodyPr>
               <a:lstStyle/>
               <a:p>
+                <a:pPr/>
                 <a14:m>
                   <m:oMathPara xmlns:m="http://schemas.openxmlformats.org/officeDocument/2006/math">
                     <m:oMathParaPr>
@@ -4383,7 +4391,7 @@
             </p:nvSpPr>
             <p:spPr>
               <a:xfrm>
-                <a:off x="3709863" y="2828361"/>
+                <a:off x="2247562" y="3428999"/>
                 <a:ext cx="285553" cy="369332"/>
               </a:xfrm>
               <a:prstGeom prst="rect">
@@ -4427,7 +4435,7 @@
             </p:nvSpPr>
             <p:spPr>
               <a:xfrm>
-                <a:off x="4475718" y="3944339"/>
+                <a:off x="3013417" y="4544977"/>
                 <a:ext cx="189474" cy="276999"/>
               </a:xfrm>
               <a:prstGeom prst="rect">
@@ -4441,6 +4449,7 @@
               </a:bodyPr>
               <a:lstStyle/>
               <a:p>
+                <a:pPr/>
                 <a14:m>
                   <m:oMathPara xmlns:m="http://schemas.openxmlformats.org/officeDocument/2006/math">
                     <m:oMathParaPr>
@@ -4478,7 +4487,7 @@
             </p:nvSpPr>
             <p:spPr>
               <a:xfrm>
-                <a:off x="4475718" y="3944339"/>
+                <a:off x="3013417" y="4544977"/>
                 <a:ext cx="189474" cy="276999"/>
               </a:xfrm>
               <a:prstGeom prst="rect">
@@ -4487,7 +4496,7 @@
               <a:blipFill>
                 <a:blip r:embed="rId4"/>
                 <a:stretch>
-                  <a:fillRect l="-29032" r="-25806" b="-8889"/>
+                  <a:fillRect l="-29032" r="-25806" b="-6667"/>
                 </a:stretch>
               </a:blipFill>
             </p:spPr>
@@ -4522,7 +4531,7 @@
         </p:nvCxnSpPr>
         <p:spPr>
           <a:xfrm flipV="1">
-            <a:off x="3034607" y="4307998"/>
+            <a:off x="1572306" y="4908636"/>
             <a:ext cx="1" cy="695802"/>
           </a:xfrm>
           <a:prstGeom prst="straightConnector1">
@@ -4564,7 +4573,7 @@
         </p:nvCxnSpPr>
         <p:spPr>
           <a:xfrm flipV="1">
-            <a:off x="7276764" y="3030004"/>
+            <a:off x="5814463" y="3630642"/>
             <a:ext cx="1" cy="695802"/>
           </a:xfrm>
           <a:prstGeom prst="straightConnector1">
@@ -4608,7 +4617,7 @@
             </p:nvSpPr>
             <p:spPr>
               <a:xfrm>
-                <a:off x="4809539" y="3574709"/>
+                <a:off x="3347238" y="4175347"/>
                 <a:ext cx="634823" cy="369332"/>
               </a:xfrm>
               <a:prstGeom prst="rect">
@@ -4622,6 +4631,7 @@
               </a:bodyPr>
               <a:lstStyle/>
               <a:p>
+                <a:pPr/>
                 <a14:m>
                   <m:oMathPara xmlns:m="http://schemas.openxmlformats.org/officeDocument/2006/math">
                     <m:oMathParaPr>
@@ -4659,7 +4669,7 @@
             </p:nvSpPr>
             <p:spPr>
               <a:xfrm>
-                <a:off x="4809539" y="3574709"/>
+                <a:off x="3347238" y="4175347"/>
                 <a:ext cx="634823" cy="369332"/>
               </a:xfrm>
               <a:prstGeom prst="rect">
@@ -4668,7 +4678,7 @@
               <a:blipFill>
                 <a:blip r:embed="rId5"/>
                 <a:stretch>
-                  <a:fillRect b="-6557"/>
+                  <a:fillRect b="-4918"/>
                 </a:stretch>
               </a:blipFill>
             </p:spPr>
@@ -4703,7 +4713,7 @@
             </p:nvSpPr>
             <p:spPr>
               <a:xfrm>
-                <a:off x="2929466" y="4823446"/>
+                <a:off x="1467165" y="5424084"/>
                 <a:ext cx="532137" cy="369332"/>
               </a:xfrm>
               <a:prstGeom prst="rect">
@@ -4717,6 +4727,7 @@
               </a:bodyPr>
               <a:lstStyle/>
               <a:p>
+                <a:pPr/>
                 <a14:m>
                   <m:oMathPara xmlns:m="http://schemas.openxmlformats.org/officeDocument/2006/math">
                     <m:oMathParaPr>
@@ -4773,7 +4784,7 @@
             </p:nvSpPr>
             <p:spPr>
               <a:xfrm>
-                <a:off x="2929466" y="4823446"/>
+                <a:off x="1467165" y="5424084"/>
                 <a:ext cx="532137" cy="369332"/>
               </a:xfrm>
               <a:prstGeom prst="rect">
@@ -4817,7 +4828,7 @@
             </p:nvSpPr>
             <p:spPr>
               <a:xfrm>
-                <a:off x="7173694" y="3506382"/>
+                <a:off x="5711393" y="4107020"/>
                 <a:ext cx="532137" cy="369332"/>
               </a:xfrm>
               <a:prstGeom prst="rect">
@@ -4831,6 +4842,7 @@
               </a:bodyPr>
               <a:lstStyle/>
               <a:p>
+                <a:pPr/>
                 <a14:m>
                   <m:oMathPara xmlns:m="http://schemas.openxmlformats.org/officeDocument/2006/math">
                     <m:oMathParaPr>
@@ -4887,7 +4899,7 @@
             </p:nvSpPr>
             <p:spPr>
               <a:xfrm>
-                <a:off x="7173694" y="3506382"/>
+                <a:off x="5711393" y="4107020"/>
                 <a:ext cx="532137" cy="369332"/>
               </a:xfrm>
               <a:prstGeom prst="rect">
@@ -4931,7 +4943,7 @@
         </p:nvCxnSpPr>
         <p:spPr>
           <a:xfrm flipH="1">
-            <a:off x="2450515" y="1064064"/>
+            <a:off x="988214" y="1664702"/>
             <a:ext cx="4261176" cy="1268716"/>
           </a:xfrm>
           <a:prstGeom prst="straightConnector1">
@@ -4973,7 +4985,7 @@
             </p:nvSpPr>
             <p:spPr>
               <a:xfrm>
-                <a:off x="4215014" y="1407667"/>
+                <a:off x="2752713" y="2008305"/>
                 <a:ext cx="521408" cy="369332"/>
               </a:xfrm>
               <a:prstGeom prst="rect">
@@ -4987,6 +4999,7 @@
               </a:bodyPr>
               <a:lstStyle/>
               <a:p>
+                <a:pPr/>
                 <a14:m>
                   <m:oMathPara xmlns:m="http://schemas.openxmlformats.org/officeDocument/2006/math">
                     <m:oMathParaPr>
@@ -5024,7 +5037,7 @@
             </p:nvSpPr>
             <p:spPr>
               <a:xfrm>
-                <a:off x="4215014" y="1407667"/>
+                <a:off x="2752713" y="2008305"/>
                 <a:ext cx="521408" cy="369332"/>
               </a:xfrm>
               <a:prstGeom prst="rect">
@@ -5066,7 +5079,7 @@
         </p:nvCxnSpPr>
         <p:spPr>
           <a:xfrm>
-            <a:off x="3034607" y="662294"/>
+            <a:off x="1572306" y="1262932"/>
             <a:ext cx="0" cy="3651798"/>
           </a:xfrm>
           <a:prstGeom prst="line">
@@ -5108,7 +5121,7 @@
         </p:nvCxnSpPr>
         <p:spPr>
           <a:xfrm>
-            <a:off x="4936243" y="660400"/>
+            <a:off x="3473942" y="1261038"/>
             <a:ext cx="0" cy="3651798"/>
           </a:xfrm>
           <a:prstGeom prst="line">
@@ -5150,7 +5163,7 @@
         </p:nvCxnSpPr>
         <p:spPr>
           <a:xfrm>
-            <a:off x="7275385" y="651887"/>
+            <a:off x="5813084" y="1252525"/>
             <a:ext cx="0" cy="3651798"/>
           </a:xfrm>
           <a:prstGeom prst="line">
@@ -5192,7 +5205,7 @@
         </p:nvCxnSpPr>
         <p:spPr>
           <a:xfrm>
-            <a:off x="3034607" y="660400"/>
+            <a:off x="1572306" y="1261038"/>
             <a:ext cx="1901636" cy="0"/>
           </a:xfrm>
           <a:prstGeom prst="straightConnector1">
@@ -5237,7 +5250,7 @@
         </p:nvCxnSpPr>
         <p:spPr>
           <a:xfrm>
-            <a:off x="4936244" y="660400"/>
+            <a:off x="3473943" y="1261038"/>
             <a:ext cx="2335601" cy="0"/>
           </a:xfrm>
           <a:prstGeom prst="straightConnector1">
@@ -5282,7 +5295,7 @@
             </p:nvSpPr>
             <p:spPr>
               <a:xfrm>
-                <a:off x="3852638" y="328011"/>
+                <a:off x="2390337" y="928649"/>
                 <a:ext cx="285553" cy="369332"/>
               </a:xfrm>
               <a:prstGeom prst="rect">
@@ -5296,18 +5309,38 @@
               </a:bodyPr>
               <a:lstStyle/>
               <a:p>
+                <a:pPr/>
                 <a14:m>
                   <m:oMathPara xmlns:m="http://schemas.openxmlformats.org/officeDocument/2006/math">
                     <m:oMathParaPr>
                       <m:jc m:val="centerGroup"/>
                     </m:oMathParaPr>
                     <m:oMath xmlns:m="http://schemas.openxmlformats.org/officeDocument/2006/math">
-                      <m:r>
-                        <a:rPr lang="en-US" altLang="zh-TW" i="1" dirty="0" smtClean="0">
-                          <a:latin typeface="Cambria Math" panose="02040503050406030204" pitchFamily="18" charset="0"/>
-                        </a:rPr>
-                        <m:t>𝑎</m:t>
-                      </m:r>
+                      <m:sSub>
+                        <m:sSubPr>
+                          <m:ctrlPr>
+                            <a:rPr lang="en-US" altLang="zh-TW" b="0" i="1" dirty="0" smtClean="0">
+                              <a:latin typeface="Cambria Math" panose="02040503050406030204" pitchFamily="18" charset="0"/>
+                            </a:rPr>
+                          </m:ctrlPr>
+                        </m:sSubPr>
+                        <m:e>
+                          <m:r>
+                            <a:rPr lang="en-US" altLang="zh-TW" i="1" dirty="0" smtClean="0">
+                              <a:latin typeface="Cambria Math" panose="02040503050406030204" pitchFamily="18" charset="0"/>
+                            </a:rPr>
+                            <m:t>𝑎</m:t>
+                          </m:r>
+                        </m:e>
+                        <m:sub>
+                          <m:r>
+                            <a:rPr lang="en-US" altLang="zh-TW" b="0" i="1" dirty="0" smtClean="0">
+                              <a:latin typeface="Cambria Math" panose="02040503050406030204" pitchFamily="18" charset="0"/>
+                            </a:rPr>
+                            <m:t>𝜃</m:t>
+                          </m:r>
+                        </m:sub>
+                      </m:sSub>
                     </m:oMath>
                   </m:oMathPara>
                 </a14:m>
@@ -5333,7 +5366,7 @@
             </p:nvSpPr>
             <p:spPr>
               <a:xfrm>
-                <a:off x="3852638" y="328011"/>
+                <a:off x="2390337" y="928649"/>
                 <a:ext cx="285553" cy="369332"/>
               </a:xfrm>
               <a:prstGeom prst="rect">
@@ -5342,7 +5375,7 @@
               <a:blipFill>
                 <a:blip r:embed="rId9"/>
                 <a:stretch>
-                  <a:fillRect/>
+                  <a:fillRect r="-38298"/>
                 </a:stretch>
               </a:blipFill>
             </p:spPr>
@@ -5377,7 +5410,7 @@
             </p:nvSpPr>
             <p:spPr>
               <a:xfrm>
-                <a:off x="5961267" y="370274"/>
+                <a:off x="4423948" y="935428"/>
                 <a:ext cx="285553" cy="369332"/>
               </a:xfrm>
               <a:prstGeom prst="rect">
@@ -5391,18 +5424,38 @@
               </a:bodyPr>
               <a:lstStyle/>
               <a:p>
+                <a:pPr/>
                 <a14:m>
                   <m:oMathPara xmlns:m="http://schemas.openxmlformats.org/officeDocument/2006/math">
                     <m:oMathParaPr>
                       <m:jc m:val="centerGroup"/>
                     </m:oMathParaPr>
                     <m:oMath xmlns:m="http://schemas.openxmlformats.org/officeDocument/2006/math">
-                      <m:r>
-                        <a:rPr lang="en-US" altLang="zh-TW" b="0" i="1" dirty="0" smtClean="0">
-                          <a:latin typeface="Cambria Math" panose="02040503050406030204" pitchFamily="18" charset="0"/>
-                        </a:rPr>
-                        <m:t>𝑏</m:t>
-                      </m:r>
+                      <m:sSub>
+                        <m:sSubPr>
+                          <m:ctrlPr>
+                            <a:rPr lang="en-US" altLang="zh-TW" b="0" i="1" dirty="0" smtClean="0">
+                              <a:latin typeface="Cambria Math" panose="02040503050406030204" pitchFamily="18" charset="0"/>
+                            </a:rPr>
+                          </m:ctrlPr>
+                        </m:sSubPr>
+                        <m:e>
+                          <m:r>
+                            <a:rPr lang="en-US" altLang="zh-TW" b="0" i="1" dirty="0" smtClean="0">
+                              <a:latin typeface="Cambria Math" panose="02040503050406030204" pitchFamily="18" charset="0"/>
+                            </a:rPr>
+                            <m:t>𝑏</m:t>
+                          </m:r>
+                        </m:e>
+                        <m:sub>
+                          <m:r>
+                            <a:rPr lang="en-US" altLang="zh-TW" b="0" i="1" dirty="0" smtClean="0">
+                              <a:latin typeface="Cambria Math" panose="02040503050406030204" pitchFamily="18" charset="0"/>
+                            </a:rPr>
+                            <m:t>𝜃</m:t>
+                          </m:r>
+                        </m:sub>
+                      </m:sSub>
                     </m:oMath>
                   </m:oMathPara>
                 </a14:m>
@@ -5428,7 +5481,7 @@
             </p:nvSpPr>
             <p:spPr>
               <a:xfrm>
-                <a:off x="5961267" y="370274"/>
+                <a:off x="4423948" y="935428"/>
                 <a:ext cx="285553" cy="369332"/>
               </a:xfrm>
               <a:prstGeom prst="rect">
@@ -5437,7 +5490,7 @@
               <a:blipFill>
                 <a:blip r:embed="rId10"/>
                 <a:stretch>
-                  <a:fillRect r="-4255"/>
+                  <a:fillRect r="-31915"/>
                 </a:stretch>
               </a:blipFill>
             </p:spPr>
@@ -5456,6 +5509,5174 @@
           </p:sp>
         </mc:Fallback>
       </mc:AlternateContent>
+      <mc:AlternateContent xmlns:mc="http://schemas.openxmlformats.org/markup-compatibility/2006">
+        <mc:Choice xmlns:a14="http://schemas.microsoft.com/office/drawing/2010/main" Requires="a14">
+          <p:sp>
+            <p:nvSpPr>
+              <p:cNvPr id="35" name="文字方塊 34">
+                <a:extLst>
+                  <a:ext uri="{FF2B5EF4-FFF2-40B4-BE49-F238E27FC236}">
+                    <a16:creationId xmlns:a16="http://schemas.microsoft.com/office/drawing/2014/main" id="{66C73102-6A91-4583-9B0E-D03D762805C6}"/>
+                  </a:ext>
+                </a:extLst>
+              </p:cNvPr>
+              <p:cNvSpPr txBox="1"/>
+              <p:nvPr/>
+            </p:nvSpPr>
+            <p:spPr>
+              <a:xfrm>
+                <a:off x="7572500" y="3937743"/>
+                <a:ext cx="3271604" cy="1077218"/>
+              </a:xfrm>
+              <a:prstGeom prst="rect">
+                <a:avLst/>
+              </a:prstGeom>
+              <a:noFill/>
+            </p:spPr>
+            <p:txBody>
+              <a:bodyPr wrap="square" rtlCol="0">
+                <a:spAutoFit/>
+              </a:bodyPr>
+              <a:lstStyle/>
+              <a:p>
+                <a:r>
+                  <a:rPr lang="en-US" altLang="zh-TW" sz="2400" b="1" dirty="0">
+                    <a:latin typeface="Cambria Math" panose="02040503050406030204" pitchFamily="18" charset="0"/>
+                  </a:rPr>
+                  <a:t>Assumptions:</a:t>
+                </a:r>
+              </a:p>
+              <a:p>
+                <a:pPr marL="285750" indent="-285750">
+                  <a:buFont typeface="Arial" panose="020B0604020202020204" pitchFamily="34" charset="0"/>
+                  <a:buChar char="•"/>
+                </a:pPr>
+                <a14:m>
+                  <m:oMath xmlns:m="http://schemas.openxmlformats.org/officeDocument/2006/math">
+                    <m:r>
+                      <a:rPr lang="en-US" altLang="zh-TW" sz="2000" b="0" i="1" smtClean="0">
+                        <a:latin typeface="Cambria Math" panose="02040503050406030204" pitchFamily="18" charset="0"/>
+                      </a:rPr>
+                      <m:t>𝑙</m:t>
+                    </m:r>
+                    <m:r>
+                      <a:rPr lang="en-US" altLang="zh-TW" sz="2000" b="0" i="1" smtClean="0">
+                        <a:latin typeface="Cambria Math" panose="02040503050406030204" pitchFamily="18" charset="0"/>
+                      </a:rPr>
+                      <m:t>, </m:t>
+                    </m:r>
+                    <m:r>
+                      <a:rPr lang="en-US" altLang="zh-TW" sz="2000" b="0" i="1" smtClean="0">
+                        <a:latin typeface="Cambria Math" panose="02040503050406030204" pitchFamily="18" charset="0"/>
+                      </a:rPr>
+                      <m:t>h</m:t>
+                    </m:r>
+                  </m:oMath>
+                </a14:m>
+                <a:r>
+                  <a:rPr lang="en-US" altLang="zh-TW" sz="2000" dirty="0"/>
+                  <a:t>: Fixed unknowns</a:t>
+                </a:r>
+              </a:p>
+              <a:p>
+                <a:pPr marL="285750" indent="-285750">
+                  <a:buFont typeface="Arial" panose="020B0604020202020204" pitchFamily="34" charset="0"/>
+                  <a:buChar char="•"/>
+                </a:pPr>
+                <a14:m>
+                  <m:oMath xmlns:m="http://schemas.openxmlformats.org/officeDocument/2006/math">
+                    <m:r>
+                      <a:rPr lang="en-US" altLang="zh-TW" sz="2000" b="0" i="1" smtClean="0">
+                        <a:latin typeface="Cambria Math" panose="02040503050406030204" pitchFamily="18" charset="0"/>
+                      </a:rPr>
+                      <m:t>𝜃</m:t>
+                    </m:r>
+                    <m:r>
+                      <a:rPr lang="en-US" altLang="zh-TW" sz="2000" b="0" i="1" smtClean="0">
+                        <a:latin typeface="Cambria Math" panose="02040503050406030204" pitchFamily="18" charset="0"/>
+                      </a:rPr>
+                      <m:t>, </m:t>
+                    </m:r>
+                    <m:sSub>
+                      <m:sSubPr>
+                        <m:ctrlPr>
+                          <a:rPr lang="en-US" altLang="zh-TW" sz="2000" b="0" i="1" smtClean="0">
+                            <a:latin typeface="Cambria Math" panose="02040503050406030204" pitchFamily="18" charset="0"/>
+                          </a:rPr>
+                        </m:ctrlPr>
+                      </m:sSubPr>
+                      <m:e>
+                        <m:r>
+                          <a:rPr lang="en-US" altLang="zh-TW" sz="2000" b="0" i="1" smtClean="0">
+                            <a:latin typeface="Cambria Math" panose="02040503050406030204" pitchFamily="18" charset="0"/>
+                          </a:rPr>
+                          <m:t>𝐹</m:t>
+                        </m:r>
+                      </m:e>
+                      <m:sub>
+                        <m:r>
+                          <a:rPr lang="en-US" altLang="zh-TW" sz="2000" b="0" i="1" smtClean="0">
+                            <a:latin typeface="Cambria Math" panose="02040503050406030204" pitchFamily="18" charset="0"/>
+                          </a:rPr>
+                          <m:t>𝑅</m:t>
+                        </m:r>
+                      </m:sub>
+                    </m:sSub>
+                    <m:r>
+                      <a:rPr lang="en-US" altLang="zh-TW" sz="2000" b="0" i="1" smtClean="0">
+                        <a:latin typeface="Cambria Math" panose="02040503050406030204" pitchFamily="18" charset="0"/>
+                      </a:rPr>
+                      <m:t>, </m:t>
+                    </m:r>
+                    <m:sSub>
+                      <m:sSubPr>
+                        <m:ctrlPr>
+                          <a:rPr lang="en-US" altLang="zh-TW" sz="2000" b="0" i="1" smtClean="0">
+                            <a:latin typeface="Cambria Math" panose="02040503050406030204" pitchFamily="18" charset="0"/>
+                          </a:rPr>
+                        </m:ctrlPr>
+                      </m:sSubPr>
+                      <m:e>
+                        <m:r>
+                          <a:rPr lang="en-US" altLang="zh-TW" sz="2000" b="0" i="1" smtClean="0">
+                            <a:latin typeface="Cambria Math" panose="02040503050406030204" pitchFamily="18" charset="0"/>
+                          </a:rPr>
+                          <m:t>𝐹</m:t>
+                        </m:r>
+                      </m:e>
+                      <m:sub>
+                        <m:r>
+                          <a:rPr lang="en-US" altLang="zh-TW" sz="2000" b="0" i="1" smtClean="0">
+                            <a:latin typeface="Cambria Math" panose="02040503050406030204" pitchFamily="18" charset="0"/>
+                          </a:rPr>
+                          <m:t>𝐿</m:t>
+                        </m:r>
+                      </m:sub>
+                    </m:sSub>
+                  </m:oMath>
+                </a14:m>
+                <a:r>
+                  <a:rPr lang="en-US" altLang="zh-TW" sz="2000" dirty="0"/>
+                  <a:t>: Measurable </a:t>
+                </a:r>
+                <a:endParaRPr lang="zh-TW" altLang="en-US" sz="2000" dirty="0"/>
+              </a:p>
+            </p:txBody>
+          </p:sp>
+        </mc:Choice>
+        <mc:Fallback>
+          <p:sp>
+            <p:nvSpPr>
+              <p:cNvPr id="35" name="文字方塊 34">
+                <a:extLst>
+                  <a:ext uri="{FF2B5EF4-FFF2-40B4-BE49-F238E27FC236}">
+                    <a16:creationId xmlns:a16="http://schemas.microsoft.com/office/drawing/2014/main" id="{66C73102-6A91-4583-9B0E-D03D762805C6}"/>
+                  </a:ext>
+                </a:extLst>
+              </p:cNvPr>
+              <p:cNvSpPr txBox="1">
+                <a:spLocks noRot="1" noChangeAspect="1" noMove="1" noResize="1" noEditPoints="1" noAdjustHandles="1" noChangeArrowheads="1" noChangeShapeType="1" noTextEdit="1"/>
+              </p:cNvSpPr>
+              <p:nvPr/>
+            </p:nvSpPr>
+            <p:spPr>
+              <a:xfrm>
+                <a:off x="7572500" y="3937743"/>
+                <a:ext cx="3271604" cy="1077218"/>
+              </a:xfrm>
+              <a:prstGeom prst="rect">
+                <a:avLst/>
+              </a:prstGeom>
+              <a:blipFill>
+                <a:blip r:embed="rId11"/>
+                <a:stretch>
+                  <a:fillRect l="-2793" t="-4520" b="-9040"/>
+                </a:stretch>
+              </a:blipFill>
+            </p:spPr>
+            <p:txBody>
+              <a:bodyPr/>
+              <a:lstStyle/>
+              <a:p>
+                <a:r>
+                  <a:rPr lang="zh-TW" altLang="en-US">
+                    <a:noFill/>
+                  </a:rPr>
+                  <a:t> </a:t>
+                </a:r>
+              </a:p>
+            </p:txBody>
+          </p:sp>
+        </mc:Fallback>
+      </mc:AlternateContent>
+      <p:grpSp>
+        <p:nvGrpSpPr>
+          <p:cNvPr id="56" name="群組 55">
+            <a:extLst>
+              <a:ext uri="{FF2B5EF4-FFF2-40B4-BE49-F238E27FC236}">
+                <a16:creationId xmlns:a16="http://schemas.microsoft.com/office/drawing/2014/main" id="{6CA918BF-CC4C-4D1A-ADF2-91A4C9B58E28}"/>
+              </a:ext>
+            </a:extLst>
+          </p:cNvPr>
+          <p:cNvGrpSpPr/>
+          <p:nvPr/>
+        </p:nvGrpSpPr>
+        <p:grpSpPr>
+          <a:xfrm>
+            <a:off x="7312239" y="359967"/>
+            <a:ext cx="4112593" cy="3328581"/>
+            <a:chOff x="7312239" y="359967"/>
+            <a:chExt cx="4112593" cy="3328581"/>
+          </a:xfrm>
+        </p:grpSpPr>
+        <p:grpSp>
+          <p:nvGrpSpPr>
+            <p:cNvPr id="46" name="群組 45">
+              <a:extLst>
+                <a:ext uri="{FF2B5EF4-FFF2-40B4-BE49-F238E27FC236}">
+                  <a16:creationId xmlns:a16="http://schemas.microsoft.com/office/drawing/2014/main" id="{C0A8507F-1AB7-4B39-A19C-CD8506437E47}"/>
+                </a:ext>
+              </a:extLst>
+            </p:cNvPr>
+            <p:cNvGrpSpPr/>
+            <p:nvPr/>
+          </p:nvGrpSpPr>
+          <p:grpSpPr>
+            <a:xfrm>
+              <a:off x="7312239" y="359967"/>
+              <a:ext cx="4112593" cy="2993321"/>
+              <a:chOff x="7312239" y="359967"/>
+              <a:chExt cx="4112593" cy="2993321"/>
+            </a:xfrm>
+          </p:grpSpPr>
+          <p:pic>
+            <p:nvPicPr>
+              <p:cNvPr id="11" name="圖片 10">
+                <a:extLst>
+                  <a:ext uri="{FF2B5EF4-FFF2-40B4-BE49-F238E27FC236}">
+                    <a16:creationId xmlns:a16="http://schemas.microsoft.com/office/drawing/2014/main" id="{6157B28D-3A66-4D35-94CF-7D27F64E953D}"/>
+                  </a:ext>
+                </a:extLst>
+              </p:cNvPr>
+              <p:cNvPicPr>
+                <a:picLocks noChangeAspect="1"/>
+              </p:cNvPicPr>
+              <p:nvPr/>
+            </p:nvPicPr>
+            <p:blipFill>
+              <a:blip r:embed="rId12">
+                <a:extLst>
+                  <a:ext uri="{28A0092B-C50C-407E-A947-70E740481C1C}">
+                    <a14:useLocalDpi xmlns:a14="http://schemas.microsoft.com/office/drawing/2010/main" val="0"/>
+                  </a:ext>
+                </a:extLst>
+              </a:blip>
+              <a:stretch>
+                <a:fillRect/>
+              </a:stretch>
+            </p:blipFill>
+            <p:spPr>
+              <a:xfrm>
+                <a:off x="7883852" y="913277"/>
+                <a:ext cx="1847850" cy="209550"/>
+              </a:xfrm>
+              <a:prstGeom prst="rect">
+                <a:avLst/>
+              </a:prstGeom>
+            </p:spPr>
+          </p:pic>
+          <p:sp>
+            <p:nvSpPr>
+              <p:cNvPr id="14" name="文字方塊 13">
+                <a:extLst>
+                  <a:ext uri="{FF2B5EF4-FFF2-40B4-BE49-F238E27FC236}">
+                    <a16:creationId xmlns:a16="http://schemas.microsoft.com/office/drawing/2014/main" id="{3F9207C7-173D-4034-B5E5-025557BAB72D}"/>
+                  </a:ext>
+                </a:extLst>
+              </p:cNvPr>
+              <p:cNvSpPr txBox="1"/>
+              <p:nvPr/>
+            </p:nvSpPr>
+            <p:spPr>
+              <a:xfrm>
+                <a:off x="7385376" y="359967"/>
+                <a:ext cx="3473695" cy="461665"/>
+              </a:xfrm>
+              <a:prstGeom prst="rect">
+                <a:avLst/>
+              </a:prstGeom>
+              <a:noFill/>
+            </p:spPr>
+            <p:txBody>
+              <a:bodyPr wrap="square" rtlCol="0">
+                <a:spAutoFit/>
+              </a:bodyPr>
+              <a:lstStyle/>
+              <a:p>
+                <a:r>
+                  <a:rPr lang="en-US" altLang="zh-TW" sz="2400" b="1" dirty="0">
+                    <a:latin typeface="Cambria Math" panose="02040503050406030204" pitchFamily="18" charset="0"/>
+                    <a:ea typeface="Cambria Math" panose="02040503050406030204" pitchFamily="18" charset="0"/>
+                  </a:rPr>
+                  <a:t>Moment Equilibrium:</a:t>
+                </a:r>
+                <a:endParaRPr lang="zh-TW" altLang="en-US" sz="2400" b="1" dirty="0">
+                  <a:latin typeface="Cambria Math" panose="02040503050406030204" pitchFamily="18" charset="0"/>
+                </a:endParaRPr>
+              </a:p>
+            </p:txBody>
+          </p:sp>
+          <p:grpSp>
+            <p:nvGrpSpPr>
+              <p:cNvPr id="20" name="群組 19">
+                <a:extLst>
+                  <a:ext uri="{FF2B5EF4-FFF2-40B4-BE49-F238E27FC236}">
+                    <a16:creationId xmlns:a16="http://schemas.microsoft.com/office/drawing/2014/main" id="{C32561E9-B281-4F3D-9F31-7BC2DBDBCFAE}"/>
+                  </a:ext>
+                </a:extLst>
+              </p:cNvPr>
+              <p:cNvGrpSpPr/>
+              <p:nvPr/>
+            </p:nvGrpSpPr>
+            <p:grpSpPr>
+              <a:xfrm>
+                <a:off x="7471151" y="1304561"/>
+                <a:ext cx="3525001" cy="504825"/>
+                <a:chOff x="7678785" y="1569874"/>
+                <a:chExt cx="3525001" cy="504825"/>
+              </a:xfrm>
+            </p:grpSpPr>
+            <p:pic>
+              <p:nvPicPr>
+                <p:cNvPr id="17" name="圖片 16">
+                  <a:extLst>
+                    <a:ext uri="{FF2B5EF4-FFF2-40B4-BE49-F238E27FC236}">
+                      <a16:creationId xmlns:a16="http://schemas.microsoft.com/office/drawing/2014/main" id="{4C8940A5-E794-4A91-8FF2-74ED4B6DE64F}"/>
+                    </a:ext>
+                  </a:extLst>
+                </p:cNvPr>
+                <p:cNvPicPr>
+                  <a:picLocks noChangeAspect="1"/>
+                </p:cNvPicPr>
+                <p:nvPr/>
+              </p:nvPicPr>
+              <p:blipFill>
+                <a:blip r:embed="rId13">
+                  <a:extLst>
+                    <a:ext uri="{28A0092B-C50C-407E-A947-70E740481C1C}">
+                      <a14:useLocalDpi xmlns:a14="http://schemas.microsoft.com/office/drawing/2010/main" val="0"/>
+                    </a:ext>
+                  </a:extLst>
+                </a:blip>
+                <a:stretch>
+                  <a:fillRect/>
+                </a:stretch>
+              </p:blipFill>
+              <p:spPr>
+                <a:xfrm>
+                  <a:off x="8489161" y="1569874"/>
+                  <a:ext cx="2714625" cy="504825"/>
+                </a:xfrm>
+                <a:prstGeom prst="rect">
+                  <a:avLst/>
+                </a:prstGeom>
+              </p:spPr>
+            </p:pic>
+            <p:sp>
+              <p:nvSpPr>
+                <p:cNvPr id="18" name="文字方塊 17">
+                  <a:extLst>
+                    <a:ext uri="{FF2B5EF4-FFF2-40B4-BE49-F238E27FC236}">
+                      <a16:creationId xmlns:a16="http://schemas.microsoft.com/office/drawing/2014/main" id="{7A8234B1-1554-4502-B922-FFF750B0D633}"/>
+                    </a:ext>
+                  </a:extLst>
+                </p:cNvPr>
+                <p:cNvSpPr txBox="1"/>
+                <p:nvPr/>
+              </p:nvSpPr>
+              <p:spPr>
+                <a:xfrm>
+                  <a:off x="7678785" y="1613912"/>
+                  <a:ext cx="939799" cy="369332"/>
+                </a:xfrm>
+                <a:prstGeom prst="rect">
+                  <a:avLst/>
+                </a:prstGeom>
+                <a:noFill/>
+              </p:spPr>
+              <p:txBody>
+                <a:bodyPr wrap="square" rtlCol="0">
+                  <a:spAutoFit/>
+                </a:bodyPr>
+                <a:lstStyle/>
+                <a:p>
+                  <a:r>
+                    <a:rPr lang="en-US" altLang="zh-TW" dirty="0"/>
+                    <a:t>where:</a:t>
+                  </a:r>
+                  <a:endParaRPr lang="zh-TW" altLang="en-US" dirty="0"/>
+                </a:p>
+              </p:txBody>
+            </p:sp>
+          </p:grpSp>
+          <p:pic>
+            <p:nvPicPr>
+              <p:cNvPr id="26" name="圖片 25">
+                <a:extLst>
+                  <a:ext uri="{FF2B5EF4-FFF2-40B4-BE49-F238E27FC236}">
+                    <a16:creationId xmlns:a16="http://schemas.microsoft.com/office/drawing/2014/main" id="{29ABE953-39FD-4C61-A0AE-8A178298CE33}"/>
+                  </a:ext>
+                </a:extLst>
+              </p:cNvPr>
+              <p:cNvPicPr>
+                <a:picLocks noChangeAspect="1"/>
+              </p:cNvPicPr>
+              <p:nvPr/>
+            </p:nvPicPr>
+            <p:blipFill>
+              <a:blip r:embed="rId14">
+                <a:extLst>
+                  <a:ext uri="{28A0092B-C50C-407E-A947-70E740481C1C}">
+                    <a14:useLocalDpi xmlns:a14="http://schemas.microsoft.com/office/drawing/2010/main" val="0"/>
+                  </a:ext>
+                </a:extLst>
+              </a:blip>
+              <a:stretch>
+                <a:fillRect/>
+              </a:stretch>
+            </p:blipFill>
+            <p:spPr>
+              <a:xfrm>
+                <a:off x="7312239" y="2086482"/>
+                <a:ext cx="4112593" cy="316831"/>
+              </a:xfrm>
+              <a:prstGeom prst="rect">
+                <a:avLst/>
+              </a:prstGeom>
+            </p:spPr>
+          </p:pic>
+          <p:pic>
+            <p:nvPicPr>
+              <p:cNvPr id="29" name="圖片 28">
+                <a:extLst>
+                  <a:ext uri="{FF2B5EF4-FFF2-40B4-BE49-F238E27FC236}">
+                    <a16:creationId xmlns:a16="http://schemas.microsoft.com/office/drawing/2014/main" id="{1938AB3A-C4E3-4B4B-902D-9EC83BF59CCB}"/>
+                  </a:ext>
+                </a:extLst>
+              </p:cNvPr>
+              <p:cNvPicPr>
+                <a:picLocks noChangeAspect="1"/>
+              </p:cNvPicPr>
+              <p:nvPr/>
+            </p:nvPicPr>
+            <p:blipFill>
+              <a:blip r:embed="rId15">
+                <a:extLst>
+                  <a:ext uri="{28A0092B-C50C-407E-A947-70E740481C1C}">
+                    <a14:useLocalDpi xmlns:a14="http://schemas.microsoft.com/office/drawing/2010/main" val="0"/>
+                  </a:ext>
+                </a:extLst>
+              </a:blip>
+              <a:stretch>
+                <a:fillRect/>
+              </a:stretch>
+            </p:blipFill>
+            <p:spPr>
+              <a:xfrm>
+                <a:off x="7816649" y="2877038"/>
+                <a:ext cx="2933700" cy="476250"/>
+              </a:xfrm>
+              <a:prstGeom prst="rect">
+                <a:avLst/>
+              </a:prstGeom>
+            </p:spPr>
+          </p:pic>
+        </p:grpSp>
+        <mc:AlternateContent xmlns:mc="http://schemas.openxmlformats.org/markup-compatibility/2006">
+          <mc:Choice xmlns:a14="http://schemas.microsoft.com/office/drawing/2010/main" Requires="a14">
+            <p:sp>
+              <p:nvSpPr>
+                <p:cNvPr id="49" name="文字方塊 48">
+                  <a:extLst>
+                    <a:ext uri="{FF2B5EF4-FFF2-40B4-BE49-F238E27FC236}">
+                      <a16:creationId xmlns:a16="http://schemas.microsoft.com/office/drawing/2014/main" id="{0362000F-F895-4B8F-AEB4-AB72041D1571}"/>
+                    </a:ext>
+                  </a:extLst>
+                </p:cNvPr>
+                <p:cNvSpPr txBox="1"/>
+                <p:nvPr/>
+              </p:nvSpPr>
+              <p:spPr>
+                <a:xfrm>
+                  <a:off x="8188365" y="3249000"/>
+                  <a:ext cx="492173" cy="396519"/>
+                </a:xfrm>
+                <a:prstGeom prst="rect">
+                  <a:avLst/>
+                </a:prstGeom>
+                <a:noFill/>
+              </p:spPr>
+              <p:txBody>
+                <a:bodyPr wrap="square" rtlCol="0">
+                  <a:spAutoFit/>
+                </a:bodyPr>
+                <a:lstStyle/>
+                <a:p>
+                  <a14:m>
+                    <m:oMathPara xmlns:m="http://schemas.openxmlformats.org/officeDocument/2006/math">
+                      <m:oMathParaPr>
+                        <m:jc m:val="centerGroup"/>
+                      </m:oMathParaPr>
+                      <m:oMath xmlns:m="http://schemas.openxmlformats.org/officeDocument/2006/math">
+                        <m:sSub>
+                          <m:sSubPr>
+                            <m:ctrlPr>
+                              <a:rPr lang="en-US" altLang="zh-TW" b="0" i="1" smtClean="0">
+                                <a:solidFill>
+                                  <a:srgbClr val="FF0000"/>
+                                </a:solidFill>
+                                <a:latin typeface="Cambria Math" panose="02040503050406030204" pitchFamily="18" charset="0"/>
+                              </a:rPr>
+                            </m:ctrlPr>
+                          </m:sSubPr>
+                          <m:e>
+                            <m:r>
+                              <a:rPr lang="en-US" altLang="zh-TW" b="0" i="1" smtClean="0">
+                                <a:solidFill>
+                                  <a:srgbClr val="FF0000"/>
+                                </a:solidFill>
+                                <a:latin typeface="Cambria Math" panose="02040503050406030204" pitchFamily="18" charset="0"/>
+                              </a:rPr>
+                              <m:t>𝐶</m:t>
+                            </m:r>
+                          </m:e>
+                          <m:sub>
+                            <m:sSub>
+                              <m:sSubPr>
+                                <m:ctrlPr>
+                                  <a:rPr lang="en-US" altLang="zh-TW" b="0" i="1" smtClean="0">
+                                    <a:solidFill>
+                                      <a:srgbClr val="FF0000"/>
+                                    </a:solidFill>
+                                    <a:latin typeface="Cambria Math" panose="02040503050406030204" pitchFamily="18" charset="0"/>
+                                  </a:rPr>
+                                </m:ctrlPr>
+                              </m:sSubPr>
+                              <m:e>
+                                <m:r>
+                                  <a:rPr lang="en-US" altLang="zh-TW" b="0" i="1" smtClean="0">
+                                    <a:solidFill>
+                                      <a:srgbClr val="FF0000"/>
+                                    </a:solidFill>
+                                    <a:latin typeface="Cambria Math" panose="02040503050406030204" pitchFamily="18" charset="0"/>
+                                  </a:rPr>
+                                  <m:t>𝜃</m:t>
+                                </m:r>
+                              </m:e>
+                              <m:sub>
+                                <m:r>
+                                  <a:rPr lang="en-US" altLang="zh-TW" b="0" i="1" smtClean="0">
+                                    <a:solidFill>
+                                      <a:srgbClr val="FF0000"/>
+                                    </a:solidFill>
+                                    <a:latin typeface="Cambria Math" panose="02040503050406030204" pitchFamily="18" charset="0"/>
+                                  </a:rPr>
+                                  <m:t>𝑖</m:t>
+                                </m:r>
+                              </m:sub>
+                            </m:sSub>
+                          </m:sub>
+                        </m:sSub>
+                      </m:oMath>
+                    </m:oMathPara>
+                  </a14:m>
+                  <a:endParaRPr lang="zh-TW" altLang="en-US" dirty="0">
+                    <a:solidFill>
+                      <a:srgbClr val="FF0000"/>
+                    </a:solidFill>
+                  </a:endParaRPr>
+                </a:p>
+              </p:txBody>
+            </p:sp>
+          </mc:Choice>
+          <mc:Fallback>
+            <p:sp>
+              <p:nvSpPr>
+                <p:cNvPr id="49" name="文字方塊 48">
+                  <a:extLst>
+                    <a:ext uri="{FF2B5EF4-FFF2-40B4-BE49-F238E27FC236}">
+                      <a16:creationId xmlns:a16="http://schemas.microsoft.com/office/drawing/2014/main" id="{0362000F-F895-4B8F-AEB4-AB72041D1571}"/>
+                    </a:ext>
+                  </a:extLst>
+                </p:cNvPr>
+                <p:cNvSpPr txBox="1">
+                  <a:spLocks noRot="1" noChangeAspect="1" noMove="1" noResize="1" noEditPoints="1" noAdjustHandles="1" noChangeArrowheads="1" noChangeShapeType="1" noTextEdit="1"/>
+                </p:cNvSpPr>
+                <p:nvPr/>
+              </p:nvSpPr>
+              <p:spPr>
+                <a:xfrm>
+                  <a:off x="8188365" y="3249000"/>
+                  <a:ext cx="492173" cy="396519"/>
+                </a:xfrm>
+                <a:prstGeom prst="rect">
+                  <a:avLst/>
+                </a:prstGeom>
+                <a:blipFill>
+                  <a:blip r:embed="rId16"/>
+                  <a:stretch>
+                    <a:fillRect b="-1538"/>
+                  </a:stretch>
+                </a:blipFill>
+              </p:spPr>
+              <p:txBody>
+                <a:bodyPr/>
+                <a:lstStyle/>
+                <a:p>
+                  <a:r>
+                    <a:rPr lang="zh-TW" altLang="en-US">
+                      <a:noFill/>
+                    </a:rPr>
+                    <a:t> </a:t>
+                  </a:r>
+                </a:p>
+              </p:txBody>
+            </p:sp>
+          </mc:Fallback>
+        </mc:AlternateContent>
+        <mc:AlternateContent xmlns:mc="http://schemas.openxmlformats.org/markup-compatibility/2006">
+          <mc:Choice xmlns:a14="http://schemas.microsoft.com/office/drawing/2010/main" Requires="a14">
+            <p:sp>
+              <p:nvSpPr>
+                <p:cNvPr id="59" name="文字方塊 58">
+                  <a:extLst>
+                    <a:ext uri="{FF2B5EF4-FFF2-40B4-BE49-F238E27FC236}">
+                      <a16:creationId xmlns:a16="http://schemas.microsoft.com/office/drawing/2014/main" id="{E3488D35-5D6B-4055-857E-B9B276E6E87E}"/>
+                    </a:ext>
+                  </a:extLst>
+                </p:cNvPr>
+                <p:cNvSpPr txBox="1"/>
+                <p:nvPr/>
+              </p:nvSpPr>
+              <p:spPr>
+                <a:xfrm>
+                  <a:off x="8977184" y="3292029"/>
+                  <a:ext cx="492173" cy="396519"/>
+                </a:xfrm>
+                <a:prstGeom prst="rect">
+                  <a:avLst/>
+                </a:prstGeom>
+                <a:noFill/>
+              </p:spPr>
+              <p:txBody>
+                <a:bodyPr wrap="square" rtlCol="0">
+                  <a:spAutoFit/>
+                </a:bodyPr>
+                <a:lstStyle/>
+                <a:p>
+                  <a14:m>
+                    <m:oMathPara xmlns:m="http://schemas.openxmlformats.org/officeDocument/2006/math">
+                      <m:oMathParaPr>
+                        <m:jc m:val="centerGroup"/>
+                      </m:oMathParaPr>
+                      <m:oMath xmlns:m="http://schemas.openxmlformats.org/officeDocument/2006/math">
+                        <m:sSub>
+                          <m:sSubPr>
+                            <m:ctrlPr>
+                              <a:rPr lang="en-US" altLang="zh-TW" b="0" i="1" smtClean="0">
+                                <a:solidFill>
+                                  <a:srgbClr val="FF0000"/>
+                                </a:solidFill>
+                                <a:latin typeface="Cambria Math" panose="02040503050406030204" pitchFamily="18" charset="0"/>
+                              </a:rPr>
+                            </m:ctrlPr>
+                          </m:sSubPr>
+                          <m:e>
+                            <m:r>
+                              <a:rPr lang="en-US" altLang="zh-TW" b="0" i="1" smtClean="0">
+                                <a:solidFill>
+                                  <a:srgbClr val="FF0000"/>
+                                </a:solidFill>
+                                <a:latin typeface="Cambria Math" panose="02040503050406030204" pitchFamily="18" charset="0"/>
+                              </a:rPr>
+                              <m:t>𝑆</m:t>
+                            </m:r>
+                          </m:e>
+                          <m:sub>
+                            <m:sSub>
+                              <m:sSubPr>
+                                <m:ctrlPr>
+                                  <a:rPr lang="en-US" altLang="zh-TW" b="0" i="1" smtClean="0">
+                                    <a:solidFill>
+                                      <a:srgbClr val="FF0000"/>
+                                    </a:solidFill>
+                                    <a:latin typeface="Cambria Math" panose="02040503050406030204" pitchFamily="18" charset="0"/>
+                                  </a:rPr>
+                                </m:ctrlPr>
+                              </m:sSubPr>
+                              <m:e>
+                                <m:r>
+                                  <a:rPr lang="en-US" altLang="zh-TW" b="0" i="1" smtClean="0">
+                                    <a:solidFill>
+                                      <a:srgbClr val="FF0000"/>
+                                    </a:solidFill>
+                                    <a:latin typeface="Cambria Math" panose="02040503050406030204" pitchFamily="18" charset="0"/>
+                                  </a:rPr>
+                                  <m:t>𝜃</m:t>
+                                </m:r>
+                              </m:e>
+                              <m:sub>
+                                <m:r>
+                                  <a:rPr lang="en-US" altLang="zh-TW" b="0" i="1" smtClean="0">
+                                    <a:solidFill>
+                                      <a:srgbClr val="FF0000"/>
+                                    </a:solidFill>
+                                    <a:latin typeface="Cambria Math" panose="02040503050406030204" pitchFamily="18" charset="0"/>
+                                  </a:rPr>
+                                  <m:t>𝑖</m:t>
+                                </m:r>
+                              </m:sub>
+                            </m:sSub>
+                          </m:sub>
+                        </m:sSub>
+                      </m:oMath>
+                    </m:oMathPara>
+                  </a14:m>
+                  <a:endParaRPr lang="zh-TW" altLang="en-US" dirty="0">
+                    <a:solidFill>
+                      <a:srgbClr val="FF0000"/>
+                    </a:solidFill>
+                  </a:endParaRPr>
+                </a:p>
+              </p:txBody>
+            </p:sp>
+          </mc:Choice>
+          <mc:Fallback>
+            <p:sp>
+              <p:nvSpPr>
+                <p:cNvPr id="59" name="文字方塊 58">
+                  <a:extLst>
+                    <a:ext uri="{FF2B5EF4-FFF2-40B4-BE49-F238E27FC236}">
+                      <a16:creationId xmlns:a16="http://schemas.microsoft.com/office/drawing/2014/main" id="{E3488D35-5D6B-4055-857E-B9B276E6E87E}"/>
+                    </a:ext>
+                  </a:extLst>
+                </p:cNvPr>
+                <p:cNvSpPr txBox="1">
+                  <a:spLocks noRot="1" noChangeAspect="1" noMove="1" noResize="1" noEditPoints="1" noAdjustHandles="1" noChangeArrowheads="1" noChangeShapeType="1" noTextEdit="1"/>
+                </p:cNvSpPr>
+                <p:nvPr/>
+              </p:nvSpPr>
+              <p:spPr>
+                <a:xfrm>
+                  <a:off x="8977184" y="3292029"/>
+                  <a:ext cx="492173" cy="396519"/>
+                </a:xfrm>
+                <a:prstGeom prst="rect">
+                  <a:avLst/>
+                </a:prstGeom>
+                <a:blipFill>
+                  <a:blip r:embed="rId17"/>
+                  <a:stretch>
+                    <a:fillRect b="-3077"/>
+                  </a:stretch>
+                </a:blipFill>
+              </p:spPr>
+              <p:txBody>
+                <a:bodyPr/>
+                <a:lstStyle/>
+                <a:p>
+                  <a:r>
+                    <a:rPr lang="zh-TW" altLang="en-US">
+                      <a:noFill/>
+                    </a:rPr>
+                    <a:t> </a:t>
+                  </a:r>
+                </a:p>
+              </p:txBody>
+            </p:sp>
+          </mc:Fallback>
+        </mc:AlternateContent>
+        <mc:AlternateContent xmlns:mc="http://schemas.openxmlformats.org/markup-compatibility/2006">
+          <mc:Choice xmlns:a14="http://schemas.microsoft.com/office/drawing/2010/main" Requires="a14">
+            <p:sp>
+              <p:nvSpPr>
+                <p:cNvPr id="60" name="文字方塊 59">
+                  <a:extLst>
+                    <a:ext uri="{FF2B5EF4-FFF2-40B4-BE49-F238E27FC236}">
+                      <a16:creationId xmlns:a16="http://schemas.microsoft.com/office/drawing/2014/main" id="{E9CC8280-1E6E-4D54-8CBB-4B1F00C06FB7}"/>
+                    </a:ext>
+                  </a:extLst>
+                </p:cNvPr>
+                <p:cNvSpPr txBox="1"/>
+                <p:nvPr/>
+              </p:nvSpPr>
+              <p:spPr>
+                <a:xfrm>
+                  <a:off x="10287348" y="3305978"/>
+                  <a:ext cx="492173" cy="369332"/>
+                </a:xfrm>
+                <a:prstGeom prst="rect">
+                  <a:avLst/>
+                </a:prstGeom>
+                <a:noFill/>
+              </p:spPr>
+              <p:txBody>
+                <a:bodyPr wrap="square" rtlCol="0">
+                  <a:spAutoFit/>
+                </a:bodyPr>
+                <a:lstStyle/>
+                <a:p>
+                  <a14:m>
+                    <m:oMathPara xmlns:m="http://schemas.openxmlformats.org/officeDocument/2006/math">
+                      <m:oMathParaPr>
+                        <m:jc m:val="centerGroup"/>
+                      </m:oMathParaPr>
+                      <m:oMath xmlns:m="http://schemas.openxmlformats.org/officeDocument/2006/math">
+                        <m:sSub>
+                          <m:sSubPr>
+                            <m:ctrlPr>
+                              <a:rPr lang="en-US" altLang="zh-TW" b="0" i="1" smtClean="0">
+                                <a:solidFill>
+                                  <a:srgbClr val="FF0000"/>
+                                </a:solidFill>
+                                <a:latin typeface="Cambria Math" panose="02040503050406030204" pitchFamily="18" charset="0"/>
+                              </a:rPr>
+                            </m:ctrlPr>
+                          </m:sSubPr>
+                          <m:e>
+                            <m:r>
+                              <a:rPr lang="en-US" altLang="zh-TW" b="0" i="1" smtClean="0">
+                                <a:solidFill>
+                                  <a:srgbClr val="FF0000"/>
+                                </a:solidFill>
+                                <a:latin typeface="Cambria Math" panose="02040503050406030204" pitchFamily="18" charset="0"/>
+                              </a:rPr>
+                              <m:t>𝑟𝑎𝑡𝑖𝑜</m:t>
+                            </m:r>
+                          </m:e>
+                          <m:sub>
+                            <m:r>
+                              <a:rPr lang="en-US" altLang="zh-TW" b="0" i="1" smtClean="0">
+                                <a:solidFill>
+                                  <a:srgbClr val="FF0000"/>
+                                </a:solidFill>
+                                <a:latin typeface="Cambria Math" panose="02040503050406030204" pitchFamily="18" charset="0"/>
+                              </a:rPr>
+                              <m:t>𝑖</m:t>
+                            </m:r>
+                          </m:sub>
+                        </m:sSub>
+                      </m:oMath>
+                    </m:oMathPara>
+                  </a14:m>
+                  <a:endParaRPr lang="zh-TW" altLang="en-US" dirty="0">
+                    <a:solidFill>
+                      <a:srgbClr val="FF0000"/>
+                    </a:solidFill>
+                  </a:endParaRPr>
+                </a:p>
+              </p:txBody>
+            </p:sp>
+          </mc:Choice>
+          <mc:Fallback>
+            <p:sp>
+              <p:nvSpPr>
+                <p:cNvPr id="60" name="文字方塊 59">
+                  <a:extLst>
+                    <a:ext uri="{FF2B5EF4-FFF2-40B4-BE49-F238E27FC236}">
+                      <a16:creationId xmlns:a16="http://schemas.microsoft.com/office/drawing/2014/main" id="{E9CC8280-1E6E-4D54-8CBB-4B1F00C06FB7}"/>
+                    </a:ext>
+                  </a:extLst>
+                </p:cNvPr>
+                <p:cNvSpPr txBox="1">
+                  <a:spLocks noRot="1" noChangeAspect="1" noMove="1" noResize="1" noEditPoints="1" noAdjustHandles="1" noChangeArrowheads="1" noChangeShapeType="1" noTextEdit="1"/>
+                </p:cNvSpPr>
+                <p:nvPr/>
+              </p:nvSpPr>
+              <p:spPr>
+                <a:xfrm>
+                  <a:off x="10287348" y="3305978"/>
+                  <a:ext cx="492173" cy="369332"/>
+                </a:xfrm>
+                <a:prstGeom prst="rect">
+                  <a:avLst/>
+                </a:prstGeom>
+                <a:blipFill>
+                  <a:blip r:embed="rId18"/>
+                  <a:stretch>
+                    <a:fillRect r="-50000"/>
+                  </a:stretch>
+                </a:blipFill>
+              </p:spPr>
+              <p:txBody>
+                <a:bodyPr/>
+                <a:lstStyle/>
+                <a:p>
+                  <a:r>
+                    <a:rPr lang="zh-TW" altLang="en-US">
+                      <a:noFill/>
+                    </a:rPr>
+                    <a:t> </a:t>
+                  </a:r>
+                </a:p>
+              </p:txBody>
+            </p:sp>
+          </mc:Fallback>
+        </mc:AlternateContent>
+        <p:sp>
+          <p:nvSpPr>
+            <p:cNvPr id="53" name="矩形 52">
+              <a:extLst>
+                <a:ext uri="{FF2B5EF4-FFF2-40B4-BE49-F238E27FC236}">
+                  <a16:creationId xmlns:a16="http://schemas.microsoft.com/office/drawing/2014/main" id="{8B7EAD02-4CC2-4146-BB61-BAB0018470DF}"/>
+                </a:ext>
+              </a:extLst>
+            </p:cNvPr>
+            <p:cNvSpPr/>
+            <p:nvPr/>
+          </p:nvSpPr>
+          <p:spPr>
+            <a:xfrm>
+              <a:off x="8176825" y="2905228"/>
+              <a:ext cx="427810" cy="358611"/>
+            </a:xfrm>
+            <a:prstGeom prst="rect">
+              <a:avLst/>
+            </a:prstGeom>
+            <a:noFill/>
+            <a:ln w="19050">
+              <a:solidFill>
+                <a:srgbClr val="FF0000"/>
+              </a:solidFill>
+            </a:ln>
+          </p:spPr>
+          <p:style>
+            <a:lnRef idx="2">
+              <a:schemeClr val="accent1">
+                <a:shade val="50000"/>
+              </a:schemeClr>
+            </a:lnRef>
+            <a:fillRef idx="1">
+              <a:schemeClr val="accent1"/>
+            </a:fillRef>
+            <a:effectRef idx="0">
+              <a:schemeClr val="accent1"/>
+            </a:effectRef>
+            <a:fontRef idx="minor">
+              <a:schemeClr val="lt1"/>
+            </a:fontRef>
+          </p:style>
+          <p:txBody>
+            <a:bodyPr rtlCol="0" anchor="ctr"/>
+            <a:lstStyle/>
+            <a:p>
+              <a:pPr algn="ctr"/>
+              <a:endParaRPr lang="zh-TW" altLang="en-US"/>
+            </a:p>
+          </p:txBody>
+        </p:sp>
+        <p:sp>
+          <p:nvSpPr>
+            <p:cNvPr id="61" name="矩形 60">
+              <a:extLst>
+                <a:ext uri="{FF2B5EF4-FFF2-40B4-BE49-F238E27FC236}">
+                  <a16:creationId xmlns:a16="http://schemas.microsoft.com/office/drawing/2014/main" id="{C25543B9-5083-495C-BA10-F7D065B248E7}"/>
+                </a:ext>
+              </a:extLst>
+            </p:cNvPr>
+            <p:cNvSpPr/>
+            <p:nvPr/>
+          </p:nvSpPr>
+          <p:spPr>
+            <a:xfrm>
+              <a:off x="8978391" y="2905228"/>
+              <a:ext cx="427810" cy="358611"/>
+            </a:xfrm>
+            <a:prstGeom prst="rect">
+              <a:avLst/>
+            </a:prstGeom>
+            <a:noFill/>
+            <a:ln w="19050">
+              <a:solidFill>
+                <a:srgbClr val="FF0000"/>
+              </a:solidFill>
+            </a:ln>
+          </p:spPr>
+          <p:style>
+            <a:lnRef idx="2">
+              <a:schemeClr val="accent1">
+                <a:shade val="50000"/>
+              </a:schemeClr>
+            </a:lnRef>
+            <a:fillRef idx="1">
+              <a:schemeClr val="accent1"/>
+            </a:fillRef>
+            <a:effectRef idx="0">
+              <a:schemeClr val="accent1"/>
+            </a:effectRef>
+            <a:fontRef idx="minor">
+              <a:schemeClr val="lt1"/>
+            </a:fontRef>
+          </p:style>
+          <p:txBody>
+            <a:bodyPr rtlCol="0" anchor="ctr"/>
+            <a:lstStyle/>
+            <a:p>
+              <a:pPr algn="ctr"/>
+              <a:endParaRPr lang="zh-TW" altLang="en-US"/>
+            </a:p>
+          </p:txBody>
+        </p:sp>
+        <p:sp>
+          <p:nvSpPr>
+            <p:cNvPr id="62" name="矩形 61">
+              <a:extLst>
+                <a:ext uri="{FF2B5EF4-FFF2-40B4-BE49-F238E27FC236}">
+                  <a16:creationId xmlns:a16="http://schemas.microsoft.com/office/drawing/2014/main" id="{8503DDB9-72F5-4106-ABFD-C22D766FE9C2}"/>
+                </a:ext>
+              </a:extLst>
+            </p:cNvPr>
+            <p:cNvSpPr/>
+            <p:nvPr/>
+          </p:nvSpPr>
+          <p:spPr>
+            <a:xfrm>
+              <a:off x="9650464" y="2771864"/>
+              <a:ext cx="1129055" cy="657135"/>
+            </a:xfrm>
+            <a:prstGeom prst="rect">
+              <a:avLst/>
+            </a:prstGeom>
+            <a:noFill/>
+            <a:ln w="19050">
+              <a:solidFill>
+                <a:srgbClr val="FF0000"/>
+              </a:solidFill>
+            </a:ln>
+          </p:spPr>
+          <p:style>
+            <a:lnRef idx="2">
+              <a:schemeClr val="accent1">
+                <a:shade val="50000"/>
+              </a:schemeClr>
+            </a:lnRef>
+            <a:fillRef idx="1">
+              <a:schemeClr val="accent1"/>
+            </a:fillRef>
+            <a:effectRef idx="0">
+              <a:schemeClr val="accent1"/>
+            </a:effectRef>
+            <a:fontRef idx="minor">
+              <a:schemeClr val="lt1"/>
+            </a:fontRef>
+          </p:style>
+          <p:txBody>
+            <a:bodyPr rtlCol="0" anchor="ctr"/>
+            <a:lstStyle/>
+            <a:p>
+              <a:pPr algn="ctr"/>
+              <a:endParaRPr lang="zh-TW" altLang="en-US"/>
+            </a:p>
+          </p:txBody>
+        </p:sp>
+      </p:grpSp>
+      <p:pic>
+        <p:nvPicPr>
+          <p:cNvPr id="64" name="圖片 63">
+            <a:extLst>
+              <a:ext uri="{FF2B5EF4-FFF2-40B4-BE49-F238E27FC236}">
+                <a16:creationId xmlns:a16="http://schemas.microsoft.com/office/drawing/2014/main" id="{20B5589B-945D-4A18-96E6-4D43A1C84D7F}"/>
+              </a:ext>
+            </a:extLst>
+          </p:cNvPr>
+          <p:cNvPicPr>
+            <a:picLocks noChangeAspect="1"/>
+          </p:cNvPicPr>
+          <p:nvPr/>
+        </p:nvPicPr>
+        <p:blipFill>
+          <a:blip r:embed="rId19">
+            <a:extLst>
+              <a:ext uri="{28A0092B-C50C-407E-A947-70E740481C1C}">
+                <a14:useLocalDpi xmlns:a14="http://schemas.microsoft.com/office/drawing/2010/main" val="0"/>
+              </a:ext>
+            </a:extLst>
+          </a:blip>
+          <a:stretch>
+            <a:fillRect/>
+          </a:stretch>
+        </p:blipFill>
+        <p:spPr>
+          <a:xfrm>
+            <a:off x="7956445" y="5111495"/>
+            <a:ext cx="2533650" cy="1152525"/>
+          </a:xfrm>
+          <a:prstGeom prst="rect">
+            <a:avLst/>
+          </a:prstGeom>
+        </p:spPr>
+      </p:pic>
+      <p:cxnSp>
+        <p:nvCxnSpPr>
+          <p:cNvPr id="66" name="直線接點 65">
+            <a:extLst>
+              <a:ext uri="{FF2B5EF4-FFF2-40B4-BE49-F238E27FC236}">
+                <a16:creationId xmlns:a16="http://schemas.microsoft.com/office/drawing/2014/main" id="{C6170EE7-C6D3-4D3D-9A61-73CF5738500D}"/>
+              </a:ext>
+            </a:extLst>
+          </p:cNvPr>
+          <p:cNvCxnSpPr>
+            <a:cxnSpLocks/>
+          </p:cNvCxnSpPr>
+          <p:nvPr/>
+        </p:nvCxnSpPr>
+        <p:spPr>
+          <a:xfrm>
+            <a:off x="7096299" y="490160"/>
+            <a:ext cx="0" cy="5986068"/>
+          </a:xfrm>
+          <a:prstGeom prst="line">
+            <a:avLst/>
+          </a:prstGeom>
+          <a:ln w="57150">
+            <a:solidFill>
+              <a:srgbClr val="C00000"/>
+            </a:solidFill>
+            <a:prstDash val="sysDash"/>
+          </a:ln>
+          <a:effectLst>
+            <a:outerShdw blurRad="50800" dist="38100" dir="2700000" algn="tl" rotWithShape="0">
+              <a:prstClr val="black">
+                <a:alpha val="40000"/>
+              </a:prstClr>
+            </a:outerShdw>
+          </a:effectLst>
+        </p:spPr>
+        <p:style>
+          <a:lnRef idx="1">
+            <a:schemeClr val="accent1"/>
+          </a:lnRef>
+          <a:fillRef idx="0">
+            <a:schemeClr val="accent1"/>
+          </a:fillRef>
+          <a:effectRef idx="0">
+            <a:schemeClr val="accent1"/>
+          </a:effectRef>
+          <a:fontRef idx="minor">
+            <a:schemeClr val="tx1"/>
+          </a:fontRef>
+        </p:style>
+      </p:cxnSp>
+      <p:cxnSp>
+        <p:nvCxnSpPr>
+          <p:cNvPr id="68" name="直線接點 67">
+            <a:extLst>
+              <a:ext uri="{FF2B5EF4-FFF2-40B4-BE49-F238E27FC236}">
+                <a16:creationId xmlns:a16="http://schemas.microsoft.com/office/drawing/2014/main" id="{FB3BBA15-05E6-450B-8DCF-B5D25A502032}"/>
+              </a:ext>
+            </a:extLst>
+          </p:cNvPr>
+          <p:cNvCxnSpPr>
+            <a:cxnSpLocks/>
+          </p:cNvCxnSpPr>
+          <p:nvPr/>
+        </p:nvCxnSpPr>
+        <p:spPr>
+          <a:xfrm flipH="1">
+            <a:off x="7451244" y="3839498"/>
+            <a:ext cx="3335535" cy="0"/>
+          </a:xfrm>
+          <a:prstGeom prst="line">
+            <a:avLst/>
+          </a:prstGeom>
+          <a:ln w="57150">
+            <a:solidFill>
+              <a:srgbClr val="C00000"/>
+            </a:solidFill>
+            <a:prstDash val="sysDash"/>
+          </a:ln>
+          <a:effectLst>
+            <a:outerShdw blurRad="50800" dist="38100" dir="2700000" algn="tl" rotWithShape="0">
+              <a:prstClr val="black">
+                <a:alpha val="40000"/>
+              </a:prstClr>
+            </a:outerShdw>
+          </a:effectLst>
+        </p:spPr>
+        <p:style>
+          <a:lnRef idx="1">
+            <a:schemeClr val="accent1"/>
+          </a:lnRef>
+          <a:fillRef idx="0">
+            <a:schemeClr val="accent1"/>
+          </a:fillRef>
+          <a:effectRef idx="0">
+            <a:schemeClr val="accent1"/>
+          </a:effectRef>
+          <a:fontRef idx="minor">
+            <a:schemeClr val="tx1"/>
+          </a:fontRef>
+        </p:style>
+      </p:cxnSp>
+      <p:sp>
+        <p:nvSpPr>
+          <p:cNvPr id="70" name="文字方塊 69">
+            <a:extLst>
+              <a:ext uri="{FF2B5EF4-FFF2-40B4-BE49-F238E27FC236}">
+                <a16:creationId xmlns:a16="http://schemas.microsoft.com/office/drawing/2014/main" id="{3E102562-17DF-47C2-9E77-7752697EF168}"/>
+              </a:ext>
+            </a:extLst>
+          </p:cNvPr>
+          <p:cNvSpPr txBox="1"/>
+          <p:nvPr/>
+        </p:nvSpPr>
+        <p:spPr>
+          <a:xfrm>
+            <a:off x="7816649" y="6313367"/>
+            <a:ext cx="4112592" cy="369332"/>
+          </a:xfrm>
+          <a:prstGeom prst="rect">
+            <a:avLst/>
+          </a:prstGeom>
+          <a:noFill/>
+        </p:spPr>
+        <p:txBody>
+          <a:bodyPr wrap="square" rtlCol="0">
+            <a:spAutoFit/>
+          </a:bodyPr>
+          <a:lstStyle/>
+          <a:p>
+            <a:r>
+              <a:rPr lang="en-US" altLang="zh-TW" dirty="0">
+                <a:solidFill>
+                  <a:srgbClr val="FF0000"/>
+                </a:solidFill>
+              </a:rPr>
+              <a:t>Find the unknowns by least square</a:t>
+            </a:r>
+            <a:endParaRPr lang="zh-TW" altLang="en-US" dirty="0">
+              <a:solidFill>
+                <a:srgbClr val="FF0000"/>
+              </a:solidFill>
+            </a:endParaRPr>
+          </a:p>
+        </p:txBody>
+      </p:sp>
+      <p:sp>
+        <p:nvSpPr>
+          <p:cNvPr id="71" name="矩形 70">
+            <a:extLst>
+              <a:ext uri="{FF2B5EF4-FFF2-40B4-BE49-F238E27FC236}">
+                <a16:creationId xmlns:a16="http://schemas.microsoft.com/office/drawing/2014/main" id="{A38C6B30-52C7-4355-9FC1-52F8F44AB43E}"/>
+              </a:ext>
+            </a:extLst>
+          </p:cNvPr>
+          <p:cNvSpPr/>
+          <p:nvPr/>
+        </p:nvSpPr>
+        <p:spPr>
+          <a:xfrm>
+            <a:off x="8355233" y="5039634"/>
+            <a:ext cx="164131" cy="1249059"/>
+          </a:xfrm>
+          <a:prstGeom prst="rect">
+            <a:avLst/>
+          </a:prstGeom>
+          <a:noFill/>
+          <a:ln w="19050">
+            <a:solidFill>
+              <a:srgbClr val="FF0000"/>
+            </a:solidFill>
+          </a:ln>
+        </p:spPr>
+        <p:style>
+          <a:lnRef idx="2">
+            <a:schemeClr val="accent1">
+              <a:shade val="50000"/>
+            </a:schemeClr>
+          </a:lnRef>
+          <a:fillRef idx="1">
+            <a:schemeClr val="accent1"/>
+          </a:fillRef>
+          <a:effectRef idx="0">
+            <a:schemeClr val="accent1"/>
+          </a:effectRef>
+          <a:fontRef idx="minor">
+            <a:schemeClr val="lt1"/>
+          </a:fontRef>
+        </p:style>
+        <p:txBody>
+          <a:bodyPr rtlCol="0" anchor="ctr"/>
+          <a:lstStyle/>
+          <a:p>
+            <a:pPr algn="ctr"/>
+            <a:endParaRPr lang="zh-TW" altLang="en-US"/>
+          </a:p>
+        </p:txBody>
+      </p:sp>
+      <p:sp>
+        <p:nvSpPr>
+          <p:cNvPr id="72" name="矩形 71">
+            <a:extLst>
+              <a:ext uri="{FF2B5EF4-FFF2-40B4-BE49-F238E27FC236}">
+                <a16:creationId xmlns:a16="http://schemas.microsoft.com/office/drawing/2014/main" id="{88B40859-91CC-46E8-9B8E-ADCA3925107A}"/>
+              </a:ext>
+            </a:extLst>
+          </p:cNvPr>
+          <p:cNvSpPr/>
+          <p:nvPr/>
+        </p:nvSpPr>
+        <p:spPr>
+          <a:xfrm>
+            <a:off x="9141204" y="5051971"/>
+            <a:ext cx="164131" cy="1249059"/>
+          </a:xfrm>
+          <a:prstGeom prst="rect">
+            <a:avLst/>
+          </a:prstGeom>
+          <a:noFill/>
+          <a:ln w="19050">
+            <a:solidFill>
+              <a:srgbClr val="FF0000"/>
+            </a:solidFill>
+          </a:ln>
+        </p:spPr>
+        <p:style>
+          <a:lnRef idx="2">
+            <a:schemeClr val="accent1">
+              <a:shade val="50000"/>
+            </a:schemeClr>
+          </a:lnRef>
+          <a:fillRef idx="1">
+            <a:schemeClr val="accent1"/>
+          </a:fillRef>
+          <a:effectRef idx="0">
+            <a:schemeClr val="accent1"/>
+          </a:effectRef>
+          <a:fontRef idx="minor">
+            <a:schemeClr val="lt1"/>
+          </a:fontRef>
+        </p:style>
+        <p:txBody>
+          <a:bodyPr rtlCol="0" anchor="ctr"/>
+          <a:lstStyle/>
+          <a:p>
+            <a:pPr algn="ctr"/>
+            <a:endParaRPr lang="zh-TW" altLang="en-US"/>
+          </a:p>
+        </p:txBody>
+      </p:sp>
+    </p:spTree>
+    <p:extLst>
+      <p:ext uri="{BB962C8B-B14F-4D97-AF65-F5344CB8AC3E}">
+        <p14:creationId xmlns:p14="http://schemas.microsoft.com/office/powerpoint/2010/main" val="1679494779"/>
+      </p:ext>
+    </p:extLst>
+  </p:cSld>
+  <p:clrMapOvr>
+    <a:masterClrMapping/>
+  </p:clrMapOvr>
+</p:sld>
+</file>
+
+<file path=ppt/slides/slide3.xml><?xml version="1.0" encoding="utf-8"?>
+<p:sld xmlns:a="http://schemas.openxmlformats.org/drawingml/2006/main" xmlns:r="http://schemas.openxmlformats.org/officeDocument/2006/relationships" xmlns:p="http://schemas.openxmlformats.org/presentationml/2006/main">
+  <p:cSld>
+    <p:spTree>
+      <p:nvGrpSpPr>
+        <p:cNvPr id="1" name=""/>
+        <p:cNvGrpSpPr/>
+        <p:nvPr/>
+      </p:nvGrpSpPr>
+      <p:grpSpPr>
+        <a:xfrm>
+          <a:off x="0" y="0"/>
+          <a:ext cx="0" cy="0"/>
+          <a:chOff x="0" y="0"/>
+          <a:chExt cx="0" cy="0"/>
+        </a:xfrm>
+      </p:grpSpPr>
+      <p:grpSp>
+        <p:nvGrpSpPr>
+          <p:cNvPr id="113" name="群組 112">
+            <a:extLst>
+              <a:ext uri="{FF2B5EF4-FFF2-40B4-BE49-F238E27FC236}">
+                <a16:creationId xmlns:a16="http://schemas.microsoft.com/office/drawing/2014/main" id="{6C646E76-0038-4CFE-BCB3-1F43F8D3EF55}"/>
+              </a:ext>
+            </a:extLst>
+          </p:cNvPr>
+          <p:cNvGrpSpPr/>
+          <p:nvPr/>
+        </p:nvGrpSpPr>
+        <p:grpSpPr>
+          <a:xfrm>
+            <a:off x="657520" y="288645"/>
+            <a:ext cx="3903916" cy="3135724"/>
+            <a:chOff x="659618" y="39153"/>
+            <a:chExt cx="3903916" cy="3135724"/>
+          </a:xfrm>
+        </p:grpSpPr>
+        <p:sp>
+          <p:nvSpPr>
+            <p:cNvPr id="63" name="橢圓 62">
+              <a:extLst>
+                <a:ext uri="{FF2B5EF4-FFF2-40B4-BE49-F238E27FC236}">
+                  <a16:creationId xmlns:a16="http://schemas.microsoft.com/office/drawing/2014/main" id="{20C3CE89-C3AF-4902-93D9-313B148F8F45}"/>
+                </a:ext>
+              </a:extLst>
+            </p:cNvPr>
+            <p:cNvSpPr/>
+            <p:nvPr/>
+          </p:nvSpPr>
+          <p:spPr>
+            <a:xfrm>
+              <a:off x="2150564" y="2211670"/>
+              <a:ext cx="288000" cy="288000"/>
+            </a:xfrm>
+            <a:prstGeom prst="ellipse">
+              <a:avLst/>
+            </a:prstGeom>
+            <a:noFill/>
+            <a:ln w="76200">
+              <a:solidFill>
+                <a:srgbClr val="00B050"/>
+              </a:solidFill>
+            </a:ln>
+          </p:spPr>
+          <p:style>
+            <a:lnRef idx="2">
+              <a:schemeClr val="accent1">
+                <a:shade val="50000"/>
+              </a:schemeClr>
+            </a:lnRef>
+            <a:fillRef idx="1">
+              <a:schemeClr val="accent1"/>
+            </a:fillRef>
+            <a:effectRef idx="0">
+              <a:schemeClr val="accent1"/>
+            </a:effectRef>
+            <a:fontRef idx="minor">
+              <a:schemeClr val="lt1"/>
+            </a:fontRef>
+          </p:style>
+          <p:txBody>
+            <a:bodyPr rtlCol="0" anchor="ctr"/>
+            <a:lstStyle/>
+            <a:p>
+              <a:pPr algn="ctr"/>
+              <a:endParaRPr lang="zh-TW" altLang="en-US" dirty="0"/>
+            </a:p>
+          </p:txBody>
+        </p:sp>
+        <p:sp>
+          <p:nvSpPr>
+            <p:cNvPr id="62" name="橢圓 61">
+              <a:extLst>
+                <a:ext uri="{FF2B5EF4-FFF2-40B4-BE49-F238E27FC236}">
+                  <a16:creationId xmlns:a16="http://schemas.microsoft.com/office/drawing/2014/main" id="{EFEB8329-0003-4E8E-9163-159843B54619}"/>
+                </a:ext>
+              </a:extLst>
+            </p:cNvPr>
+            <p:cNvSpPr/>
+            <p:nvPr/>
+          </p:nvSpPr>
+          <p:spPr>
+            <a:xfrm>
+              <a:off x="3599492" y="1621431"/>
+              <a:ext cx="684000" cy="684000"/>
+            </a:xfrm>
+            <a:prstGeom prst="ellipse">
+              <a:avLst/>
+            </a:prstGeom>
+            <a:noFill/>
+            <a:ln w="76200">
+              <a:solidFill>
+                <a:srgbClr val="7030A0"/>
+              </a:solidFill>
+            </a:ln>
+          </p:spPr>
+          <p:style>
+            <a:lnRef idx="2">
+              <a:schemeClr val="accent1">
+                <a:shade val="50000"/>
+              </a:schemeClr>
+            </a:lnRef>
+            <a:fillRef idx="1">
+              <a:schemeClr val="accent1"/>
+            </a:fillRef>
+            <a:effectRef idx="0">
+              <a:schemeClr val="accent1"/>
+            </a:effectRef>
+            <a:fontRef idx="minor">
+              <a:schemeClr val="lt1"/>
+            </a:fontRef>
+          </p:style>
+          <p:txBody>
+            <a:bodyPr rtlCol="0" anchor="ctr"/>
+            <a:lstStyle/>
+            <a:p>
+              <a:pPr algn="ctr"/>
+              <a:endParaRPr lang="zh-TW" altLang="en-US" dirty="0"/>
+            </a:p>
+          </p:txBody>
+        </p:sp>
+        <p:sp>
+          <p:nvSpPr>
+            <p:cNvPr id="2" name="橢圓 1">
+              <a:extLst>
+                <a:ext uri="{FF2B5EF4-FFF2-40B4-BE49-F238E27FC236}">
+                  <a16:creationId xmlns:a16="http://schemas.microsoft.com/office/drawing/2014/main" id="{691BC6C9-634B-4FC3-ADFA-5BD2EB599BF5}"/>
+                </a:ext>
+              </a:extLst>
+            </p:cNvPr>
+            <p:cNvSpPr/>
+            <p:nvPr/>
+          </p:nvSpPr>
+          <p:spPr>
+            <a:xfrm>
+              <a:off x="1047534" y="2344874"/>
+              <a:ext cx="684000" cy="684000"/>
+            </a:xfrm>
+            <a:prstGeom prst="ellipse">
+              <a:avLst/>
+            </a:prstGeom>
+            <a:noFill/>
+            <a:ln w="76200">
+              <a:solidFill>
+                <a:srgbClr val="7030A0"/>
+              </a:solidFill>
+            </a:ln>
+          </p:spPr>
+          <p:style>
+            <a:lnRef idx="2">
+              <a:schemeClr val="accent1">
+                <a:shade val="50000"/>
+              </a:schemeClr>
+            </a:lnRef>
+            <a:fillRef idx="1">
+              <a:schemeClr val="accent1"/>
+            </a:fillRef>
+            <a:effectRef idx="0">
+              <a:schemeClr val="accent1"/>
+            </a:effectRef>
+            <a:fontRef idx="minor">
+              <a:schemeClr val="lt1"/>
+            </a:fontRef>
+          </p:style>
+          <p:txBody>
+            <a:bodyPr rtlCol="0" anchor="ctr"/>
+            <a:lstStyle/>
+            <a:p>
+              <a:pPr algn="ctr"/>
+              <a:endParaRPr lang="zh-TW" altLang="en-US" dirty="0"/>
+            </a:p>
+          </p:txBody>
+        </p:sp>
+        <p:sp>
+          <p:nvSpPr>
+            <p:cNvPr id="4" name="矩形 3">
+              <a:extLst>
+                <a:ext uri="{FF2B5EF4-FFF2-40B4-BE49-F238E27FC236}">
+                  <a16:creationId xmlns:a16="http://schemas.microsoft.com/office/drawing/2014/main" id="{DF977647-2DB8-4082-A5BD-DCC18DF34917}"/>
+                </a:ext>
+              </a:extLst>
+            </p:cNvPr>
+            <p:cNvSpPr/>
+            <p:nvPr/>
+          </p:nvSpPr>
+          <p:spPr>
+            <a:xfrm rot="20606465">
+              <a:off x="674280" y="1993778"/>
+              <a:ext cx="3828287" cy="50626"/>
+            </a:xfrm>
+            <a:prstGeom prst="rect">
+              <a:avLst/>
+            </a:prstGeom>
+            <a:solidFill>
+              <a:schemeClr val="accent2">
+                <a:lumMod val="50000"/>
+              </a:schemeClr>
+            </a:solidFill>
+            <a:ln>
+              <a:solidFill>
+                <a:schemeClr val="tx1"/>
+              </a:solidFill>
+            </a:ln>
+          </p:spPr>
+          <p:style>
+            <a:lnRef idx="2">
+              <a:schemeClr val="accent3">
+                <a:shade val="50000"/>
+              </a:schemeClr>
+            </a:lnRef>
+            <a:fillRef idx="1">
+              <a:schemeClr val="accent3"/>
+            </a:fillRef>
+            <a:effectRef idx="0">
+              <a:schemeClr val="accent3"/>
+            </a:effectRef>
+            <a:fontRef idx="minor">
+              <a:schemeClr val="lt1"/>
+            </a:fontRef>
+          </p:style>
+          <p:txBody>
+            <a:bodyPr rtlCol="0" anchor="ctr"/>
+            <a:lstStyle/>
+            <a:p>
+              <a:pPr algn="ctr"/>
+              <a:endParaRPr lang="zh-TW" altLang="en-US"/>
+            </a:p>
+          </p:txBody>
+        </p:sp>
+        <p:sp>
+          <p:nvSpPr>
+            <p:cNvPr id="5" name="矩形 4">
+              <a:extLst>
+                <a:ext uri="{FF2B5EF4-FFF2-40B4-BE49-F238E27FC236}">
+                  <a16:creationId xmlns:a16="http://schemas.microsoft.com/office/drawing/2014/main" id="{2F4D6765-A7E1-47DB-BE35-C634E1F6319D}"/>
+                </a:ext>
+              </a:extLst>
+            </p:cNvPr>
+            <p:cNvSpPr/>
+            <p:nvPr/>
+          </p:nvSpPr>
+          <p:spPr>
+            <a:xfrm rot="20606465">
+              <a:off x="1718000" y="1070994"/>
+              <a:ext cx="1573060" cy="926453"/>
+            </a:xfrm>
+            <a:prstGeom prst="rect">
+              <a:avLst/>
+            </a:prstGeom>
+            <a:ln>
+              <a:solidFill>
+                <a:schemeClr val="accent2">
+                  <a:lumMod val="75000"/>
+                </a:schemeClr>
+              </a:solidFill>
+            </a:ln>
+          </p:spPr>
+          <p:style>
+            <a:lnRef idx="2">
+              <a:schemeClr val="accent2">
+                <a:shade val="50000"/>
+              </a:schemeClr>
+            </a:lnRef>
+            <a:fillRef idx="1">
+              <a:schemeClr val="accent2"/>
+            </a:fillRef>
+            <a:effectRef idx="0">
+              <a:schemeClr val="accent2"/>
+            </a:effectRef>
+            <a:fontRef idx="minor">
+              <a:schemeClr val="lt1"/>
+            </a:fontRef>
+          </p:style>
+          <p:txBody>
+            <a:bodyPr rtlCol="0" anchor="ctr"/>
+            <a:lstStyle/>
+            <a:p>
+              <a:pPr algn="ctr"/>
+              <a:endParaRPr lang="zh-TW" altLang="en-US"/>
+            </a:p>
+          </p:txBody>
+        </p:sp>
+        <p:cxnSp>
+          <p:nvCxnSpPr>
+            <p:cNvPr id="39" name="直線單箭頭接點 38">
+              <a:extLst>
+                <a:ext uri="{FF2B5EF4-FFF2-40B4-BE49-F238E27FC236}">
+                  <a16:creationId xmlns:a16="http://schemas.microsoft.com/office/drawing/2014/main" id="{1C757DFA-CD43-4086-BC57-87BA61DAFB2E}"/>
+                </a:ext>
+              </a:extLst>
+            </p:cNvPr>
+            <p:cNvCxnSpPr>
+              <a:cxnSpLocks/>
+            </p:cNvCxnSpPr>
+            <p:nvPr/>
+          </p:nvCxnSpPr>
+          <p:spPr>
+            <a:xfrm>
+              <a:off x="2504529" y="1534219"/>
+              <a:ext cx="0" cy="612564"/>
+            </a:xfrm>
+            <a:prstGeom prst="straightConnector1">
+              <a:avLst/>
+            </a:prstGeom>
+            <a:ln w="76200">
+              <a:solidFill>
+                <a:srgbClr val="92D050"/>
+              </a:solidFill>
+              <a:tailEnd type="triangle"/>
+            </a:ln>
+          </p:spPr>
+          <p:style>
+            <a:lnRef idx="1">
+              <a:schemeClr val="accent1"/>
+            </a:lnRef>
+            <a:fillRef idx="0">
+              <a:schemeClr val="accent1"/>
+            </a:fillRef>
+            <a:effectRef idx="0">
+              <a:schemeClr val="accent1"/>
+            </a:effectRef>
+            <a:fontRef idx="minor">
+              <a:schemeClr val="tx1"/>
+            </a:fontRef>
+          </p:style>
+        </p:cxnSp>
+        <p:grpSp>
+          <p:nvGrpSpPr>
+            <p:cNvPr id="9" name="群組 8">
+              <a:extLst>
+                <a:ext uri="{FF2B5EF4-FFF2-40B4-BE49-F238E27FC236}">
+                  <a16:creationId xmlns:a16="http://schemas.microsoft.com/office/drawing/2014/main" id="{854A7CD9-D7CA-45D2-9D69-6A65FECC190E}"/>
+                </a:ext>
+              </a:extLst>
+            </p:cNvPr>
+            <p:cNvGrpSpPr/>
+            <p:nvPr/>
+          </p:nvGrpSpPr>
+          <p:grpSpPr>
+            <a:xfrm rot="20606465">
+              <a:off x="2396300" y="1426590"/>
+              <a:ext cx="216460" cy="215259"/>
+              <a:chOff x="6578600" y="1634067"/>
+              <a:chExt cx="360000" cy="360000"/>
+            </a:xfrm>
+          </p:grpSpPr>
+          <p:sp>
+            <p:nvSpPr>
+              <p:cNvPr id="6" name="橢圓 5">
+                <a:extLst>
+                  <a:ext uri="{FF2B5EF4-FFF2-40B4-BE49-F238E27FC236}">
+                    <a16:creationId xmlns:a16="http://schemas.microsoft.com/office/drawing/2014/main" id="{1CF7B9EA-F0D6-47EC-A1A3-A90186A9AF53}"/>
+                  </a:ext>
+                </a:extLst>
+              </p:cNvPr>
+              <p:cNvSpPr/>
+              <p:nvPr/>
+            </p:nvSpPr>
+            <p:spPr>
+              <a:xfrm>
+                <a:off x="6578600" y="1634067"/>
+                <a:ext cx="360000" cy="360000"/>
+              </a:xfrm>
+              <a:prstGeom prst="ellipse">
+                <a:avLst/>
+              </a:prstGeom>
+              <a:solidFill>
+                <a:schemeClr val="bg1"/>
+              </a:solidFill>
+              <a:ln w="28575">
+                <a:solidFill>
+                  <a:schemeClr val="tx1"/>
+                </a:solidFill>
+              </a:ln>
+            </p:spPr>
+            <p:style>
+              <a:lnRef idx="2">
+                <a:schemeClr val="accent1">
+                  <a:shade val="50000"/>
+                </a:schemeClr>
+              </a:lnRef>
+              <a:fillRef idx="1">
+                <a:schemeClr val="accent1"/>
+              </a:fillRef>
+              <a:effectRef idx="0">
+                <a:schemeClr val="accent1"/>
+              </a:effectRef>
+              <a:fontRef idx="minor">
+                <a:schemeClr val="lt1"/>
+              </a:fontRef>
+            </p:style>
+            <p:txBody>
+              <a:bodyPr rtlCol="0" anchor="ctr"/>
+              <a:lstStyle/>
+              <a:p>
+                <a:pPr algn="ctr"/>
+                <a:endParaRPr lang="zh-TW" altLang="en-US"/>
+              </a:p>
+            </p:txBody>
+          </p:sp>
+          <p:sp>
+            <p:nvSpPr>
+              <p:cNvPr id="7" name="局部圓 6">
+                <a:extLst>
+                  <a:ext uri="{FF2B5EF4-FFF2-40B4-BE49-F238E27FC236}">
+                    <a16:creationId xmlns:a16="http://schemas.microsoft.com/office/drawing/2014/main" id="{E0382E2A-68F7-4672-A7D8-8017C7465991}"/>
+                  </a:ext>
+                </a:extLst>
+              </p:cNvPr>
+              <p:cNvSpPr/>
+              <p:nvPr/>
+            </p:nvSpPr>
+            <p:spPr>
+              <a:xfrm rot="993535">
+                <a:off x="6578600" y="1634067"/>
+                <a:ext cx="360000" cy="360000"/>
+              </a:xfrm>
+              <a:prstGeom prst="pie">
+                <a:avLst>
+                  <a:gd name="adj1" fmla="val 10800000"/>
+                  <a:gd name="adj2" fmla="val 16200000"/>
+                </a:avLst>
+              </a:prstGeom>
+              <a:solidFill>
+                <a:schemeClr val="tx1"/>
+              </a:solidFill>
+              <a:ln>
+                <a:noFill/>
+              </a:ln>
+            </p:spPr>
+            <p:style>
+              <a:lnRef idx="2">
+                <a:schemeClr val="accent1">
+                  <a:shade val="50000"/>
+                </a:schemeClr>
+              </a:lnRef>
+              <a:fillRef idx="1">
+                <a:schemeClr val="accent1"/>
+              </a:fillRef>
+              <a:effectRef idx="0">
+                <a:schemeClr val="accent1"/>
+              </a:effectRef>
+              <a:fontRef idx="minor">
+                <a:schemeClr val="lt1"/>
+              </a:fontRef>
+            </p:style>
+            <p:txBody>
+              <a:bodyPr rtlCol="0" anchor="ctr"/>
+              <a:lstStyle/>
+              <a:p>
+                <a:pPr algn="ctr"/>
+                <a:endParaRPr lang="zh-TW" altLang="en-US">
+                  <a:solidFill>
+                    <a:schemeClr val="tx1"/>
+                  </a:solidFill>
+                </a:endParaRPr>
+              </a:p>
+            </p:txBody>
+          </p:sp>
+          <p:sp>
+            <p:nvSpPr>
+              <p:cNvPr id="8" name="局部圓 7">
+                <a:extLst>
+                  <a:ext uri="{FF2B5EF4-FFF2-40B4-BE49-F238E27FC236}">
+                    <a16:creationId xmlns:a16="http://schemas.microsoft.com/office/drawing/2014/main" id="{9B2F6EEF-92BB-499E-B79B-0621BB3B8226}"/>
+                  </a:ext>
+                </a:extLst>
+              </p:cNvPr>
+              <p:cNvSpPr/>
+              <p:nvPr/>
+            </p:nvSpPr>
+            <p:spPr>
+              <a:xfrm rot="993535">
+                <a:off x="6578600" y="1634067"/>
+                <a:ext cx="360000" cy="360000"/>
+              </a:xfrm>
+              <a:prstGeom prst="pie">
+                <a:avLst>
+                  <a:gd name="adj1" fmla="val 21599999"/>
+                  <a:gd name="adj2" fmla="val 5389896"/>
+                </a:avLst>
+              </a:prstGeom>
+              <a:solidFill>
+                <a:schemeClr val="tx1"/>
+              </a:solidFill>
+              <a:ln>
+                <a:noFill/>
+              </a:ln>
+            </p:spPr>
+            <p:style>
+              <a:lnRef idx="2">
+                <a:schemeClr val="accent1">
+                  <a:shade val="50000"/>
+                </a:schemeClr>
+              </a:lnRef>
+              <a:fillRef idx="1">
+                <a:schemeClr val="accent1"/>
+              </a:fillRef>
+              <a:effectRef idx="0">
+                <a:schemeClr val="accent1"/>
+              </a:effectRef>
+              <a:fontRef idx="minor">
+                <a:schemeClr val="lt1"/>
+              </a:fontRef>
+            </p:style>
+            <p:txBody>
+              <a:bodyPr rtlCol="0" anchor="ctr"/>
+              <a:lstStyle/>
+              <a:p>
+                <a:pPr algn="ctr"/>
+                <a:endParaRPr lang="zh-TW" altLang="en-US">
+                  <a:solidFill>
+                    <a:schemeClr val="tx1"/>
+                  </a:solidFill>
+                </a:endParaRPr>
+              </a:p>
+            </p:txBody>
+          </p:sp>
+        </p:grpSp>
+        <p:cxnSp>
+          <p:nvCxnSpPr>
+            <p:cNvPr id="12" name="直線單箭頭接點 11">
+              <a:extLst>
+                <a:ext uri="{FF2B5EF4-FFF2-40B4-BE49-F238E27FC236}">
+                  <a16:creationId xmlns:a16="http://schemas.microsoft.com/office/drawing/2014/main" id="{C6776DC9-919A-4581-8F34-0AEC235A056F}"/>
+                </a:ext>
+              </a:extLst>
+            </p:cNvPr>
+            <p:cNvCxnSpPr>
+              <a:endCxn id="5" idx="2"/>
+            </p:cNvCxnSpPr>
+            <p:nvPr/>
+          </p:nvCxnSpPr>
+          <p:spPr>
+            <a:xfrm rot="20606465">
+              <a:off x="2570908" y="1524614"/>
+              <a:ext cx="0" cy="463226"/>
+            </a:xfrm>
+            <a:prstGeom prst="straightConnector1">
+              <a:avLst/>
+            </a:prstGeom>
+            <a:ln w="28575">
+              <a:headEnd type="arrow" w="med" len="med"/>
+              <a:tailEnd type="arrow" w="med" len="med"/>
+            </a:ln>
+          </p:spPr>
+          <p:style>
+            <a:lnRef idx="1">
+              <a:schemeClr val="accent1"/>
+            </a:lnRef>
+            <a:fillRef idx="0">
+              <a:schemeClr val="accent1"/>
+            </a:fillRef>
+            <a:effectRef idx="0">
+              <a:schemeClr val="accent1"/>
+            </a:effectRef>
+            <a:fontRef idx="minor">
+              <a:schemeClr val="tx1"/>
+            </a:fontRef>
+          </p:style>
+        </p:cxnSp>
+        <p:cxnSp>
+          <p:nvCxnSpPr>
+            <p:cNvPr id="13" name="直線單箭頭接點 12">
+              <a:extLst>
+                <a:ext uri="{FF2B5EF4-FFF2-40B4-BE49-F238E27FC236}">
+                  <a16:creationId xmlns:a16="http://schemas.microsoft.com/office/drawing/2014/main" id="{DBA39FBA-E2FA-49C5-AEF3-7058F315CDD1}"/>
+                </a:ext>
+              </a:extLst>
+            </p:cNvPr>
+            <p:cNvCxnSpPr>
+              <a:cxnSpLocks/>
+            </p:cNvCxnSpPr>
+            <p:nvPr/>
+          </p:nvCxnSpPr>
+          <p:spPr>
+            <a:xfrm rot="20606465" flipH="1">
+              <a:off x="1185933" y="1725035"/>
+              <a:ext cx="1346519" cy="0"/>
+            </a:xfrm>
+            <a:prstGeom prst="straightConnector1">
+              <a:avLst/>
+            </a:prstGeom>
+            <a:ln w="28575">
+              <a:headEnd type="arrow" w="med" len="med"/>
+              <a:tailEnd type="arrow" w="med" len="med"/>
+            </a:ln>
+          </p:spPr>
+          <p:style>
+            <a:lnRef idx="1">
+              <a:schemeClr val="accent1"/>
+            </a:lnRef>
+            <a:fillRef idx="0">
+              <a:schemeClr val="accent1"/>
+            </a:fillRef>
+            <a:effectRef idx="0">
+              <a:schemeClr val="accent1"/>
+            </a:effectRef>
+            <a:fontRef idx="minor">
+              <a:schemeClr val="tx1"/>
+            </a:fontRef>
+          </p:style>
+        </p:cxnSp>
+        <p:cxnSp>
+          <p:nvCxnSpPr>
+            <p:cNvPr id="16" name="直線接點 15">
+              <a:extLst>
+                <a:ext uri="{FF2B5EF4-FFF2-40B4-BE49-F238E27FC236}">
+                  <a16:creationId xmlns:a16="http://schemas.microsoft.com/office/drawing/2014/main" id="{673DCCAC-A8DF-49EB-BA39-FEA8B9555418}"/>
+                </a:ext>
+              </a:extLst>
+            </p:cNvPr>
+            <p:cNvCxnSpPr>
+              <a:cxnSpLocks/>
+            </p:cNvCxnSpPr>
+            <p:nvPr/>
+          </p:nvCxnSpPr>
+          <p:spPr>
+            <a:xfrm rot="20606465">
+              <a:off x="1173140" y="1123754"/>
+              <a:ext cx="0" cy="1311842"/>
+            </a:xfrm>
+            <a:prstGeom prst="line">
+              <a:avLst/>
+            </a:prstGeom>
+            <a:ln>
+              <a:solidFill>
+                <a:schemeClr val="tx1"/>
+              </a:solidFill>
+              <a:prstDash val="dash"/>
+            </a:ln>
+          </p:spPr>
+          <p:style>
+            <a:lnRef idx="1">
+              <a:schemeClr val="accent1"/>
+            </a:lnRef>
+            <a:fillRef idx="0">
+              <a:schemeClr val="accent1"/>
+            </a:fillRef>
+            <a:effectRef idx="0">
+              <a:schemeClr val="accent1"/>
+            </a:effectRef>
+            <a:fontRef idx="minor">
+              <a:schemeClr val="tx1"/>
+            </a:fontRef>
+          </p:style>
+        </p:cxnSp>
+        <p:sp>
+          <p:nvSpPr>
+            <p:cNvPr id="21" name="直角三角形 20">
+              <a:extLst>
+                <a:ext uri="{FF2B5EF4-FFF2-40B4-BE49-F238E27FC236}">
+                  <a16:creationId xmlns:a16="http://schemas.microsoft.com/office/drawing/2014/main" id="{228C9EE9-12EB-47A4-989E-275307593E95}"/>
+                </a:ext>
+              </a:extLst>
+            </p:cNvPr>
+            <p:cNvSpPr/>
+            <p:nvPr/>
+          </p:nvSpPr>
+          <p:spPr>
+            <a:xfrm rot="20606465">
+              <a:off x="3357032" y="1521847"/>
+              <a:ext cx="178178" cy="212628"/>
+            </a:xfrm>
+            <a:prstGeom prst="rtTriangle">
+              <a:avLst/>
+            </a:prstGeom>
+            <a:solidFill>
+              <a:schemeClr val="tx1"/>
+            </a:solidFill>
+            <a:ln>
+              <a:noFill/>
+            </a:ln>
+          </p:spPr>
+          <p:style>
+            <a:lnRef idx="2">
+              <a:schemeClr val="accent1">
+                <a:shade val="50000"/>
+              </a:schemeClr>
+            </a:lnRef>
+            <a:fillRef idx="1">
+              <a:schemeClr val="accent1"/>
+            </a:fillRef>
+            <a:effectRef idx="0">
+              <a:schemeClr val="accent1"/>
+            </a:effectRef>
+            <a:fontRef idx="minor">
+              <a:schemeClr val="lt1"/>
+            </a:fontRef>
+          </p:style>
+          <p:txBody>
+            <a:bodyPr rtlCol="0" anchor="ctr"/>
+            <a:lstStyle/>
+            <a:p>
+              <a:pPr algn="ctr"/>
+              <a:endParaRPr lang="zh-TW" altLang="en-US"/>
+            </a:p>
+          </p:txBody>
+        </p:sp>
+        <p:sp>
+          <p:nvSpPr>
+            <p:cNvPr id="22" name="直角三角形 21">
+              <a:extLst>
+                <a:ext uri="{FF2B5EF4-FFF2-40B4-BE49-F238E27FC236}">
+                  <a16:creationId xmlns:a16="http://schemas.microsoft.com/office/drawing/2014/main" id="{1A5D3126-2CC6-4DD4-B81D-61813DBF7878}"/>
+                </a:ext>
+              </a:extLst>
+            </p:cNvPr>
+            <p:cNvSpPr/>
+            <p:nvPr/>
+          </p:nvSpPr>
+          <p:spPr>
+            <a:xfrm rot="20606465" flipH="1">
+              <a:off x="1678047" y="2016924"/>
+              <a:ext cx="178178" cy="212628"/>
+            </a:xfrm>
+            <a:prstGeom prst="rtTriangle">
+              <a:avLst/>
+            </a:prstGeom>
+            <a:solidFill>
+              <a:schemeClr val="tx1"/>
+            </a:solidFill>
+            <a:ln>
+              <a:noFill/>
+            </a:ln>
+          </p:spPr>
+          <p:style>
+            <a:lnRef idx="2">
+              <a:schemeClr val="accent1">
+                <a:shade val="50000"/>
+              </a:schemeClr>
+            </a:lnRef>
+            <a:fillRef idx="1">
+              <a:schemeClr val="accent1"/>
+            </a:fillRef>
+            <a:effectRef idx="0">
+              <a:schemeClr val="accent1"/>
+            </a:effectRef>
+            <a:fontRef idx="minor">
+              <a:schemeClr val="lt1"/>
+            </a:fontRef>
+          </p:style>
+          <p:txBody>
+            <a:bodyPr rtlCol="0" anchor="ctr"/>
+            <a:lstStyle/>
+            <a:p>
+              <a:pPr algn="ctr"/>
+              <a:endParaRPr lang="zh-TW" altLang="en-US"/>
+            </a:p>
+          </p:txBody>
+        </p:sp>
+        <p:sp>
+          <p:nvSpPr>
+            <p:cNvPr id="24" name="等腰三角形 23">
+              <a:extLst>
+                <a:ext uri="{FF2B5EF4-FFF2-40B4-BE49-F238E27FC236}">
+                  <a16:creationId xmlns:a16="http://schemas.microsoft.com/office/drawing/2014/main" id="{3F6DF27B-3E9C-457D-A6A8-BC798A759156}"/>
+                </a:ext>
+              </a:extLst>
+            </p:cNvPr>
+            <p:cNvSpPr/>
+            <p:nvPr/>
+          </p:nvSpPr>
+          <p:spPr>
+            <a:xfrm>
+              <a:off x="1100181" y="2418958"/>
+              <a:ext cx="521879" cy="290798"/>
+            </a:xfrm>
+            <a:prstGeom prst="triangle">
+              <a:avLst/>
+            </a:prstGeom>
+            <a:solidFill>
+              <a:srgbClr val="C00000"/>
+            </a:solidFill>
+            <a:ln>
+              <a:solidFill>
+                <a:srgbClr val="C00000"/>
+              </a:solidFill>
+            </a:ln>
+          </p:spPr>
+          <p:style>
+            <a:lnRef idx="2">
+              <a:schemeClr val="accent1">
+                <a:shade val="50000"/>
+              </a:schemeClr>
+            </a:lnRef>
+            <a:fillRef idx="1">
+              <a:schemeClr val="accent1"/>
+            </a:fillRef>
+            <a:effectRef idx="0">
+              <a:schemeClr val="accent1"/>
+            </a:effectRef>
+            <a:fontRef idx="minor">
+              <a:schemeClr val="lt1"/>
+            </a:fontRef>
+          </p:style>
+          <p:txBody>
+            <a:bodyPr rtlCol="0" anchor="ctr"/>
+            <a:lstStyle/>
+            <a:p>
+              <a:pPr algn="ctr"/>
+              <a:endParaRPr lang="zh-TW" altLang="en-US"/>
+            </a:p>
+          </p:txBody>
+        </p:sp>
+        <p:sp>
+          <p:nvSpPr>
+            <p:cNvPr id="25" name="等腰三角形 24">
+              <a:extLst>
+                <a:ext uri="{FF2B5EF4-FFF2-40B4-BE49-F238E27FC236}">
+                  <a16:creationId xmlns:a16="http://schemas.microsoft.com/office/drawing/2014/main" id="{88F44D2C-3705-40E0-A0CD-2E1AB9579422}"/>
+                </a:ext>
+              </a:extLst>
+            </p:cNvPr>
+            <p:cNvSpPr/>
+            <p:nvPr/>
+          </p:nvSpPr>
+          <p:spPr>
+            <a:xfrm>
+              <a:off x="3647939" y="1668061"/>
+              <a:ext cx="521879" cy="290798"/>
+            </a:xfrm>
+            <a:prstGeom prst="triangle">
+              <a:avLst/>
+            </a:prstGeom>
+            <a:solidFill>
+              <a:srgbClr val="C00000"/>
+            </a:solidFill>
+            <a:ln>
+              <a:solidFill>
+                <a:srgbClr val="C00000"/>
+              </a:solidFill>
+            </a:ln>
+          </p:spPr>
+          <p:style>
+            <a:lnRef idx="2">
+              <a:schemeClr val="accent1">
+                <a:shade val="50000"/>
+              </a:schemeClr>
+            </a:lnRef>
+            <a:fillRef idx="1">
+              <a:schemeClr val="accent1"/>
+            </a:fillRef>
+            <a:effectRef idx="0">
+              <a:schemeClr val="accent1"/>
+            </a:effectRef>
+            <a:fontRef idx="minor">
+              <a:schemeClr val="lt1"/>
+            </a:fontRef>
+          </p:style>
+          <p:txBody>
+            <a:bodyPr rtlCol="0" anchor="ctr"/>
+            <a:lstStyle/>
+            <a:p>
+              <a:pPr algn="ctr"/>
+              <a:endParaRPr lang="zh-TW" altLang="en-US"/>
+            </a:p>
+          </p:txBody>
+        </p:sp>
+        <p:cxnSp>
+          <p:nvCxnSpPr>
+            <p:cNvPr id="27" name="直線接點 26">
+              <a:extLst>
+                <a:ext uri="{FF2B5EF4-FFF2-40B4-BE49-F238E27FC236}">
+                  <a16:creationId xmlns:a16="http://schemas.microsoft.com/office/drawing/2014/main" id="{59195DE1-43FB-4B07-8D95-5826CE218183}"/>
+                </a:ext>
+              </a:extLst>
+            </p:cNvPr>
+            <p:cNvCxnSpPr>
+              <a:cxnSpLocks/>
+            </p:cNvCxnSpPr>
+            <p:nvPr/>
+          </p:nvCxnSpPr>
+          <p:spPr>
+            <a:xfrm>
+              <a:off x="1100181" y="2416379"/>
+              <a:ext cx="3463353" cy="1"/>
+            </a:xfrm>
+            <a:prstGeom prst="line">
+              <a:avLst/>
+            </a:prstGeom>
+          </p:spPr>
+          <p:style>
+            <a:lnRef idx="1">
+              <a:schemeClr val="accent1"/>
+            </a:lnRef>
+            <a:fillRef idx="0">
+              <a:schemeClr val="accent1"/>
+            </a:fillRef>
+            <a:effectRef idx="0">
+              <a:schemeClr val="accent1"/>
+            </a:effectRef>
+            <a:fontRef idx="minor">
+              <a:schemeClr val="tx1"/>
+            </a:fontRef>
+          </p:style>
+        </p:cxnSp>
+        <p:sp>
+          <p:nvSpPr>
+            <p:cNvPr id="30" name="弧形 29">
+              <a:extLst>
+                <a:ext uri="{FF2B5EF4-FFF2-40B4-BE49-F238E27FC236}">
+                  <a16:creationId xmlns:a16="http://schemas.microsoft.com/office/drawing/2014/main" id="{385B32B2-D22E-4663-839E-4C7815F5F8D0}"/>
+                </a:ext>
+              </a:extLst>
+            </p:cNvPr>
+            <p:cNvSpPr/>
+            <p:nvPr/>
+          </p:nvSpPr>
+          <p:spPr>
+            <a:xfrm>
+              <a:off x="659618" y="1668061"/>
+              <a:ext cx="1515217" cy="1506816"/>
+            </a:xfrm>
+            <a:prstGeom prst="arc">
+              <a:avLst>
+                <a:gd name="adj1" fmla="val 20526318"/>
+                <a:gd name="adj2" fmla="val 0"/>
+              </a:avLst>
+            </a:prstGeom>
+            <a:ln w="28575">
+              <a:headEnd type="arrow" w="med" len="med"/>
+              <a:tailEnd type="arrow" w="med" len="med"/>
+            </a:ln>
+          </p:spPr>
+          <p:style>
+            <a:lnRef idx="1">
+              <a:schemeClr val="accent1"/>
+            </a:lnRef>
+            <a:fillRef idx="0">
+              <a:schemeClr val="accent1"/>
+            </a:fillRef>
+            <a:effectRef idx="0">
+              <a:schemeClr val="accent1"/>
+            </a:effectRef>
+            <a:fontRef idx="minor">
+              <a:schemeClr val="tx1"/>
+            </a:fontRef>
+          </p:style>
+          <p:txBody>
+            <a:bodyPr rtlCol="0" anchor="ctr"/>
+            <a:lstStyle/>
+            <a:p>
+              <a:pPr algn="ctr"/>
+              <a:endParaRPr lang="zh-TW" altLang="en-US"/>
+            </a:p>
+          </p:txBody>
+        </p:sp>
+        <p:cxnSp>
+          <p:nvCxnSpPr>
+            <p:cNvPr id="31" name="直線接點 30">
+              <a:extLst>
+                <a:ext uri="{FF2B5EF4-FFF2-40B4-BE49-F238E27FC236}">
+                  <a16:creationId xmlns:a16="http://schemas.microsoft.com/office/drawing/2014/main" id="{834E98AD-F80D-473D-A050-D2095974C34A}"/>
+                </a:ext>
+              </a:extLst>
+            </p:cNvPr>
+            <p:cNvCxnSpPr>
+              <a:cxnSpLocks/>
+            </p:cNvCxnSpPr>
+            <p:nvPr/>
+          </p:nvCxnSpPr>
+          <p:spPr>
+            <a:xfrm rot="20606465">
+              <a:off x="3720891" y="362952"/>
+              <a:ext cx="0" cy="1311842"/>
+            </a:xfrm>
+            <a:prstGeom prst="line">
+              <a:avLst/>
+            </a:prstGeom>
+            <a:ln>
+              <a:solidFill>
+                <a:schemeClr val="tx1"/>
+              </a:solidFill>
+              <a:prstDash val="dash"/>
+            </a:ln>
+          </p:spPr>
+          <p:style>
+            <a:lnRef idx="1">
+              <a:schemeClr val="accent1"/>
+            </a:lnRef>
+            <a:fillRef idx="0">
+              <a:schemeClr val="accent1"/>
+            </a:fillRef>
+            <a:effectRef idx="0">
+              <a:schemeClr val="accent1"/>
+            </a:effectRef>
+            <a:fontRef idx="minor">
+              <a:schemeClr val="tx1"/>
+            </a:fontRef>
+          </p:style>
+        </p:cxnSp>
+        <mc:AlternateContent xmlns:mc="http://schemas.openxmlformats.org/markup-compatibility/2006">
+          <mc:Choice xmlns:a14="http://schemas.microsoft.com/office/drawing/2010/main" Requires="a14">
+            <p:sp>
+              <p:nvSpPr>
+                <p:cNvPr id="32" name="文字方塊 31">
+                  <a:extLst>
+                    <a:ext uri="{FF2B5EF4-FFF2-40B4-BE49-F238E27FC236}">
+                      <a16:creationId xmlns:a16="http://schemas.microsoft.com/office/drawing/2014/main" id="{1173E25B-0E16-469D-AF40-D847157D9B2E}"/>
+                    </a:ext>
+                  </a:extLst>
+                </p:cNvPr>
+                <p:cNvSpPr txBox="1"/>
+                <p:nvPr/>
+              </p:nvSpPr>
+              <p:spPr>
+                <a:xfrm>
+                  <a:off x="2555608" y="1613208"/>
+                  <a:ext cx="196939" cy="220839"/>
+                </a:xfrm>
+                <a:prstGeom prst="rect">
+                  <a:avLst/>
+                </a:prstGeom>
+                <a:noFill/>
+              </p:spPr>
+              <p:txBody>
+                <a:bodyPr wrap="square" rtlCol="0">
+                  <a:spAutoFit/>
+                </a:bodyPr>
+                <a:lstStyle/>
+                <a:p>
+                  <a:pPr/>
+                  <a14:m>
+                    <m:oMathPara xmlns:m="http://schemas.openxmlformats.org/officeDocument/2006/math">
+                      <m:oMathParaPr>
+                        <m:jc m:val="centerGroup"/>
+                      </m:oMathParaPr>
+                      <m:oMath xmlns:m="http://schemas.openxmlformats.org/officeDocument/2006/math">
+                        <m:r>
+                          <a:rPr lang="en-US" altLang="zh-TW" i="1" dirty="0" smtClean="0">
+                            <a:latin typeface="Cambria Math" panose="02040503050406030204" pitchFamily="18" charset="0"/>
+                          </a:rPr>
+                          <m:t>h</m:t>
+                        </m:r>
+                      </m:oMath>
+                    </m:oMathPara>
+                  </a14:m>
+                  <a:endParaRPr lang="zh-TW" altLang="en-US" dirty="0"/>
+                </a:p>
+              </p:txBody>
+            </p:sp>
+          </mc:Choice>
+          <mc:Fallback>
+            <p:sp>
+              <p:nvSpPr>
+                <p:cNvPr id="32" name="文字方塊 31">
+                  <a:extLst>
+                    <a:ext uri="{FF2B5EF4-FFF2-40B4-BE49-F238E27FC236}">
+                      <a16:creationId xmlns:a16="http://schemas.microsoft.com/office/drawing/2014/main" id="{1173E25B-0E16-469D-AF40-D847157D9B2E}"/>
+                    </a:ext>
+                  </a:extLst>
+                </p:cNvPr>
+                <p:cNvSpPr txBox="1">
+                  <a:spLocks noRot="1" noChangeAspect="1" noMove="1" noResize="1" noEditPoints="1" noAdjustHandles="1" noChangeArrowheads="1" noChangeShapeType="1" noTextEdit="1"/>
+                </p:cNvSpPr>
+                <p:nvPr/>
+              </p:nvSpPr>
+              <p:spPr>
+                <a:xfrm>
+                  <a:off x="2555608" y="1613208"/>
+                  <a:ext cx="196939" cy="220839"/>
+                </a:xfrm>
+                <a:prstGeom prst="rect">
+                  <a:avLst/>
+                </a:prstGeom>
+                <a:blipFill>
+                  <a:blip r:embed="rId2"/>
+                  <a:stretch>
+                    <a:fillRect r="-56250" b="-55556"/>
+                  </a:stretch>
+                </a:blipFill>
+              </p:spPr>
+              <p:txBody>
+                <a:bodyPr/>
+                <a:lstStyle/>
+                <a:p>
+                  <a:r>
+                    <a:rPr lang="zh-TW" altLang="en-US">
+                      <a:noFill/>
+                    </a:rPr>
+                    <a:t> </a:t>
+                  </a:r>
+                </a:p>
+              </p:txBody>
+            </p:sp>
+          </mc:Fallback>
+        </mc:AlternateContent>
+        <mc:AlternateContent xmlns:mc="http://schemas.openxmlformats.org/markup-compatibility/2006">
+          <mc:Choice xmlns:a14="http://schemas.microsoft.com/office/drawing/2010/main" Requires="a14">
+            <p:sp>
+              <p:nvSpPr>
+                <p:cNvPr id="33" name="文字方塊 32">
+                  <a:extLst>
+                    <a:ext uri="{FF2B5EF4-FFF2-40B4-BE49-F238E27FC236}">
+                      <a16:creationId xmlns:a16="http://schemas.microsoft.com/office/drawing/2014/main" id="{DB9A5C82-4F33-48D8-84C7-A1E0EFD8B8C5}"/>
+                    </a:ext>
+                  </a:extLst>
+                </p:cNvPr>
+                <p:cNvSpPr txBox="1"/>
+                <p:nvPr/>
+              </p:nvSpPr>
+              <p:spPr>
+                <a:xfrm>
+                  <a:off x="1767136" y="1534219"/>
+                  <a:ext cx="171696" cy="220839"/>
+                </a:xfrm>
+                <a:prstGeom prst="rect">
+                  <a:avLst/>
+                </a:prstGeom>
+                <a:noFill/>
+              </p:spPr>
+              <p:txBody>
+                <a:bodyPr wrap="square" rtlCol="0">
+                  <a:spAutoFit/>
+                </a:bodyPr>
+                <a:lstStyle/>
+                <a:p>
+                  <a:pPr/>
+                  <a14:m>
+                    <m:oMathPara xmlns:m="http://schemas.openxmlformats.org/officeDocument/2006/math">
+                      <m:oMathParaPr>
+                        <m:jc m:val="centerGroup"/>
+                      </m:oMathParaPr>
+                      <m:oMath xmlns:m="http://schemas.openxmlformats.org/officeDocument/2006/math">
+                        <m:r>
+                          <a:rPr lang="en-US" altLang="zh-TW" i="1" dirty="0" smtClean="0">
+                            <a:latin typeface="Cambria Math" panose="02040503050406030204" pitchFamily="18" charset="0"/>
+                          </a:rPr>
+                          <m:t>𝑙</m:t>
+                        </m:r>
+                      </m:oMath>
+                    </m:oMathPara>
+                  </a14:m>
+                  <a:endParaRPr lang="zh-TW" altLang="en-US" dirty="0"/>
+                </a:p>
+              </p:txBody>
+            </p:sp>
+          </mc:Choice>
+          <mc:Fallback>
+            <p:sp>
+              <p:nvSpPr>
+                <p:cNvPr id="33" name="文字方塊 32">
+                  <a:extLst>
+                    <a:ext uri="{FF2B5EF4-FFF2-40B4-BE49-F238E27FC236}">
+                      <a16:creationId xmlns:a16="http://schemas.microsoft.com/office/drawing/2014/main" id="{DB9A5C82-4F33-48D8-84C7-A1E0EFD8B8C5}"/>
+                    </a:ext>
+                  </a:extLst>
+                </p:cNvPr>
+                <p:cNvSpPr txBox="1">
+                  <a:spLocks noRot="1" noChangeAspect="1" noMove="1" noResize="1" noEditPoints="1" noAdjustHandles="1" noChangeArrowheads="1" noChangeShapeType="1" noTextEdit="1"/>
+                </p:cNvSpPr>
+                <p:nvPr/>
+              </p:nvSpPr>
+              <p:spPr>
+                <a:xfrm>
+                  <a:off x="1767136" y="1534219"/>
+                  <a:ext cx="171696" cy="220839"/>
+                </a:xfrm>
+                <a:prstGeom prst="rect">
+                  <a:avLst/>
+                </a:prstGeom>
+                <a:blipFill>
+                  <a:blip r:embed="rId3"/>
+                  <a:stretch>
+                    <a:fillRect r="-42857" b="-55556"/>
+                  </a:stretch>
+                </a:blipFill>
+              </p:spPr>
+              <p:txBody>
+                <a:bodyPr/>
+                <a:lstStyle/>
+                <a:p>
+                  <a:r>
+                    <a:rPr lang="zh-TW" altLang="en-US">
+                      <a:noFill/>
+                    </a:rPr>
+                    <a:t> </a:t>
+                  </a:r>
+                </a:p>
+              </p:txBody>
+            </p:sp>
+          </mc:Fallback>
+        </mc:AlternateContent>
+        <mc:AlternateContent xmlns:mc="http://schemas.openxmlformats.org/markup-compatibility/2006">
+          <mc:Choice xmlns:a14="http://schemas.microsoft.com/office/drawing/2010/main" Requires="a14">
+            <p:sp>
+              <p:nvSpPr>
+                <p:cNvPr id="34" name="文字方塊 33">
+                  <a:extLst>
+                    <a:ext uri="{FF2B5EF4-FFF2-40B4-BE49-F238E27FC236}">
+                      <a16:creationId xmlns:a16="http://schemas.microsoft.com/office/drawing/2014/main" id="{5E5212ED-6455-481C-97F0-99BE3E71EE80}"/>
+                    </a:ext>
+                  </a:extLst>
+                </p:cNvPr>
+                <p:cNvSpPr txBox="1"/>
+                <p:nvPr/>
+              </p:nvSpPr>
+              <p:spPr>
+                <a:xfrm>
+                  <a:off x="2227626" y="2201510"/>
+                  <a:ext cx="113926" cy="165630"/>
+                </a:xfrm>
+                <a:prstGeom prst="rect">
+                  <a:avLst/>
+                </a:prstGeom>
+                <a:noFill/>
+              </p:spPr>
+              <p:txBody>
+                <a:bodyPr wrap="none" lIns="0" tIns="0" rIns="0" bIns="0" rtlCol="0">
+                  <a:spAutoFit/>
+                </a:bodyPr>
+                <a:lstStyle/>
+                <a:p>
+                  <a:pPr/>
+                  <a14:m>
+                    <m:oMathPara xmlns:m="http://schemas.openxmlformats.org/officeDocument/2006/math">
+                      <m:oMathParaPr>
+                        <m:jc m:val="centerGroup"/>
+                      </m:oMathParaPr>
+                      <m:oMath xmlns:m="http://schemas.openxmlformats.org/officeDocument/2006/math">
+                        <m:r>
+                          <a:rPr lang="zh-TW" altLang="en-US" i="1" smtClean="0">
+                            <a:latin typeface="Cambria Math" panose="02040503050406030204" pitchFamily="18" charset="0"/>
+                          </a:rPr>
+                          <m:t>𝜃</m:t>
+                        </m:r>
+                      </m:oMath>
+                    </m:oMathPara>
+                  </a14:m>
+                  <a:endParaRPr lang="zh-TW" altLang="en-US" dirty="0"/>
+                </a:p>
+              </p:txBody>
+            </p:sp>
+          </mc:Choice>
+          <mc:Fallback>
+            <p:sp>
+              <p:nvSpPr>
+                <p:cNvPr id="34" name="文字方塊 33">
+                  <a:extLst>
+                    <a:ext uri="{FF2B5EF4-FFF2-40B4-BE49-F238E27FC236}">
+                      <a16:creationId xmlns:a16="http://schemas.microsoft.com/office/drawing/2014/main" id="{5E5212ED-6455-481C-97F0-99BE3E71EE80}"/>
+                    </a:ext>
+                  </a:extLst>
+                </p:cNvPr>
+                <p:cNvSpPr txBox="1">
+                  <a:spLocks noRot="1" noChangeAspect="1" noMove="1" noResize="1" noEditPoints="1" noAdjustHandles="1" noChangeArrowheads="1" noChangeShapeType="1" noTextEdit="1"/>
+                </p:cNvSpPr>
+                <p:nvPr/>
+              </p:nvSpPr>
+              <p:spPr>
+                <a:xfrm>
+                  <a:off x="2227626" y="2201510"/>
+                  <a:ext cx="113926" cy="165630"/>
+                </a:xfrm>
+                <a:prstGeom prst="rect">
+                  <a:avLst/>
+                </a:prstGeom>
+                <a:blipFill>
+                  <a:blip r:embed="rId4"/>
+                  <a:stretch>
+                    <a:fillRect l="-68421" r="-84211" b="-81481"/>
+                  </a:stretch>
+                </a:blipFill>
+              </p:spPr>
+              <p:txBody>
+                <a:bodyPr/>
+                <a:lstStyle/>
+                <a:p>
+                  <a:r>
+                    <a:rPr lang="zh-TW" altLang="en-US">
+                      <a:noFill/>
+                    </a:rPr>
+                    <a:t> </a:t>
+                  </a:r>
+                </a:p>
+              </p:txBody>
+            </p:sp>
+          </mc:Fallback>
+        </mc:AlternateContent>
+        <p:cxnSp>
+          <p:nvCxnSpPr>
+            <p:cNvPr id="36" name="直線單箭頭接點 35">
+              <a:extLst>
+                <a:ext uri="{FF2B5EF4-FFF2-40B4-BE49-F238E27FC236}">
+                  <a16:creationId xmlns:a16="http://schemas.microsoft.com/office/drawing/2014/main" id="{EA4E139C-36FB-472B-8421-1129A08796EC}"/>
+                </a:ext>
+              </a:extLst>
+            </p:cNvPr>
+            <p:cNvCxnSpPr>
+              <a:endCxn id="24" idx="0"/>
+            </p:cNvCxnSpPr>
+            <p:nvPr/>
+          </p:nvCxnSpPr>
+          <p:spPr>
+            <a:xfrm flipV="1">
+              <a:off x="1361120" y="2418958"/>
+              <a:ext cx="1" cy="416050"/>
+            </a:xfrm>
+            <a:prstGeom prst="straightConnector1">
+              <a:avLst/>
+            </a:prstGeom>
+            <a:ln w="76200">
+              <a:solidFill>
+                <a:schemeClr val="accent4"/>
+              </a:solidFill>
+              <a:tailEnd type="triangle"/>
+            </a:ln>
+          </p:spPr>
+          <p:style>
+            <a:lnRef idx="1">
+              <a:schemeClr val="accent1"/>
+            </a:lnRef>
+            <a:fillRef idx="0">
+              <a:schemeClr val="accent1"/>
+            </a:fillRef>
+            <a:effectRef idx="0">
+              <a:schemeClr val="accent1"/>
+            </a:effectRef>
+            <a:fontRef idx="minor">
+              <a:schemeClr val="tx1"/>
+            </a:fontRef>
+          </p:style>
+        </p:cxnSp>
+        <p:cxnSp>
+          <p:nvCxnSpPr>
+            <p:cNvPr id="37" name="直線單箭頭接點 36">
+              <a:extLst>
+                <a:ext uri="{FF2B5EF4-FFF2-40B4-BE49-F238E27FC236}">
+                  <a16:creationId xmlns:a16="http://schemas.microsoft.com/office/drawing/2014/main" id="{311EFA9D-EBD2-4FA0-B99A-08C23982186D}"/>
+                </a:ext>
+              </a:extLst>
+            </p:cNvPr>
+            <p:cNvCxnSpPr/>
+            <p:nvPr/>
+          </p:nvCxnSpPr>
+          <p:spPr>
+            <a:xfrm flipV="1">
+              <a:off x="3911830" y="1654790"/>
+              <a:ext cx="1" cy="416050"/>
+            </a:xfrm>
+            <a:prstGeom prst="straightConnector1">
+              <a:avLst/>
+            </a:prstGeom>
+            <a:ln w="76200">
+              <a:solidFill>
+                <a:schemeClr val="accent4"/>
+              </a:solidFill>
+              <a:tailEnd type="triangle"/>
+            </a:ln>
+          </p:spPr>
+          <p:style>
+            <a:lnRef idx="1">
+              <a:schemeClr val="accent1"/>
+            </a:lnRef>
+            <a:fillRef idx="0">
+              <a:schemeClr val="accent1"/>
+            </a:fillRef>
+            <a:effectRef idx="0">
+              <a:schemeClr val="accent1"/>
+            </a:effectRef>
+            <a:fontRef idx="minor">
+              <a:schemeClr val="tx1"/>
+            </a:fontRef>
+          </p:style>
+        </p:cxnSp>
+        <mc:AlternateContent xmlns:mc="http://schemas.openxmlformats.org/markup-compatibility/2006">
+          <mc:Choice xmlns:a14="http://schemas.microsoft.com/office/drawing/2010/main" Requires="a14">
+            <p:sp>
+              <p:nvSpPr>
+                <p:cNvPr id="41" name="文字方塊 40">
+                  <a:extLst>
+                    <a:ext uri="{FF2B5EF4-FFF2-40B4-BE49-F238E27FC236}">
+                      <a16:creationId xmlns:a16="http://schemas.microsoft.com/office/drawing/2014/main" id="{3D5C0C3B-6060-4FEC-A383-96E4B758739E}"/>
+                    </a:ext>
+                  </a:extLst>
+                </p:cNvPr>
+                <p:cNvSpPr txBox="1"/>
+                <p:nvPr/>
+              </p:nvSpPr>
+              <p:spPr>
+                <a:xfrm>
+                  <a:off x="2428345" y="1980493"/>
+                  <a:ext cx="381704" cy="220839"/>
+                </a:xfrm>
+                <a:prstGeom prst="rect">
+                  <a:avLst/>
+                </a:prstGeom>
+                <a:noFill/>
+              </p:spPr>
+              <p:txBody>
+                <a:bodyPr wrap="square" rtlCol="0">
+                  <a:spAutoFit/>
+                </a:bodyPr>
+                <a:lstStyle/>
+                <a:p>
+                  <a:pPr/>
+                  <a14:m>
+                    <m:oMathPara xmlns:m="http://schemas.openxmlformats.org/officeDocument/2006/math">
+                      <m:oMathParaPr>
+                        <m:jc m:val="centerGroup"/>
+                      </m:oMathParaPr>
+                      <m:oMath xmlns:m="http://schemas.openxmlformats.org/officeDocument/2006/math">
+                        <m:r>
+                          <a:rPr lang="en-US" altLang="zh-TW" i="1" dirty="0" smtClean="0">
+                            <a:latin typeface="Cambria Math" panose="02040503050406030204" pitchFamily="18" charset="0"/>
+                          </a:rPr>
+                          <m:t>𝑚𝑔</m:t>
+                        </m:r>
+                      </m:oMath>
+                    </m:oMathPara>
+                  </a14:m>
+                  <a:endParaRPr lang="zh-TW" altLang="en-US" dirty="0"/>
+                </a:p>
+              </p:txBody>
+            </p:sp>
+          </mc:Choice>
+          <mc:Fallback>
+            <p:sp>
+              <p:nvSpPr>
+                <p:cNvPr id="41" name="文字方塊 40">
+                  <a:extLst>
+                    <a:ext uri="{FF2B5EF4-FFF2-40B4-BE49-F238E27FC236}">
+                      <a16:creationId xmlns:a16="http://schemas.microsoft.com/office/drawing/2014/main" id="{3D5C0C3B-6060-4FEC-A383-96E4B758739E}"/>
+                    </a:ext>
+                  </a:extLst>
+                </p:cNvPr>
+                <p:cNvSpPr txBox="1">
+                  <a:spLocks noRot="1" noChangeAspect="1" noMove="1" noResize="1" noEditPoints="1" noAdjustHandles="1" noChangeArrowheads="1" noChangeShapeType="1" noTextEdit="1"/>
+                </p:cNvSpPr>
+                <p:nvPr/>
+              </p:nvSpPr>
+              <p:spPr>
+                <a:xfrm>
+                  <a:off x="2428345" y="1980493"/>
+                  <a:ext cx="381704" cy="220839"/>
+                </a:xfrm>
+                <a:prstGeom prst="rect">
+                  <a:avLst/>
+                </a:prstGeom>
+                <a:blipFill>
+                  <a:blip r:embed="rId5"/>
+                  <a:stretch>
+                    <a:fillRect r="-33333" b="-77778"/>
+                  </a:stretch>
+                </a:blipFill>
+              </p:spPr>
+              <p:txBody>
+                <a:bodyPr/>
+                <a:lstStyle/>
+                <a:p>
+                  <a:r>
+                    <a:rPr lang="zh-TW" altLang="en-US">
+                      <a:noFill/>
+                    </a:rPr>
+                    <a:t> </a:t>
+                  </a:r>
+                </a:p>
+              </p:txBody>
+            </p:sp>
+          </mc:Fallback>
+        </mc:AlternateContent>
+        <mc:AlternateContent xmlns:mc="http://schemas.openxmlformats.org/markup-compatibility/2006">
+          <mc:Choice xmlns:a14="http://schemas.microsoft.com/office/drawing/2010/main" Requires="a14">
+            <p:sp>
+              <p:nvSpPr>
+                <p:cNvPr id="42" name="文字方塊 41">
+                  <a:extLst>
+                    <a:ext uri="{FF2B5EF4-FFF2-40B4-BE49-F238E27FC236}">
+                      <a16:creationId xmlns:a16="http://schemas.microsoft.com/office/drawing/2014/main" id="{BB940AD3-759B-41AE-A9C1-2F09BA747919}"/>
+                    </a:ext>
+                  </a:extLst>
+                </p:cNvPr>
+                <p:cNvSpPr txBox="1"/>
+                <p:nvPr/>
+              </p:nvSpPr>
+              <p:spPr>
+                <a:xfrm>
+                  <a:off x="1297901" y="2727166"/>
+                  <a:ext cx="319961" cy="220839"/>
+                </a:xfrm>
+                <a:prstGeom prst="rect">
+                  <a:avLst/>
+                </a:prstGeom>
+                <a:noFill/>
+              </p:spPr>
+              <p:txBody>
+                <a:bodyPr wrap="square" rtlCol="0">
+                  <a:spAutoFit/>
+                </a:bodyPr>
+                <a:lstStyle/>
+                <a:p>
+                  <a:pPr/>
+                  <a14:m>
+                    <m:oMathPara xmlns:m="http://schemas.openxmlformats.org/officeDocument/2006/math">
+                      <m:oMathParaPr>
+                        <m:jc m:val="centerGroup"/>
+                      </m:oMathParaPr>
+                      <m:oMath xmlns:m="http://schemas.openxmlformats.org/officeDocument/2006/math">
+                        <m:sSub>
+                          <m:sSubPr>
+                            <m:ctrlPr>
+                              <a:rPr lang="en-US" altLang="zh-TW" b="0" i="1" smtClean="0">
+                                <a:latin typeface="Cambria Math" panose="02040503050406030204" pitchFamily="18" charset="0"/>
+                              </a:rPr>
+                            </m:ctrlPr>
+                          </m:sSubPr>
+                          <m:e>
+                            <m:r>
+                              <a:rPr lang="en-US" altLang="zh-TW" b="0" i="1" smtClean="0">
+                                <a:latin typeface="Cambria Math" panose="02040503050406030204" pitchFamily="18" charset="0"/>
+                              </a:rPr>
+                              <m:t>𝐹</m:t>
+                            </m:r>
+                          </m:e>
+                          <m:sub>
+                            <m:r>
+                              <a:rPr lang="en-US" altLang="zh-TW" b="0" i="1" smtClean="0">
+                                <a:latin typeface="Cambria Math" panose="02040503050406030204" pitchFamily="18" charset="0"/>
+                              </a:rPr>
+                              <m:t>𝐿</m:t>
+                            </m:r>
+                          </m:sub>
+                        </m:sSub>
+                      </m:oMath>
+                    </m:oMathPara>
+                  </a14:m>
+                  <a:endParaRPr lang="zh-TW" altLang="en-US" dirty="0"/>
+                </a:p>
+              </p:txBody>
+            </p:sp>
+          </mc:Choice>
+          <mc:Fallback>
+            <p:sp>
+              <p:nvSpPr>
+                <p:cNvPr id="42" name="文字方塊 41">
+                  <a:extLst>
+                    <a:ext uri="{FF2B5EF4-FFF2-40B4-BE49-F238E27FC236}">
+                      <a16:creationId xmlns:a16="http://schemas.microsoft.com/office/drawing/2014/main" id="{BB940AD3-759B-41AE-A9C1-2F09BA747919}"/>
+                    </a:ext>
+                  </a:extLst>
+                </p:cNvPr>
+                <p:cNvSpPr txBox="1">
+                  <a:spLocks noRot="1" noChangeAspect="1" noMove="1" noResize="1" noEditPoints="1" noAdjustHandles="1" noChangeArrowheads="1" noChangeShapeType="1" noTextEdit="1"/>
+                </p:cNvSpPr>
+                <p:nvPr/>
+              </p:nvSpPr>
+              <p:spPr>
+                <a:xfrm>
+                  <a:off x="1297901" y="2727166"/>
+                  <a:ext cx="319961" cy="220839"/>
+                </a:xfrm>
+                <a:prstGeom prst="rect">
+                  <a:avLst/>
+                </a:prstGeom>
+                <a:blipFill>
+                  <a:blip r:embed="rId6"/>
+                  <a:stretch>
+                    <a:fillRect r="-11538" b="-62162"/>
+                  </a:stretch>
+                </a:blipFill>
+              </p:spPr>
+              <p:txBody>
+                <a:bodyPr/>
+                <a:lstStyle/>
+                <a:p>
+                  <a:r>
+                    <a:rPr lang="zh-TW" altLang="en-US">
+                      <a:noFill/>
+                    </a:rPr>
+                    <a:t> </a:t>
+                  </a:r>
+                </a:p>
+              </p:txBody>
+            </p:sp>
+          </mc:Fallback>
+        </mc:AlternateContent>
+        <mc:AlternateContent xmlns:mc="http://schemas.openxmlformats.org/markup-compatibility/2006">
+          <mc:Choice xmlns:a14="http://schemas.microsoft.com/office/drawing/2010/main" Requires="a14">
+            <p:sp>
+              <p:nvSpPr>
+                <p:cNvPr id="43" name="文字方塊 42">
+                  <a:extLst>
+                    <a:ext uri="{FF2B5EF4-FFF2-40B4-BE49-F238E27FC236}">
+                      <a16:creationId xmlns:a16="http://schemas.microsoft.com/office/drawing/2014/main" id="{D4A1742B-1FE7-4DDD-9CBC-83969A2CC22E}"/>
+                    </a:ext>
+                  </a:extLst>
+                </p:cNvPr>
+                <p:cNvSpPr txBox="1"/>
+                <p:nvPr/>
+              </p:nvSpPr>
+              <p:spPr>
+                <a:xfrm>
+                  <a:off x="3849856" y="1939637"/>
+                  <a:ext cx="319961" cy="220839"/>
+                </a:xfrm>
+                <a:prstGeom prst="rect">
+                  <a:avLst/>
+                </a:prstGeom>
+                <a:noFill/>
+              </p:spPr>
+              <p:txBody>
+                <a:bodyPr wrap="square" rtlCol="0">
+                  <a:spAutoFit/>
+                </a:bodyPr>
+                <a:lstStyle/>
+                <a:p>
+                  <a:pPr/>
+                  <a14:m>
+                    <m:oMathPara xmlns:m="http://schemas.openxmlformats.org/officeDocument/2006/math">
+                      <m:oMathParaPr>
+                        <m:jc m:val="centerGroup"/>
+                      </m:oMathParaPr>
+                      <m:oMath xmlns:m="http://schemas.openxmlformats.org/officeDocument/2006/math">
+                        <m:sSub>
+                          <m:sSubPr>
+                            <m:ctrlPr>
+                              <a:rPr lang="en-US" altLang="zh-TW" b="0" i="1" smtClean="0">
+                                <a:latin typeface="Cambria Math" panose="02040503050406030204" pitchFamily="18" charset="0"/>
+                              </a:rPr>
+                            </m:ctrlPr>
+                          </m:sSubPr>
+                          <m:e>
+                            <m:r>
+                              <a:rPr lang="en-US" altLang="zh-TW" b="0" i="1" smtClean="0">
+                                <a:latin typeface="Cambria Math" panose="02040503050406030204" pitchFamily="18" charset="0"/>
+                              </a:rPr>
+                              <m:t>𝐹</m:t>
+                            </m:r>
+                          </m:e>
+                          <m:sub>
+                            <m:r>
+                              <a:rPr lang="en-US" altLang="zh-TW" b="0" i="1" smtClean="0">
+                                <a:latin typeface="Cambria Math" panose="02040503050406030204" pitchFamily="18" charset="0"/>
+                              </a:rPr>
+                              <m:t>𝑅</m:t>
+                            </m:r>
+                          </m:sub>
+                        </m:sSub>
+                      </m:oMath>
+                    </m:oMathPara>
+                  </a14:m>
+                  <a:endParaRPr lang="zh-TW" altLang="en-US" dirty="0"/>
+                </a:p>
+              </p:txBody>
+            </p:sp>
+          </mc:Choice>
+          <mc:Fallback>
+            <p:sp>
+              <p:nvSpPr>
+                <p:cNvPr id="43" name="文字方塊 42">
+                  <a:extLst>
+                    <a:ext uri="{FF2B5EF4-FFF2-40B4-BE49-F238E27FC236}">
+                      <a16:creationId xmlns:a16="http://schemas.microsoft.com/office/drawing/2014/main" id="{D4A1742B-1FE7-4DDD-9CBC-83969A2CC22E}"/>
+                    </a:ext>
+                  </a:extLst>
+                </p:cNvPr>
+                <p:cNvSpPr txBox="1">
+                  <a:spLocks noRot="1" noChangeAspect="1" noMove="1" noResize="1" noEditPoints="1" noAdjustHandles="1" noChangeArrowheads="1" noChangeShapeType="1" noTextEdit="1"/>
+                </p:cNvSpPr>
+                <p:nvPr/>
+              </p:nvSpPr>
+              <p:spPr>
+                <a:xfrm>
+                  <a:off x="3849856" y="1939637"/>
+                  <a:ext cx="319961" cy="220839"/>
+                </a:xfrm>
+                <a:prstGeom prst="rect">
+                  <a:avLst/>
+                </a:prstGeom>
+                <a:blipFill>
+                  <a:blip r:embed="rId7"/>
+                  <a:stretch>
+                    <a:fillRect r="-16981" b="-66667"/>
+                  </a:stretch>
+                </a:blipFill>
+              </p:spPr>
+              <p:txBody>
+                <a:bodyPr/>
+                <a:lstStyle/>
+                <a:p>
+                  <a:r>
+                    <a:rPr lang="zh-TW" altLang="en-US">
+                      <a:noFill/>
+                    </a:rPr>
+                    <a:t> </a:t>
+                  </a:r>
+                </a:p>
+              </p:txBody>
+            </p:sp>
+          </mc:Fallback>
+        </mc:AlternateContent>
+        <p:cxnSp>
+          <p:nvCxnSpPr>
+            <p:cNvPr id="44" name="直線單箭頭接點 43">
+              <a:extLst>
+                <a:ext uri="{FF2B5EF4-FFF2-40B4-BE49-F238E27FC236}">
+                  <a16:creationId xmlns:a16="http://schemas.microsoft.com/office/drawing/2014/main" id="{093F57B1-E2B1-41D8-9608-B1081203FF35}"/>
+                </a:ext>
+              </a:extLst>
+            </p:cNvPr>
+            <p:cNvCxnSpPr>
+              <a:cxnSpLocks/>
+            </p:cNvCxnSpPr>
+            <p:nvPr/>
+          </p:nvCxnSpPr>
+          <p:spPr>
+            <a:xfrm flipH="1">
+              <a:off x="1009919" y="479271"/>
+              <a:ext cx="2562145" cy="758620"/>
+            </a:xfrm>
+            <a:prstGeom prst="straightConnector1">
+              <a:avLst/>
+            </a:prstGeom>
+            <a:ln w="28575">
+              <a:headEnd type="arrow" w="med" len="med"/>
+              <a:tailEnd type="arrow" w="med" len="med"/>
+            </a:ln>
+          </p:spPr>
+          <p:style>
+            <a:lnRef idx="1">
+              <a:schemeClr val="accent1"/>
+            </a:lnRef>
+            <a:fillRef idx="0">
+              <a:schemeClr val="accent1"/>
+            </a:fillRef>
+            <a:effectRef idx="0">
+              <a:schemeClr val="accent1"/>
+            </a:effectRef>
+            <a:fontRef idx="minor">
+              <a:schemeClr val="tx1"/>
+            </a:fontRef>
+          </p:style>
+        </p:cxnSp>
+        <mc:AlternateContent xmlns:mc="http://schemas.openxmlformats.org/markup-compatibility/2006">
+          <mc:Choice xmlns:a14="http://schemas.microsoft.com/office/drawing/2010/main" Requires="a14">
+            <p:sp>
+              <p:nvSpPr>
+                <p:cNvPr id="48" name="文字方塊 47">
+                  <a:extLst>
+                    <a:ext uri="{FF2B5EF4-FFF2-40B4-BE49-F238E27FC236}">
+                      <a16:creationId xmlns:a16="http://schemas.microsoft.com/office/drawing/2014/main" id="{CD68B431-9F5C-4DD6-97B4-928E31FDF0A6}"/>
+                    </a:ext>
+                  </a:extLst>
+                </p:cNvPr>
+                <p:cNvSpPr txBox="1"/>
+                <p:nvPr/>
+              </p:nvSpPr>
+              <p:spPr>
+                <a:xfrm>
+                  <a:off x="2070871" y="684726"/>
+                  <a:ext cx="313510" cy="220839"/>
+                </a:xfrm>
+                <a:prstGeom prst="rect">
+                  <a:avLst/>
+                </a:prstGeom>
+                <a:noFill/>
+              </p:spPr>
+              <p:txBody>
+                <a:bodyPr wrap="square" rtlCol="0">
+                  <a:spAutoFit/>
+                </a:bodyPr>
+                <a:lstStyle/>
+                <a:p>
+                  <a:pPr/>
+                  <a14:m>
+                    <m:oMathPara xmlns:m="http://schemas.openxmlformats.org/officeDocument/2006/math">
+                      <m:oMathParaPr>
+                        <m:jc m:val="centerGroup"/>
+                      </m:oMathParaPr>
+                      <m:oMath xmlns:m="http://schemas.openxmlformats.org/officeDocument/2006/math">
+                        <m:r>
+                          <a:rPr lang="en-US" altLang="zh-TW" i="1" dirty="0" smtClean="0">
+                            <a:latin typeface="Cambria Math" panose="02040503050406030204" pitchFamily="18" charset="0"/>
+                          </a:rPr>
+                          <m:t>𝑑</m:t>
+                        </m:r>
+                      </m:oMath>
+                    </m:oMathPara>
+                  </a14:m>
+                  <a:endParaRPr lang="zh-TW" altLang="en-US" dirty="0"/>
+                </a:p>
+              </p:txBody>
+            </p:sp>
+          </mc:Choice>
+          <mc:Fallback>
+            <p:sp>
+              <p:nvSpPr>
+                <p:cNvPr id="48" name="文字方塊 47">
+                  <a:extLst>
+                    <a:ext uri="{FF2B5EF4-FFF2-40B4-BE49-F238E27FC236}">
+                      <a16:creationId xmlns:a16="http://schemas.microsoft.com/office/drawing/2014/main" id="{CD68B431-9F5C-4DD6-97B4-928E31FDF0A6}"/>
+                    </a:ext>
+                  </a:extLst>
+                </p:cNvPr>
+                <p:cNvSpPr txBox="1">
+                  <a:spLocks noRot="1" noChangeAspect="1" noMove="1" noResize="1" noEditPoints="1" noAdjustHandles="1" noChangeArrowheads="1" noChangeShapeType="1" noTextEdit="1"/>
+                </p:cNvSpPr>
+                <p:nvPr/>
+              </p:nvSpPr>
+              <p:spPr>
+                <a:xfrm>
+                  <a:off x="2070871" y="684726"/>
+                  <a:ext cx="313510" cy="220839"/>
+                </a:xfrm>
+                <a:prstGeom prst="rect">
+                  <a:avLst/>
+                </a:prstGeom>
+                <a:blipFill>
+                  <a:blip r:embed="rId8"/>
+                  <a:stretch>
+                    <a:fillRect b="-58333"/>
+                  </a:stretch>
+                </a:blipFill>
+              </p:spPr>
+              <p:txBody>
+                <a:bodyPr/>
+                <a:lstStyle/>
+                <a:p>
+                  <a:r>
+                    <a:rPr lang="zh-TW" altLang="en-US">
+                      <a:noFill/>
+                    </a:rPr>
+                    <a:t> </a:t>
+                  </a:r>
+                </a:p>
+              </p:txBody>
+            </p:sp>
+          </mc:Fallback>
+        </mc:AlternateContent>
+        <p:cxnSp>
+          <p:nvCxnSpPr>
+            <p:cNvPr id="50" name="直線接點 49">
+              <a:extLst>
+                <a:ext uri="{FF2B5EF4-FFF2-40B4-BE49-F238E27FC236}">
+                  <a16:creationId xmlns:a16="http://schemas.microsoft.com/office/drawing/2014/main" id="{E80CD3B3-BE79-4764-89D4-C0A3406F82A7}"/>
+                </a:ext>
+              </a:extLst>
+            </p:cNvPr>
+            <p:cNvCxnSpPr/>
+            <p:nvPr/>
+          </p:nvCxnSpPr>
+          <p:spPr>
+            <a:xfrm>
+              <a:off x="1361120" y="239035"/>
+              <a:ext cx="0" cy="2183566"/>
+            </a:xfrm>
+            <a:prstGeom prst="line">
+              <a:avLst/>
+            </a:prstGeom>
+            <a:ln>
+              <a:solidFill>
+                <a:srgbClr val="FF0000"/>
+              </a:solidFill>
+              <a:prstDash val="dashDot"/>
+            </a:ln>
+          </p:spPr>
+          <p:style>
+            <a:lnRef idx="1">
+              <a:schemeClr val="accent1"/>
+            </a:lnRef>
+            <a:fillRef idx="0">
+              <a:schemeClr val="accent1"/>
+            </a:fillRef>
+            <a:effectRef idx="0">
+              <a:schemeClr val="accent1"/>
+            </a:effectRef>
+            <a:fontRef idx="minor">
+              <a:schemeClr val="tx1"/>
+            </a:fontRef>
+          </p:style>
+        </p:cxnSp>
+        <p:cxnSp>
+          <p:nvCxnSpPr>
+            <p:cNvPr id="51" name="直線接點 50">
+              <a:extLst>
+                <a:ext uri="{FF2B5EF4-FFF2-40B4-BE49-F238E27FC236}">
+                  <a16:creationId xmlns:a16="http://schemas.microsoft.com/office/drawing/2014/main" id="{1D0EBEC6-CDF5-4453-AA43-2B33C9570D33}"/>
+                </a:ext>
+              </a:extLst>
+            </p:cNvPr>
+            <p:cNvCxnSpPr/>
+            <p:nvPr/>
+          </p:nvCxnSpPr>
+          <p:spPr>
+            <a:xfrm>
+              <a:off x="2504529" y="237903"/>
+              <a:ext cx="0" cy="2183566"/>
+            </a:xfrm>
+            <a:prstGeom prst="line">
+              <a:avLst/>
+            </a:prstGeom>
+            <a:ln>
+              <a:solidFill>
+                <a:srgbClr val="FF0000"/>
+              </a:solidFill>
+              <a:prstDash val="dashDot"/>
+            </a:ln>
+          </p:spPr>
+          <p:style>
+            <a:lnRef idx="1">
+              <a:schemeClr val="accent1"/>
+            </a:lnRef>
+            <a:fillRef idx="0">
+              <a:schemeClr val="accent1"/>
+            </a:fillRef>
+            <a:effectRef idx="0">
+              <a:schemeClr val="accent1"/>
+            </a:effectRef>
+            <a:fontRef idx="minor">
+              <a:schemeClr val="tx1"/>
+            </a:fontRef>
+          </p:style>
+        </p:cxnSp>
+        <p:cxnSp>
+          <p:nvCxnSpPr>
+            <p:cNvPr id="52" name="直線接點 51">
+              <a:extLst>
+                <a:ext uri="{FF2B5EF4-FFF2-40B4-BE49-F238E27FC236}">
+                  <a16:creationId xmlns:a16="http://schemas.microsoft.com/office/drawing/2014/main" id="{CFDE0F14-45B6-4172-A2C2-55E22EC9BF16}"/>
+                </a:ext>
+              </a:extLst>
+            </p:cNvPr>
+            <p:cNvCxnSpPr/>
+            <p:nvPr/>
+          </p:nvCxnSpPr>
+          <p:spPr>
+            <a:xfrm>
+              <a:off x="3911000" y="232812"/>
+              <a:ext cx="0" cy="2183566"/>
+            </a:xfrm>
+            <a:prstGeom prst="line">
+              <a:avLst/>
+            </a:prstGeom>
+            <a:ln>
+              <a:solidFill>
+                <a:srgbClr val="FF0000"/>
+              </a:solidFill>
+              <a:prstDash val="dashDot"/>
+            </a:ln>
+          </p:spPr>
+          <p:style>
+            <a:lnRef idx="1">
+              <a:schemeClr val="accent1"/>
+            </a:lnRef>
+            <a:fillRef idx="0">
+              <a:schemeClr val="accent1"/>
+            </a:fillRef>
+            <a:effectRef idx="0">
+              <a:schemeClr val="accent1"/>
+            </a:effectRef>
+            <a:fontRef idx="minor">
+              <a:schemeClr val="tx1"/>
+            </a:fontRef>
+          </p:style>
+        </p:cxnSp>
+        <p:cxnSp>
+          <p:nvCxnSpPr>
+            <p:cNvPr id="54" name="直線單箭頭接點 53">
+              <a:extLst>
+                <a:ext uri="{FF2B5EF4-FFF2-40B4-BE49-F238E27FC236}">
+                  <a16:creationId xmlns:a16="http://schemas.microsoft.com/office/drawing/2014/main" id="{176F5753-F876-424C-8E6D-3F65327C39D2}"/>
+                </a:ext>
+              </a:extLst>
+            </p:cNvPr>
+            <p:cNvCxnSpPr/>
+            <p:nvPr/>
+          </p:nvCxnSpPr>
+          <p:spPr>
+            <a:xfrm>
+              <a:off x="1361120" y="237903"/>
+              <a:ext cx="1143409" cy="0"/>
+            </a:xfrm>
+            <a:prstGeom prst="straightConnector1">
+              <a:avLst/>
+            </a:prstGeom>
+            <a:ln w="28575">
+              <a:solidFill>
+                <a:srgbClr val="FF0000"/>
+              </a:solidFill>
+              <a:headEnd type="arrow" w="med" len="med"/>
+              <a:tailEnd type="arrow" w="med" len="med"/>
+            </a:ln>
+          </p:spPr>
+          <p:style>
+            <a:lnRef idx="1">
+              <a:schemeClr val="accent1"/>
+            </a:lnRef>
+            <a:fillRef idx="0">
+              <a:schemeClr val="accent1"/>
+            </a:fillRef>
+            <a:effectRef idx="0">
+              <a:schemeClr val="accent1"/>
+            </a:effectRef>
+            <a:fontRef idx="minor">
+              <a:schemeClr val="tx1"/>
+            </a:fontRef>
+          </p:style>
+        </p:cxnSp>
+        <p:cxnSp>
+          <p:nvCxnSpPr>
+            <p:cNvPr id="55" name="直線單箭頭接點 54">
+              <a:extLst>
+                <a:ext uri="{FF2B5EF4-FFF2-40B4-BE49-F238E27FC236}">
+                  <a16:creationId xmlns:a16="http://schemas.microsoft.com/office/drawing/2014/main" id="{590E238E-02FE-4092-B3F9-74EC67321F50}"/>
+                </a:ext>
+              </a:extLst>
+            </p:cNvPr>
+            <p:cNvCxnSpPr>
+              <a:cxnSpLocks/>
+            </p:cNvCxnSpPr>
+            <p:nvPr/>
+          </p:nvCxnSpPr>
+          <p:spPr>
+            <a:xfrm>
+              <a:off x="2504530" y="237903"/>
+              <a:ext cx="1404342" cy="0"/>
+            </a:xfrm>
+            <a:prstGeom prst="straightConnector1">
+              <a:avLst/>
+            </a:prstGeom>
+            <a:ln w="28575">
+              <a:solidFill>
+                <a:srgbClr val="FF0000"/>
+              </a:solidFill>
+              <a:headEnd type="arrow" w="med" len="med"/>
+              <a:tailEnd type="arrow" w="med" len="med"/>
+            </a:ln>
+          </p:spPr>
+          <p:style>
+            <a:lnRef idx="1">
+              <a:schemeClr val="accent1"/>
+            </a:lnRef>
+            <a:fillRef idx="0">
+              <a:schemeClr val="accent1"/>
+            </a:fillRef>
+            <a:effectRef idx="0">
+              <a:schemeClr val="accent1"/>
+            </a:effectRef>
+            <a:fontRef idx="minor">
+              <a:schemeClr val="tx1"/>
+            </a:fontRef>
+          </p:style>
+        </p:cxnSp>
+        <mc:AlternateContent xmlns:mc="http://schemas.openxmlformats.org/markup-compatibility/2006">
+          <mc:Choice xmlns:a14="http://schemas.microsoft.com/office/drawing/2010/main" Requires="a14">
+            <p:sp>
+              <p:nvSpPr>
+                <p:cNvPr id="57" name="文字方塊 56">
+                  <a:extLst>
+                    <a:ext uri="{FF2B5EF4-FFF2-40B4-BE49-F238E27FC236}">
+                      <a16:creationId xmlns:a16="http://schemas.microsoft.com/office/drawing/2014/main" id="{0EBB5553-1DC8-4935-9E5F-8E3DB22F453D}"/>
+                    </a:ext>
+                  </a:extLst>
+                </p:cNvPr>
+                <p:cNvSpPr txBox="1"/>
+                <p:nvPr/>
+              </p:nvSpPr>
+              <p:spPr>
+                <a:xfrm>
+                  <a:off x="1852983" y="39153"/>
+                  <a:ext cx="171696" cy="220839"/>
+                </a:xfrm>
+                <a:prstGeom prst="rect">
+                  <a:avLst/>
+                </a:prstGeom>
+                <a:noFill/>
+              </p:spPr>
+              <p:txBody>
+                <a:bodyPr wrap="square" rtlCol="0">
+                  <a:spAutoFit/>
+                </a:bodyPr>
+                <a:lstStyle/>
+                <a:p>
+                  <a:pPr/>
+                  <a14:m>
+                    <m:oMathPara xmlns:m="http://schemas.openxmlformats.org/officeDocument/2006/math">
+                      <m:oMathParaPr>
+                        <m:jc m:val="centerGroup"/>
+                      </m:oMathParaPr>
+                      <m:oMath xmlns:m="http://schemas.openxmlformats.org/officeDocument/2006/math">
+                        <m:r>
+                          <a:rPr lang="en-US" altLang="zh-TW" i="1" dirty="0" smtClean="0">
+                            <a:latin typeface="Cambria Math" panose="02040503050406030204" pitchFamily="18" charset="0"/>
+                          </a:rPr>
+                          <m:t>𝑎</m:t>
+                        </m:r>
+                      </m:oMath>
+                    </m:oMathPara>
+                  </a14:m>
+                  <a:endParaRPr lang="zh-TW" altLang="en-US" dirty="0"/>
+                </a:p>
+              </p:txBody>
+            </p:sp>
+          </mc:Choice>
+          <mc:Fallback>
+            <p:sp>
+              <p:nvSpPr>
+                <p:cNvPr id="57" name="文字方塊 56">
+                  <a:extLst>
+                    <a:ext uri="{FF2B5EF4-FFF2-40B4-BE49-F238E27FC236}">
+                      <a16:creationId xmlns:a16="http://schemas.microsoft.com/office/drawing/2014/main" id="{0EBB5553-1DC8-4935-9E5F-8E3DB22F453D}"/>
+                    </a:ext>
+                  </a:extLst>
+                </p:cNvPr>
+                <p:cNvSpPr txBox="1">
+                  <a:spLocks noRot="1" noChangeAspect="1" noMove="1" noResize="1" noEditPoints="1" noAdjustHandles="1" noChangeArrowheads="1" noChangeShapeType="1" noTextEdit="1"/>
+                </p:cNvSpPr>
+                <p:nvPr/>
+              </p:nvSpPr>
+              <p:spPr>
+                <a:xfrm>
+                  <a:off x="1852983" y="39153"/>
+                  <a:ext cx="171696" cy="220839"/>
+                </a:xfrm>
+                <a:prstGeom prst="rect">
+                  <a:avLst/>
+                </a:prstGeom>
+                <a:blipFill>
+                  <a:blip r:embed="rId9"/>
+                  <a:stretch>
+                    <a:fillRect r="-60714" b="-43243"/>
+                  </a:stretch>
+                </a:blipFill>
+              </p:spPr>
+              <p:txBody>
+                <a:bodyPr/>
+                <a:lstStyle/>
+                <a:p>
+                  <a:r>
+                    <a:rPr lang="zh-TW" altLang="en-US">
+                      <a:noFill/>
+                    </a:rPr>
+                    <a:t> </a:t>
+                  </a:r>
+                </a:p>
+              </p:txBody>
+            </p:sp>
+          </mc:Fallback>
+        </mc:AlternateContent>
+        <mc:AlternateContent xmlns:mc="http://schemas.openxmlformats.org/markup-compatibility/2006">
+          <mc:Choice xmlns:a14="http://schemas.microsoft.com/office/drawing/2010/main" Requires="a14">
+            <p:sp>
+              <p:nvSpPr>
+                <p:cNvPr id="58" name="文字方塊 57">
+                  <a:extLst>
+                    <a:ext uri="{FF2B5EF4-FFF2-40B4-BE49-F238E27FC236}">
+                      <a16:creationId xmlns:a16="http://schemas.microsoft.com/office/drawing/2014/main" id="{22B365B2-BD06-4584-86ED-32F8A454D5E2}"/>
+                    </a:ext>
+                  </a:extLst>
+                </p:cNvPr>
+                <p:cNvSpPr txBox="1"/>
+                <p:nvPr/>
+              </p:nvSpPr>
+              <p:spPr>
+                <a:xfrm>
+                  <a:off x="3120852" y="64424"/>
+                  <a:ext cx="171696" cy="220839"/>
+                </a:xfrm>
+                <a:prstGeom prst="rect">
+                  <a:avLst/>
+                </a:prstGeom>
+                <a:noFill/>
+              </p:spPr>
+              <p:txBody>
+                <a:bodyPr wrap="square" rtlCol="0">
+                  <a:spAutoFit/>
+                </a:bodyPr>
+                <a:lstStyle/>
+                <a:p>
+                  <a:pPr/>
+                  <a14:m>
+                    <m:oMathPara xmlns:m="http://schemas.openxmlformats.org/officeDocument/2006/math">
+                      <m:oMathParaPr>
+                        <m:jc m:val="centerGroup"/>
+                      </m:oMathParaPr>
+                      <m:oMath xmlns:m="http://schemas.openxmlformats.org/officeDocument/2006/math">
+                        <m:r>
+                          <a:rPr lang="en-US" altLang="zh-TW" b="0" i="1" dirty="0" smtClean="0">
+                            <a:latin typeface="Cambria Math" panose="02040503050406030204" pitchFamily="18" charset="0"/>
+                          </a:rPr>
+                          <m:t>𝑏</m:t>
+                        </m:r>
+                      </m:oMath>
+                    </m:oMathPara>
+                  </a14:m>
+                  <a:endParaRPr lang="zh-TW" altLang="en-US" dirty="0"/>
+                </a:p>
+              </p:txBody>
+            </p:sp>
+          </mc:Choice>
+          <mc:Fallback>
+            <p:sp>
+              <p:nvSpPr>
+                <p:cNvPr id="58" name="文字方塊 57">
+                  <a:extLst>
+                    <a:ext uri="{FF2B5EF4-FFF2-40B4-BE49-F238E27FC236}">
+                      <a16:creationId xmlns:a16="http://schemas.microsoft.com/office/drawing/2014/main" id="{22B365B2-BD06-4584-86ED-32F8A454D5E2}"/>
+                    </a:ext>
+                  </a:extLst>
+                </p:cNvPr>
+                <p:cNvSpPr txBox="1">
+                  <a:spLocks noRot="1" noChangeAspect="1" noMove="1" noResize="1" noEditPoints="1" noAdjustHandles="1" noChangeArrowheads="1" noChangeShapeType="1" noTextEdit="1"/>
+                </p:cNvSpPr>
+                <p:nvPr/>
+              </p:nvSpPr>
+              <p:spPr>
+                <a:xfrm>
+                  <a:off x="3120852" y="64424"/>
+                  <a:ext cx="171696" cy="220839"/>
+                </a:xfrm>
+                <a:prstGeom prst="rect">
+                  <a:avLst/>
+                </a:prstGeom>
+                <a:blipFill>
+                  <a:blip r:embed="rId10"/>
+                  <a:stretch>
+                    <a:fillRect r="-71429" b="-54054"/>
+                  </a:stretch>
+                </a:blipFill>
+              </p:spPr>
+              <p:txBody>
+                <a:bodyPr/>
+                <a:lstStyle/>
+                <a:p>
+                  <a:r>
+                    <a:rPr lang="zh-TW" altLang="en-US">
+                      <a:noFill/>
+                    </a:rPr>
+                    <a:t> </a:t>
+                  </a:r>
+                </a:p>
+              </p:txBody>
+            </p:sp>
+          </mc:Fallback>
+        </mc:AlternateContent>
+      </p:grpSp>
+      <p:grpSp>
+        <p:nvGrpSpPr>
+          <p:cNvPr id="92" name="群組 91">
+            <a:extLst>
+              <a:ext uri="{FF2B5EF4-FFF2-40B4-BE49-F238E27FC236}">
+                <a16:creationId xmlns:a16="http://schemas.microsoft.com/office/drawing/2014/main" id="{B4A4D909-A801-4FA5-8BA7-CC7FB22C7EDE}"/>
+              </a:ext>
+            </a:extLst>
+          </p:cNvPr>
+          <p:cNvGrpSpPr/>
+          <p:nvPr/>
+        </p:nvGrpSpPr>
+        <p:grpSpPr>
+          <a:xfrm>
+            <a:off x="4788269" y="843864"/>
+            <a:ext cx="3485101" cy="2078966"/>
+            <a:chOff x="5252498" y="1237891"/>
+            <a:chExt cx="3485101" cy="2078966"/>
+          </a:xfrm>
+        </p:grpSpPr>
+        <p:sp>
+          <p:nvSpPr>
+            <p:cNvPr id="79" name="矩形: 圓角 78">
+              <a:extLst>
+                <a:ext uri="{FF2B5EF4-FFF2-40B4-BE49-F238E27FC236}">
+                  <a16:creationId xmlns:a16="http://schemas.microsoft.com/office/drawing/2014/main" id="{536DA6FC-AC42-441D-8128-89EC0619A291}"/>
+                </a:ext>
+              </a:extLst>
+            </p:cNvPr>
+            <p:cNvSpPr/>
+            <p:nvPr/>
+          </p:nvSpPr>
+          <p:spPr>
+            <a:xfrm>
+              <a:off x="5252498" y="1237891"/>
+              <a:ext cx="3485101" cy="2078966"/>
+            </a:xfrm>
+            <a:prstGeom prst="roundRect">
+              <a:avLst>
+                <a:gd name="adj" fmla="val 9114"/>
+              </a:avLst>
+            </a:prstGeom>
+            <a:solidFill>
+              <a:srgbClr val="7030A0"/>
+            </a:solidFill>
+          </p:spPr>
+          <p:style>
+            <a:lnRef idx="2">
+              <a:schemeClr val="accent1">
+                <a:shade val="50000"/>
+              </a:schemeClr>
+            </a:lnRef>
+            <a:fillRef idx="1">
+              <a:schemeClr val="accent1"/>
+            </a:fillRef>
+            <a:effectRef idx="0">
+              <a:schemeClr val="accent1"/>
+            </a:effectRef>
+            <a:fontRef idx="minor">
+              <a:schemeClr val="lt1"/>
+            </a:fontRef>
+          </p:style>
+          <p:txBody>
+            <a:bodyPr rtlCol="0" anchor="ctr"/>
+            <a:lstStyle/>
+            <a:p>
+              <a:pPr algn="ctr"/>
+              <a:endParaRPr lang="zh-TW" altLang="en-US"/>
+            </a:p>
+          </p:txBody>
+        </p:sp>
+        <p:sp>
+          <p:nvSpPr>
+            <p:cNvPr id="80" name="文字方塊 79">
+              <a:extLst>
+                <a:ext uri="{FF2B5EF4-FFF2-40B4-BE49-F238E27FC236}">
+                  <a16:creationId xmlns:a16="http://schemas.microsoft.com/office/drawing/2014/main" id="{23D70E94-F560-4C44-97F5-DBD63C07C5AB}"/>
+                </a:ext>
+              </a:extLst>
+            </p:cNvPr>
+            <p:cNvSpPr txBox="1"/>
+            <p:nvPr/>
+          </p:nvSpPr>
+          <p:spPr>
+            <a:xfrm>
+              <a:off x="5378454" y="1426590"/>
+              <a:ext cx="1761255" cy="461665"/>
+            </a:xfrm>
+            <a:prstGeom prst="rect">
+              <a:avLst/>
+            </a:prstGeom>
+            <a:noFill/>
+          </p:spPr>
+          <p:txBody>
+            <a:bodyPr wrap="square" rtlCol="0">
+              <a:spAutoFit/>
+            </a:bodyPr>
+            <a:lstStyle/>
+            <a:p>
+              <a:r>
+                <a:rPr lang="zh-TW" altLang="en-US" sz="2400" b="1" dirty="0">
+                  <a:solidFill>
+                    <a:schemeClr val="bg1"/>
+                  </a:solidFill>
+                  <a:latin typeface="微軟正黑體" panose="020B0604030504040204" pitchFamily="34" charset="-120"/>
+                  <a:ea typeface="微軟正黑體" panose="020B0604030504040204" pitchFamily="34" charset="-120"/>
+                </a:rPr>
+                <a:t>力</a:t>
+              </a:r>
+              <a:r>
+                <a:rPr lang="en-US" altLang="zh-TW" sz="2400" b="1" dirty="0">
+                  <a:solidFill>
+                    <a:schemeClr val="bg1"/>
+                  </a:solidFill>
+                  <a:latin typeface="微軟正黑體" panose="020B0604030504040204" pitchFamily="34" charset="-120"/>
+                  <a:ea typeface="微軟正黑體" panose="020B0604030504040204" pitchFamily="34" charset="-120"/>
+                </a:rPr>
+                <a:t>: </a:t>
+              </a:r>
+              <a:r>
+                <a:rPr lang="zh-TW" altLang="en-US" sz="2400" b="1" dirty="0">
+                  <a:solidFill>
+                    <a:schemeClr val="bg1"/>
+                  </a:solidFill>
+                  <a:latin typeface="微軟正黑體" panose="020B0604030504040204" pitchFamily="34" charset="-120"/>
+                  <a:ea typeface="微軟正黑體" panose="020B0604030504040204" pitchFamily="34" charset="-120"/>
+                </a:rPr>
+                <a:t>荷重元</a:t>
+              </a:r>
+            </a:p>
+          </p:txBody>
+        </p:sp>
+        <p:pic>
+          <p:nvPicPr>
+            <p:cNvPr id="81" name="圖片 80">
+              <a:extLst>
+                <a:ext uri="{FF2B5EF4-FFF2-40B4-BE49-F238E27FC236}">
+                  <a16:creationId xmlns:a16="http://schemas.microsoft.com/office/drawing/2014/main" id="{023B497A-A0EF-44B8-B7E0-2CAD61857D2E}"/>
+                </a:ext>
+              </a:extLst>
+            </p:cNvPr>
+            <p:cNvPicPr>
+              <a:picLocks noChangeAspect="1"/>
+            </p:cNvPicPr>
+            <p:nvPr/>
+          </p:nvPicPr>
+          <p:blipFill rotWithShape="1">
+            <a:blip r:embed="rId11">
+              <a:extLst>
+                <a:ext uri="{28A0092B-C50C-407E-A947-70E740481C1C}">
+                  <a14:useLocalDpi xmlns:a14="http://schemas.microsoft.com/office/drawing/2010/main" val="0"/>
+                </a:ext>
+              </a:extLst>
+            </a:blip>
+            <a:srcRect l="6583" t="18299" r="23131" b="43995"/>
+            <a:stretch/>
+          </p:blipFill>
+          <p:spPr>
+            <a:xfrm>
+              <a:off x="5366856" y="2250534"/>
+              <a:ext cx="1796554" cy="722829"/>
+            </a:xfrm>
+            <a:prstGeom prst="rect">
+              <a:avLst/>
+            </a:prstGeom>
+          </p:spPr>
+        </p:pic>
+        <p:grpSp>
+          <p:nvGrpSpPr>
+            <p:cNvPr id="82" name="群組 81">
+              <a:extLst>
+                <a:ext uri="{FF2B5EF4-FFF2-40B4-BE49-F238E27FC236}">
+                  <a16:creationId xmlns:a16="http://schemas.microsoft.com/office/drawing/2014/main" id="{BE7789AF-EF8B-430D-8A68-CE6D5D5D6799}"/>
+                </a:ext>
+              </a:extLst>
+            </p:cNvPr>
+            <p:cNvGrpSpPr/>
+            <p:nvPr/>
+          </p:nvGrpSpPr>
+          <p:grpSpPr>
+            <a:xfrm>
+              <a:off x="7480900" y="1312384"/>
+              <a:ext cx="1072109" cy="1804250"/>
+              <a:chOff x="3008733" y="3429000"/>
+              <a:chExt cx="1072109" cy="1804250"/>
+            </a:xfrm>
+          </p:grpSpPr>
+          <p:grpSp>
+            <p:nvGrpSpPr>
+              <p:cNvPr id="83" name="群組 82">
+                <a:extLst>
+                  <a:ext uri="{FF2B5EF4-FFF2-40B4-BE49-F238E27FC236}">
+                    <a16:creationId xmlns:a16="http://schemas.microsoft.com/office/drawing/2014/main" id="{3F9277EC-9C8D-49FC-B5E0-5789565FD9FD}"/>
+                  </a:ext>
+                </a:extLst>
+              </p:cNvPr>
+              <p:cNvGrpSpPr/>
+              <p:nvPr/>
+            </p:nvGrpSpPr>
+            <p:grpSpPr>
+              <a:xfrm>
+                <a:off x="3212891" y="3429000"/>
+                <a:ext cx="867951" cy="1804250"/>
+                <a:chOff x="5327828" y="872350"/>
+                <a:chExt cx="867951" cy="1804250"/>
+              </a:xfrm>
+            </p:grpSpPr>
+            <p:sp>
+              <p:nvSpPr>
+                <p:cNvPr id="86" name="矩形 85">
+                  <a:extLst>
+                    <a:ext uri="{FF2B5EF4-FFF2-40B4-BE49-F238E27FC236}">
+                      <a16:creationId xmlns:a16="http://schemas.microsoft.com/office/drawing/2014/main" id="{722839B5-3C2E-413F-8872-7F701D6C4320}"/>
+                    </a:ext>
+                  </a:extLst>
+                </p:cNvPr>
+                <p:cNvSpPr/>
+                <p:nvPr/>
+              </p:nvSpPr>
+              <p:spPr>
+                <a:xfrm rot="20607760">
+                  <a:off x="5556369" y="899029"/>
+                  <a:ext cx="376999" cy="1304292"/>
+                </a:xfrm>
+                <a:prstGeom prst="rect">
+                  <a:avLst/>
+                </a:prstGeom>
+                <a:noFill/>
+                <a:ln>
+                  <a:prstDash val="sysDot"/>
+                </a:ln>
+              </p:spPr>
+              <p:style>
+                <a:lnRef idx="2">
+                  <a:schemeClr val="accent1">
+                    <a:shade val="50000"/>
+                  </a:schemeClr>
+                </a:lnRef>
+                <a:fillRef idx="1">
+                  <a:schemeClr val="accent1"/>
+                </a:fillRef>
+                <a:effectRef idx="0">
+                  <a:schemeClr val="accent1"/>
+                </a:effectRef>
+                <a:fontRef idx="minor">
+                  <a:schemeClr val="lt1"/>
+                </a:fontRef>
+              </p:style>
+              <p:txBody>
+                <a:bodyPr rtlCol="0" anchor="ctr"/>
+                <a:lstStyle/>
+                <a:p>
+                  <a:pPr algn="ctr"/>
+                  <a:endParaRPr lang="zh-TW" altLang="en-US"/>
+                </a:p>
+              </p:txBody>
+            </p:sp>
+            <p:sp>
+              <p:nvSpPr>
+                <p:cNvPr id="87" name="等腰三角形 86">
+                  <a:extLst>
+                    <a:ext uri="{FF2B5EF4-FFF2-40B4-BE49-F238E27FC236}">
+                      <a16:creationId xmlns:a16="http://schemas.microsoft.com/office/drawing/2014/main" id="{5E1535B7-E6EB-46A0-9CC6-0EBAFE6ED66E}"/>
+                    </a:ext>
+                  </a:extLst>
+                </p:cNvPr>
+                <p:cNvSpPr/>
+                <p:nvPr/>
+              </p:nvSpPr>
+              <p:spPr>
+                <a:xfrm>
+                  <a:off x="5327828" y="2190270"/>
+                  <a:ext cx="867951" cy="486330"/>
+                </a:xfrm>
+                <a:prstGeom prst="triangle">
+                  <a:avLst/>
+                </a:prstGeom>
+                <a:solidFill>
+                  <a:srgbClr val="C00000"/>
+                </a:solidFill>
+                <a:ln>
+                  <a:solidFill>
+                    <a:srgbClr val="C00000"/>
+                  </a:solidFill>
+                </a:ln>
+              </p:spPr>
+              <p:style>
+                <a:lnRef idx="2">
+                  <a:schemeClr val="accent1">
+                    <a:shade val="50000"/>
+                  </a:schemeClr>
+                </a:lnRef>
+                <a:fillRef idx="1">
+                  <a:schemeClr val="accent1"/>
+                </a:fillRef>
+                <a:effectRef idx="0">
+                  <a:schemeClr val="accent1"/>
+                </a:effectRef>
+                <a:fontRef idx="minor">
+                  <a:schemeClr val="lt1"/>
+                </a:fontRef>
+              </p:style>
+              <p:txBody>
+                <a:bodyPr rtlCol="0" anchor="ctr"/>
+                <a:lstStyle/>
+                <a:p>
+                  <a:pPr algn="ctr"/>
+                  <a:endParaRPr lang="zh-TW" altLang="en-US"/>
+                </a:p>
+              </p:txBody>
+            </p:sp>
+            <p:cxnSp>
+              <p:nvCxnSpPr>
+                <p:cNvPr id="88" name="直線單箭頭接點 87">
+                  <a:extLst>
+                    <a:ext uri="{FF2B5EF4-FFF2-40B4-BE49-F238E27FC236}">
+                      <a16:creationId xmlns:a16="http://schemas.microsoft.com/office/drawing/2014/main" id="{91F865F8-C065-41FB-9964-4924FDC0E826}"/>
+                    </a:ext>
+                  </a:extLst>
+                </p:cNvPr>
+                <p:cNvCxnSpPr>
+                  <a:cxnSpLocks noChangeAspect="1"/>
+                </p:cNvCxnSpPr>
+                <p:nvPr/>
+              </p:nvCxnSpPr>
+              <p:spPr>
+                <a:xfrm flipV="1">
+                  <a:off x="5769280" y="2121250"/>
+                  <a:ext cx="337956" cy="101330"/>
+                </a:xfrm>
+                <a:prstGeom prst="straightConnector1">
+                  <a:avLst/>
+                </a:prstGeom>
+                <a:ln w="76200">
+                  <a:solidFill>
+                    <a:schemeClr val="tx1">
+                      <a:lumMod val="50000"/>
+                      <a:lumOff val="50000"/>
+                    </a:schemeClr>
+                  </a:solidFill>
+                  <a:tailEnd type="triangle"/>
+                </a:ln>
+              </p:spPr>
+              <p:style>
+                <a:lnRef idx="1">
+                  <a:schemeClr val="accent1"/>
+                </a:lnRef>
+                <a:fillRef idx="0">
+                  <a:schemeClr val="accent1"/>
+                </a:fillRef>
+                <a:effectRef idx="0">
+                  <a:schemeClr val="accent1"/>
+                </a:effectRef>
+                <a:fontRef idx="minor">
+                  <a:schemeClr val="tx1"/>
+                </a:fontRef>
+              </p:style>
+            </p:cxnSp>
+            <p:cxnSp>
+              <p:nvCxnSpPr>
+                <p:cNvPr id="89" name="直線單箭頭接點 88">
+                  <a:extLst>
+                    <a:ext uri="{FF2B5EF4-FFF2-40B4-BE49-F238E27FC236}">
+                      <a16:creationId xmlns:a16="http://schemas.microsoft.com/office/drawing/2014/main" id="{C159FCCD-3236-4EDC-ACFE-2E9F700D20CE}"/>
+                    </a:ext>
+                  </a:extLst>
+                </p:cNvPr>
+                <p:cNvCxnSpPr>
+                  <a:cxnSpLocks/>
+                </p:cNvCxnSpPr>
+                <p:nvPr/>
+              </p:nvCxnSpPr>
+              <p:spPr>
+                <a:xfrm flipH="1" flipV="1">
+                  <a:off x="5723969" y="872350"/>
+                  <a:ext cx="37837" cy="1334858"/>
+                </a:xfrm>
+                <a:prstGeom prst="straightConnector1">
+                  <a:avLst/>
+                </a:prstGeom>
+                <a:ln w="76200">
+                  <a:solidFill>
+                    <a:schemeClr val="accent4"/>
+                  </a:solidFill>
+                  <a:tailEnd type="triangle"/>
+                </a:ln>
+              </p:spPr>
+              <p:style>
+                <a:lnRef idx="1">
+                  <a:schemeClr val="accent1"/>
+                </a:lnRef>
+                <a:fillRef idx="0">
+                  <a:schemeClr val="accent1"/>
+                </a:fillRef>
+                <a:effectRef idx="0">
+                  <a:schemeClr val="accent1"/>
+                </a:effectRef>
+                <a:fontRef idx="minor">
+                  <a:schemeClr val="tx1"/>
+                </a:fontRef>
+              </p:style>
+            </p:cxnSp>
+            <p:cxnSp>
+              <p:nvCxnSpPr>
+                <p:cNvPr id="90" name="直線單箭頭接點 89">
+                  <a:extLst>
+                    <a:ext uri="{FF2B5EF4-FFF2-40B4-BE49-F238E27FC236}">
+                      <a16:creationId xmlns:a16="http://schemas.microsoft.com/office/drawing/2014/main" id="{B63C0D5A-FA45-44E0-B2A1-DD16A840FAC5}"/>
+                    </a:ext>
+                  </a:extLst>
+                </p:cNvPr>
+                <p:cNvCxnSpPr>
+                  <a:cxnSpLocks noChangeAspect="1"/>
+                </p:cNvCxnSpPr>
+                <p:nvPr/>
+              </p:nvCxnSpPr>
+              <p:spPr>
+                <a:xfrm flipH="1" flipV="1">
+                  <a:off x="5375972" y="972236"/>
+                  <a:ext cx="374889" cy="1250345"/>
+                </a:xfrm>
+                <a:prstGeom prst="straightConnector1">
+                  <a:avLst/>
+                </a:prstGeom>
+                <a:ln w="76200">
+                  <a:solidFill>
+                    <a:srgbClr val="00B0F0"/>
+                  </a:solidFill>
+                  <a:tailEnd type="triangle"/>
+                </a:ln>
+              </p:spPr>
+              <p:style>
+                <a:lnRef idx="1">
+                  <a:schemeClr val="accent1"/>
+                </a:lnRef>
+                <a:fillRef idx="0">
+                  <a:schemeClr val="accent1"/>
+                </a:fillRef>
+                <a:effectRef idx="0">
+                  <a:schemeClr val="accent1"/>
+                </a:effectRef>
+                <a:fontRef idx="minor">
+                  <a:schemeClr val="tx1"/>
+                </a:fontRef>
+              </p:style>
+            </p:cxnSp>
+          </p:grpSp>
+          <mc:AlternateContent xmlns:mc="http://schemas.openxmlformats.org/markup-compatibility/2006">
+            <mc:Choice xmlns:a14="http://schemas.microsoft.com/office/drawing/2010/main" Requires="a14">
+              <p:sp>
+                <p:nvSpPr>
+                  <p:cNvPr id="84" name="文字方塊 83">
+                    <a:extLst>
+                      <a:ext uri="{FF2B5EF4-FFF2-40B4-BE49-F238E27FC236}">
+                        <a16:creationId xmlns:a16="http://schemas.microsoft.com/office/drawing/2014/main" id="{3437E642-A5C9-4014-96BE-5F1DD1269210}"/>
+                      </a:ext>
+                    </a:extLst>
+                  </p:cNvPr>
+                  <p:cNvSpPr txBox="1"/>
+                  <p:nvPr/>
+                </p:nvSpPr>
+                <p:spPr>
+                  <a:xfrm>
+                    <a:off x="3571244" y="3626581"/>
+                    <a:ext cx="427584" cy="369332"/>
+                  </a:xfrm>
+                  <a:prstGeom prst="rect">
+                    <a:avLst/>
+                  </a:prstGeom>
+                  <a:noFill/>
+                </p:spPr>
+                <p:txBody>
+                  <a:bodyPr wrap="square" rtlCol="0">
+                    <a:spAutoFit/>
+                  </a:bodyPr>
+                  <a:lstStyle/>
+                  <a:p>
+                    <a14:m>
+                      <m:oMathPara xmlns:m="http://schemas.openxmlformats.org/officeDocument/2006/math">
+                        <m:oMathParaPr>
+                          <m:jc m:val="centerGroup"/>
+                        </m:oMathParaPr>
+                        <m:oMath xmlns:m="http://schemas.openxmlformats.org/officeDocument/2006/math">
+                          <m:r>
+                            <a:rPr lang="en-US" altLang="zh-TW" b="1" i="1" smtClean="0">
+                              <a:solidFill>
+                                <a:schemeClr val="bg1"/>
+                              </a:solidFill>
+                              <a:latin typeface="Cambria Math" panose="02040503050406030204" pitchFamily="18" charset="0"/>
+                            </a:rPr>
+                            <m:t>𝑭</m:t>
+                          </m:r>
+                        </m:oMath>
+                      </m:oMathPara>
+                    </a14:m>
+                    <a:endParaRPr lang="zh-TW" altLang="en-US" b="1" i="1" dirty="0"/>
+                  </a:p>
+                </p:txBody>
+              </p:sp>
+            </mc:Choice>
+            <mc:Fallback>
+              <p:sp>
+                <p:nvSpPr>
+                  <p:cNvPr id="84" name="文字方塊 83">
+                    <a:extLst>
+                      <a:ext uri="{FF2B5EF4-FFF2-40B4-BE49-F238E27FC236}">
+                        <a16:creationId xmlns:a16="http://schemas.microsoft.com/office/drawing/2014/main" id="{3437E642-A5C9-4014-96BE-5F1DD1269210}"/>
+                      </a:ext>
+                    </a:extLst>
+                  </p:cNvPr>
+                  <p:cNvSpPr txBox="1">
+                    <a:spLocks noRot="1" noChangeAspect="1" noMove="1" noResize="1" noEditPoints="1" noAdjustHandles="1" noChangeArrowheads="1" noChangeShapeType="1" noTextEdit="1"/>
+                  </p:cNvSpPr>
+                  <p:nvPr/>
+                </p:nvSpPr>
+                <p:spPr>
+                  <a:xfrm>
+                    <a:off x="3571244" y="3626581"/>
+                    <a:ext cx="427584" cy="369332"/>
+                  </a:xfrm>
+                  <a:prstGeom prst="rect">
+                    <a:avLst/>
+                  </a:prstGeom>
+                  <a:blipFill>
+                    <a:blip r:embed="rId12"/>
+                    <a:stretch>
+                      <a:fillRect/>
+                    </a:stretch>
+                  </a:blipFill>
+                </p:spPr>
+                <p:txBody>
+                  <a:bodyPr/>
+                  <a:lstStyle/>
+                  <a:p>
+                    <a:r>
+                      <a:rPr lang="zh-TW" altLang="en-US">
+                        <a:noFill/>
+                      </a:rPr>
+                      <a:t> </a:t>
+                    </a:r>
+                  </a:p>
+                </p:txBody>
+              </p:sp>
+            </mc:Fallback>
+          </mc:AlternateContent>
+          <mc:AlternateContent xmlns:mc="http://schemas.openxmlformats.org/markup-compatibility/2006">
+            <mc:Choice xmlns:a14="http://schemas.microsoft.com/office/drawing/2010/main" Requires="a14">
+              <p:sp>
+                <p:nvSpPr>
+                  <p:cNvPr id="85" name="文字方塊 84">
+                    <a:extLst>
+                      <a:ext uri="{FF2B5EF4-FFF2-40B4-BE49-F238E27FC236}">
+                        <a16:creationId xmlns:a16="http://schemas.microsoft.com/office/drawing/2014/main" id="{E163CC4F-5D5D-4E86-A0BE-7D32D69101C4}"/>
+                      </a:ext>
+                    </a:extLst>
+                  </p:cNvPr>
+                  <p:cNvSpPr txBox="1"/>
+                  <p:nvPr/>
+                </p:nvSpPr>
+                <p:spPr>
+                  <a:xfrm>
+                    <a:off x="3008733" y="3690880"/>
+                    <a:ext cx="427584" cy="369332"/>
+                  </a:xfrm>
+                  <a:prstGeom prst="rect">
+                    <a:avLst/>
+                  </a:prstGeom>
+                  <a:noFill/>
+                </p:spPr>
+                <p:txBody>
+                  <a:bodyPr wrap="square" rtlCol="0">
+                    <a:spAutoFit/>
+                  </a:bodyPr>
+                  <a:lstStyle/>
+                  <a:p>
+                    <a14:m>
+                      <m:oMathPara xmlns:m="http://schemas.openxmlformats.org/officeDocument/2006/math">
+                        <m:oMathParaPr>
+                          <m:jc m:val="centerGroup"/>
+                        </m:oMathParaPr>
+                        <m:oMath xmlns:m="http://schemas.openxmlformats.org/officeDocument/2006/math">
+                          <m:r>
+                            <a:rPr lang="en-US" altLang="zh-TW" b="1" i="1" smtClean="0">
+                              <a:solidFill>
+                                <a:schemeClr val="bg1"/>
+                              </a:solidFill>
+                              <a:latin typeface="Cambria Math" panose="02040503050406030204" pitchFamily="18" charset="0"/>
+                            </a:rPr>
+                            <m:t>𝑵</m:t>
+                          </m:r>
+                        </m:oMath>
+                      </m:oMathPara>
+                    </a14:m>
+                    <a:endParaRPr lang="zh-TW" altLang="en-US" b="1" i="1" dirty="0">
+                      <a:solidFill>
+                        <a:schemeClr val="bg1"/>
+                      </a:solidFill>
+                    </a:endParaRPr>
+                  </a:p>
+                </p:txBody>
+              </p:sp>
+            </mc:Choice>
+            <mc:Fallback>
+              <p:sp>
+                <p:nvSpPr>
+                  <p:cNvPr id="85" name="文字方塊 84">
+                    <a:extLst>
+                      <a:ext uri="{FF2B5EF4-FFF2-40B4-BE49-F238E27FC236}">
+                        <a16:creationId xmlns:a16="http://schemas.microsoft.com/office/drawing/2014/main" id="{E163CC4F-5D5D-4E86-A0BE-7D32D69101C4}"/>
+                      </a:ext>
+                    </a:extLst>
+                  </p:cNvPr>
+                  <p:cNvSpPr txBox="1">
+                    <a:spLocks noRot="1" noChangeAspect="1" noMove="1" noResize="1" noEditPoints="1" noAdjustHandles="1" noChangeArrowheads="1" noChangeShapeType="1" noTextEdit="1"/>
+                  </p:cNvSpPr>
+                  <p:nvPr/>
+                </p:nvSpPr>
+                <p:spPr>
+                  <a:xfrm>
+                    <a:off x="3008733" y="3690880"/>
+                    <a:ext cx="427584" cy="369332"/>
+                  </a:xfrm>
+                  <a:prstGeom prst="rect">
+                    <a:avLst/>
+                  </a:prstGeom>
+                  <a:blipFill>
+                    <a:blip r:embed="rId13"/>
+                    <a:stretch>
+                      <a:fillRect/>
+                    </a:stretch>
+                  </a:blipFill>
+                </p:spPr>
+                <p:txBody>
+                  <a:bodyPr/>
+                  <a:lstStyle/>
+                  <a:p>
+                    <a:r>
+                      <a:rPr lang="zh-TW" altLang="en-US">
+                        <a:noFill/>
+                      </a:rPr>
+                      <a:t> </a:t>
+                    </a:r>
+                  </a:p>
+                </p:txBody>
+              </p:sp>
+            </mc:Fallback>
+          </mc:AlternateContent>
+        </p:grpSp>
+        <p:cxnSp>
+          <p:nvCxnSpPr>
+            <p:cNvPr id="91" name="直線接點 90">
+              <a:extLst>
+                <a:ext uri="{FF2B5EF4-FFF2-40B4-BE49-F238E27FC236}">
+                  <a16:creationId xmlns:a16="http://schemas.microsoft.com/office/drawing/2014/main" id="{586CA8E0-0F02-4B69-A05A-C57BAC90B7E0}"/>
+                </a:ext>
+              </a:extLst>
+            </p:cNvPr>
+            <p:cNvCxnSpPr>
+              <a:cxnSpLocks/>
+              <a:stCxn id="86" idx="1"/>
+            </p:cNvCxnSpPr>
+            <p:nvPr/>
+          </p:nvCxnSpPr>
+          <p:spPr>
+            <a:xfrm flipH="1">
+              <a:off x="7163410" y="2044864"/>
+              <a:ext cx="757986" cy="382904"/>
+            </a:xfrm>
+            <a:prstGeom prst="line">
+              <a:avLst/>
+            </a:prstGeom>
+            <a:ln>
+              <a:solidFill>
+                <a:schemeClr val="bg1"/>
+              </a:solidFill>
+            </a:ln>
+          </p:spPr>
+          <p:style>
+            <a:lnRef idx="1">
+              <a:schemeClr val="dk1"/>
+            </a:lnRef>
+            <a:fillRef idx="0">
+              <a:schemeClr val="dk1"/>
+            </a:fillRef>
+            <a:effectRef idx="0">
+              <a:schemeClr val="dk1"/>
+            </a:effectRef>
+            <a:fontRef idx="minor">
+              <a:schemeClr val="tx1"/>
+            </a:fontRef>
+          </p:style>
+        </p:cxnSp>
+      </p:grpSp>
+      <p:sp>
+        <p:nvSpPr>
+          <p:cNvPr id="94" name="矩形: 圓角 93">
+            <a:extLst>
+              <a:ext uri="{FF2B5EF4-FFF2-40B4-BE49-F238E27FC236}">
+                <a16:creationId xmlns:a16="http://schemas.microsoft.com/office/drawing/2014/main" id="{37118FB2-B9EF-4A96-8257-67F6FC2DE386}"/>
+              </a:ext>
+            </a:extLst>
+          </p:cNvPr>
+          <p:cNvSpPr/>
+          <p:nvPr/>
+        </p:nvSpPr>
+        <p:spPr>
+          <a:xfrm>
+            <a:off x="8404904" y="843864"/>
+            <a:ext cx="3485101" cy="2078966"/>
+          </a:xfrm>
+          <a:prstGeom prst="roundRect">
+            <a:avLst>
+              <a:gd name="adj" fmla="val 9114"/>
+            </a:avLst>
+          </a:prstGeom>
+          <a:solidFill>
+            <a:srgbClr val="00B050"/>
+          </a:solidFill>
+        </p:spPr>
+        <p:style>
+          <a:lnRef idx="2">
+            <a:schemeClr val="accent1">
+              <a:shade val="50000"/>
+            </a:schemeClr>
+          </a:lnRef>
+          <a:fillRef idx="1">
+            <a:schemeClr val="accent1"/>
+          </a:fillRef>
+          <a:effectRef idx="0">
+            <a:schemeClr val="accent1"/>
+          </a:effectRef>
+          <a:fontRef idx="minor">
+            <a:schemeClr val="lt1"/>
+          </a:fontRef>
+        </p:style>
+        <p:txBody>
+          <a:bodyPr rtlCol="0" anchor="ctr"/>
+          <a:lstStyle/>
+          <a:p>
+            <a:pPr algn="ctr"/>
+            <a:endParaRPr lang="zh-TW" altLang="en-US"/>
+          </a:p>
+        </p:txBody>
+      </p:sp>
+      <p:sp>
+        <p:nvSpPr>
+          <p:cNvPr id="95" name="文字方塊 94">
+            <a:extLst>
+              <a:ext uri="{FF2B5EF4-FFF2-40B4-BE49-F238E27FC236}">
+                <a16:creationId xmlns:a16="http://schemas.microsoft.com/office/drawing/2014/main" id="{93784284-D391-474A-8E57-CC953F95DAB6}"/>
+              </a:ext>
+            </a:extLst>
+          </p:cNvPr>
+          <p:cNvSpPr txBox="1"/>
+          <p:nvPr/>
+        </p:nvSpPr>
+        <p:spPr>
+          <a:xfrm>
+            <a:off x="8530860" y="1032563"/>
+            <a:ext cx="1761255" cy="461665"/>
+          </a:xfrm>
+          <a:prstGeom prst="rect">
+            <a:avLst/>
+          </a:prstGeom>
+          <a:noFill/>
+        </p:spPr>
+        <p:txBody>
+          <a:bodyPr wrap="square" rtlCol="0">
+            <a:spAutoFit/>
+          </a:bodyPr>
+          <a:lstStyle/>
+          <a:p>
+            <a:r>
+              <a:rPr lang="zh-TW" altLang="en-US" sz="2400" b="1" dirty="0">
+                <a:solidFill>
+                  <a:schemeClr val="bg1"/>
+                </a:solidFill>
+                <a:latin typeface="微軟正黑體" panose="020B0604030504040204" pitchFamily="34" charset="-120"/>
+                <a:ea typeface="微軟正黑體" panose="020B0604030504040204" pitchFamily="34" charset="-120"/>
+              </a:rPr>
+              <a:t>角度</a:t>
+            </a:r>
+            <a:r>
+              <a:rPr lang="en-US" altLang="zh-TW" sz="2400" b="1" dirty="0">
+                <a:solidFill>
+                  <a:schemeClr val="bg1"/>
+                </a:solidFill>
+                <a:latin typeface="微軟正黑體" panose="020B0604030504040204" pitchFamily="34" charset="-120"/>
+                <a:ea typeface="微軟正黑體" panose="020B0604030504040204" pitchFamily="34" charset="-120"/>
+              </a:rPr>
+              <a:t>: IMU</a:t>
+            </a:r>
+            <a:endParaRPr lang="zh-TW" altLang="en-US" sz="2400" b="1" dirty="0">
+              <a:solidFill>
+                <a:schemeClr val="bg1"/>
+              </a:solidFill>
+              <a:latin typeface="微軟正黑體" panose="020B0604030504040204" pitchFamily="34" charset="-120"/>
+              <a:ea typeface="微軟正黑體" panose="020B0604030504040204" pitchFamily="34" charset="-120"/>
+            </a:endParaRPr>
+          </a:p>
+        </p:txBody>
+      </p:sp>
+      <p:pic>
+        <p:nvPicPr>
+          <p:cNvPr id="107" name="圖片 106">
+            <a:extLst>
+              <a:ext uri="{FF2B5EF4-FFF2-40B4-BE49-F238E27FC236}">
+                <a16:creationId xmlns:a16="http://schemas.microsoft.com/office/drawing/2014/main" id="{72B36638-5DDB-462B-9610-B34A2D5936C4}"/>
+              </a:ext>
+            </a:extLst>
+          </p:cNvPr>
+          <p:cNvPicPr>
+            <a:picLocks noChangeAspect="1"/>
+          </p:cNvPicPr>
+          <p:nvPr/>
+        </p:nvPicPr>
+        <p:blipFill rotWithShape="1">
+          <a:blip r:embed="rId14">
+            <a:extLst>
+              <a:ext uri="{28A0092B-C50C-407E-A947-70E740481C1C}">
+                <a14:useLocalDpi xmlns:a14="http://schemas.microsoft.com/office/drawing/2010/main" val="0"/>
+              </a:ext>
+            </a:extLst>
+          </a:blip>
+          <a:srcRect l="33166" t="34824" r="25403" b="30898"/>
+          <a:stretch/>
+        </p:blipFill>
+        <p:spPr>
+          <a:xfrm rot="16200000">
+            <a:off x="9605235" y="1470635"/>
+            <a:ext cx="1190562" cy="1313381"/>
+          </a:xfrm>
+          <a:prstGeom prst="rect">
+            <a:avLst/>
+          </a:prstGeom>
+        </p:spPr>
+      </p:pic>
+      <p:sp>
+        <p:nvSpPr>
+          <p:cNvPr id="112" name="文字方塊 111">
+            <a:extLst>
+              <a:ext uri="{FF2B5EF4-FFF2-40B4-BE49-F238E27FC236}">
+                <a16:creationId xmlns:a16="http://schemas.microsoft.com/office/drawing/2014/main" id="{924F0B09-3888-4CCA-A3BF-7BF0420709EA}"/>
+              </a:ext>
+            </a:extLst>
+          </p:cNvPr>
+          <p:cNvSpPr txBox="1"/>
+          <p:nvPr/>
+        </p:nvSpPr>
+        <p:spPr>
+          <a:xfrm>
+            <a:off x="4767696" y="338613"/>
+            <a:ext cx="2480704" cy="523220"/>
+          </a:xfrm>
+          <a:prstGeom prst="rect">
+            <a:avLst/>
+          </a:prstGeom>
+          <a:noFill/>
+        </p:spPr>
+        <p:txBody>
+          <a:bodyPr wrap="square" rtlCol="0">
+            <a:spAutoFit/>
+          </a:bodyPr>
+          <a:lstStyle/>
+          <a:p>
+            <a:r>
+              <a:rPr lang="zh-TW" altLang="en-US" sz="2800" b="1" dirty="0">
+                <a:latin typeface="微軟正黑體" panose="020B0604030504040204" pitchFamily="34" charset="-120"/>
+                <a:ea typeface="微軟正黑體" panose="020B0604030504040204" pitchFamily="34" charset="-120"/>
+              </a:rPr>
+              <a:t>測量方式</a:t>
+            </a:r>
+          </a:p>
+        </p:txBody>
+      </p:sp>
+      <p:grpSp>
+        <p:nvGrpSpPr>
+          <p:cNvPr id="115" name="群組 114">
+            <a:extLst>
+              <a:ext uri="{FF2B5EF4-FFF2-40B4-BE49-F238E27FC236}">
+                <a16:creationId xmlns:a16="http://schemas.microsoft.com/office/drawing/2014/main" id="{58304B5C-4E4B-46C6-93B8-AC0FE8A224F7}"/>
+              </a:ext>
+            </a:extLst>
+          </p:cNvPr>
+          <p:cNvGrpSpPr/>
+          <p:nvPr/>
+        </p:nvGrpSpPr>
+        <p:grpSpPr>
+          <a:xfrm>
+            <a:off x="930180" y="3736631"/>
+            <a:ext cx="5027685" cy="2637713"/>
+            <a:chOff x="2202778" y="3611418"/>
+            <a:chExt cx="5027685" cy="2637713"/>
+          </a:xfrm>
+        </p:grpSpPr>
+        <p:pic>
+          <p:nvPicPr>
+            <p:cNvPr id="78" name="圖片 77">
+              <a:extLst>
+                <a:ext uri="{FF2B5EF4-FFF2-40B4-BE49-F238E27FC236}">
+                  <a16:creationId xmlns:a16="http://schemas.microsoft.com/office/drawing/2014/main" id="{154129B5-15A4-4894-9C35-BA1CB6C05476}"/>
+                </a:ext>
+              </a:extLst>
+            </p:cNvPr>
+            <p:cNvPicPr>
+              <a:picLocks noChangeAspect="1"/>
+            </p:cNvPicPr>
+            <p:nvPr/>
+          </p:nvPicPr>
+          <p:blipFill rotWithShape="1">
+            <a:blip r:embed="rId15">
+              <a:extLst>
+                <a:ext uri="{28A0092B-C50C-407E-A947-70E740481C1C}">
+                  <a14:useLocalDpi xmlns:a14="http://schemas.microsoft.com/office/drawing/2010/main" val="0"/>
+                </a:ext>
+              </a:extLst>
+            </a:blip>
+            <a:srcRect l="17824" t="18796" r="16364" b="23382"/>
+            <a:stretch/>
+          </p:blipFill>
+          <p:spPr>
+            <a:xfrm>
+              <a:off x="2202778" y="4140864"/>
+              <a:ext cx="5027685" cy="2108267"/>
+            </a:xfrm>
+            <a:prstGeom prst="rect">
+              <a:avLst/>
+            </a:prstGeom>
+          </p:spPr>
+        </p:pic>
+        <p:sp>
+          <p:nvSpPr>
+            <p:cNvPr id="114" name="文字方塊 113">
+              <a:extLst>
+                <a:ext uri="{FF2B5EF4-FFF2-40B4-BE49-F238E27FC236}">
+                  <a16:creationId xmlns:a16="http://schemas.microsoft.com/office/drawing/2014/main" id="{523CD117-C255-422D-A846-870485F36E62}"/>
+                </a:ext>
+              </a:extLst>
+            </p:cNvPr>
+            <p:cNvSpPr txBox="1"/>
+            <p:nvPr/>
+          </p:nvSpPr>
+          <p:spPr>
+            <a:xfrm>
+              <a:off x="2339454" y="3611418"/>
+              <a:ext cx="3350146" cy="523220"/>
+            </a:xfrm>
+            <a:prstGeom prst="rect">
+              <a:avLst/>
+            </a:prstGeom>
+            <a:noFill/>
+          </p:spPr>
+          <p:txBody>
+            <a:bodyPr wrap="square" rtlCol="0">
+              <a:spAutoFit/>
+            </a:bodyPr>
+            <a:lstStyle/>
+            <a:p>
+              <a:r>
+                <a:rPr lang="zh-TW" altLang="en-US" sz="2800" b="1" dirty="0">
+                  <a:latin typeface="微軟正黑體" panose="020B0604030504040204" pitchFamily="34" charset="-120"/>
+                  <a:ea typeface="微軟正黑體" panose="020B0604030504040204" pitchFamily="34" charset="-120"/>
+                </a:rPr>
+                <a:t>量測裝置</a:t>
+              </a:r>
+            </a:p>
+          </p:txBody>
+        </p:sp>
+      </p:grpSp>
+      <p:grpSp>
+        <p:nvGrpSpPr>
+          <p:cNvPr id="122" name="群組 121">
+            <a:extLst>
+              <a:ext uri="{FF2B5EF4-FFF2-40B4-BE49-F238E27FC236}">
+                <a16:creationId xmlns:a16="http://schemas.microsoft.com/office/drawing/2014/main" id="{BF3241C9-3DFC-4A2B-877D-EBDC4E21D370}"/>
+              </a:ext>
+            </a:extLst>
+          </p:cNvPr>
+          <p:cNvGrpSpPr>
+            <a:grpSpLocks noChangeAspect="1"/>
+          </p:cNvGrpSpPr>
+          <p:nvPr/>
+        </p:nvGrpSpPr>
+        <p:grpSpPr>
+          <a:xfrm>
+            <a:off x="1098083" y="4620081"/>
+            <a:ext cx="855434" cy="1085393"/>
+            <a:chOff x="1098083" y="4442691"/>
+            <a:chExt cx="1021440" cy="1296027"/>
+          </a:xfrm>
+        </p:grpSpPr>
+        <p:cxnSp>
+          <p:nvCxnSpPr>
+            <p:cNvPr id="117" name="直線單箭頭接點 116">
+              <a:extLst>
+                <a:ext uri="{FF2B5EF4-FFF2-40B4-BE49-F238E27FC236}">
+                  <a16:creationId xmlns:a16="http://schemas.microsoft.com/office/drawing/2014/main" id="{0EE5CDCF-2754-46D6-B3F0-3BAAA2771152}"/>
+                </a:ext>
+              </a:extLst>
+            </p:cNvPr>
+            <p:cNvCxnSpPr/>
+            <p:nvPr/>
+          </p:nvCxnSpPr>
+          <p:spPr>
+            <a:xfrm flipV="1">
+              <a:off x="1098083" y="4442691"/>
+              <a:ext cx="0" cy="1173018"/>
+            </a:xfrm>
+            <a:prstGeom prst="straightConnector1">
+              <a:avLst/>
+            </a:prstGeom>
+            <a:ln w="19050">
+              <a:solidFill>
+                <a:srgbClr val="FF0000"/>
+              </a:solidFill>
+              <a:tailEnd type="triangle"/>
+            </a:ln>
+          </p:spPr>
+          <p:style>
+            <a:lnRef idx="1">
+              <a:schemeClr val="accent1"/>
+            </a:lnRef>
+            <a:fillRef idx="0">
+              <a:schemeClr val="accent1"/>
+            </a:fillRef>
+            <a:effectRef idx="0">
+              <a:schemeClr val="accent1"/>
+            </a:effectRef>
+            <a:fontRef idx="minor">
+              <a:schemeClr val="tx1"/>
+            </a:fontRef>
+          </p:style>
+        </p:cxnSp>
+        <p:cxnSp>
+          <p:nvCxnSpPr>
+            <p:cNvPr id="119" name="直線單箭頭接點 118">
+              <a:extLst>
+                <a:ext uri="{FF2B5EF4-FFF2-40B4-BE49-F238E27FC236}">
+                  <a16:creationId xmlns:a16="http://schemas.microsoft.com/office/drawing/2014/main" id="{6D43D4E6-82EA-4D23-A167-DCC6B1CF6868}"/>
+                </a:ext>
+              </a:extLst>
+            </p:cNvPr>
+            <p:cNvCxnSpPr>
+              <a:cxnSpLocks/>
+            </p:cNvCxnSpPr>
+            <p:nvPr/>
+          </p:nvCxnSpPr>
+          <p:spPr>
+            <a:xfrm>
+              <a:off x="1098083" y="5615709"/>
+              <a:ext cx="1021440" cy="123009"/>
+            </a:xfrm>
+            <a:prstGeom prst="straightConnector1">
+              <a:avLst/>
+            </a:prstGeom>
+            <a:ln w="19050">
+              <a:solidFill>
+                <a:srgbClr val="FF0000"/>
+              </a:solidFill>
+              <a:tailEnd type="triangle"/>
+            </a:ln>
+          </p:spPr>
+          <p:style>
+            <a:lnRef idx="1">
+              <a:schemeClr val="accent1"/>
+            </a:lnRef>
+            <a:fillRef idx="0">
+              <a:schemeClr val="accent1"/>
+            </a:fillRef>
+            <a:effectRef idx="0">
+              <a:schemeClr val="accent1"/>
+            </a:effectRef>
+            <a:fontRef idx="minor">
+              <a:schemeClr val="tx1"/>
+            </a:fontRef>
+          </p:style>
+        </p:cxnSp>
+        <p:cxnSp>
+          <p:nvCxnSpPr>
+            <p:cNvPr id="121" name="直線單箭頭接點 120">
+              <a:extLst>
+                <a:ext uri="{FF2B5EF4-FFF2-40B4-BE49-F238E27FC236}">
+                  <a16:creationId xmlns:a16="http://schemas.microsoft.com/office/drawing/2014/main" id="{2610328B-EE7D-4307-97B9-2987E8B03E21}"/>
+                </a:ext>
+              </a:extLst>
+            </p:cNvPr>
+            <p:cNvCxnSpPr/>
+            <p:nvPr/>
+          </p:nvCxnSpPr>
+          <p:spPr>
+            <a:xfrm flipV="1">
+              <a:off x="1098083" y="5159214"/>
+              <a:ext cx="970690" cy="456495"/>
+            </a:xfrm>
+            <a:prstGeom prst="straightConnector1">
+              <a:avLst/>
+            </a:prstGeom>
+            <a:ln w="19050">
+              <a:solidFill>
+                <a:srgbClr val="FF0000"/>
+              </a:solidFill>
+              <a:tailEnd type="triangle"/>
+            </a:ln>
+          </p:spPr>
+          <p:style>
+            <a:lnRef idx="1">
+              <a:schemeClr val="accent1"/>
+            </a:lnRef>
+            <a:fillRef idx="0">
+              <a:schemeClr val="accent1"/>
+            </a:fillRef>
+            <a:effectRef idx="0">
+              <a:schemeClr val="accent1"/>
+            </a:effectRef>
+            <a:fontRef idx="minor">
+              <a:schemeClr val="tx1"/>
+            </a:fontRef>
+          </p:style>
+        </p:cxnSp>
+      </p:grpSp>
+      <p:sp>
+        <p:nvSpPr>
+          <p:cNvPr id="123" name="文字方塊 122">
+            <a:extLst>
+              <a:ext uri="{FF2B5EF4-FFF2-40B4-BE49-F238E27FC236}">
+                <a16:creationId xmlns:a16="http://schemas.microsoft.com/office/drawing/2014/main" id="{A92F677B-B394-42B6-8470-E797F53FFBA3}"/>
+              </a:ext>
+            </a:extLst>
+          </p:cNvPr>
+          <p:cNvSpPr txBox="1"/>
+          <p:nvPr/>
+        </p:nvSpPr>
+        <p:spPr>
+          <a:xfrm>
+            <a:off x="862666" y="5533659"/>
+            <a:ext cx="1023337" cy="307777"/>
+          </a:xfrm>
+          <a:prstGeom prst="rect">
+            <a:avLst/>
+          </a:prstGeom>
+          <a:noFill/>
+        </p:spPr>
+        <p:txBody>
+          <a:bodyPr wrap="square" rtlCol="0">
+            <a:spAutoFit/>
+          </a:bodyPr>
+          <a:lstStyle/>
+          <a:p>
+            <a:r>
+              <a:rPr lang="en-US" altLang="zh-TW" sz="1400" dirty="0">
+                <a:solidFill>
+                  <a:srgbClr val="FF0000"/>
+                </a:solidFill>
+              </a:rPr>
+              <a:t>(0,0,0)</a:t>
+            </a:r>
+            <a:endParaRPr lang="zh-TW" altLang="en-US" sz="1400" dirty="0">
+              <a:solidFill>
+                <a:srgbClr val="FF0000"/>
+              </a:solidFill>
+            </a:endParaRPr>
+          </a:p>
+        </p:txBody>
+      </p:sp>
+      <p:pic>
+        <p:nvPicPr>
+          <p:cNvPr id="130" name="圖片 129">
+            <a:extLst>
+              <a:ext uri="{FF2B5EF4-FFF2-40B4-BE49-F238E27FC236}">
+                <a16:creationId xmlns:a16="http://schemas.microsoft.com/office/drawing/2014/main" id="{D603EC5C-1A5D-4590-9859-65B5A376182D}"/>
+              </a:ext>
+            </a:extLst>
+          </p:cNvPr>
+          <p:cNvPicPr>
+            <a:picLocks noChangeAspect="1"/>
+          </p:cNvPicPr>
+          <p:nvPr/>
+        </p:nvPicPr>
+        <p:blipFill>
+          <a:blip r:embed="rId16">
+            <a:extLst>
+              <a:ext uri="{28A0092B-C50C-407E-A947-70E740481C1C}">
+                <a14:useLocalDpi xmlns:a14="http://schemas.microsoft.com/office/drawing/2010/main" val="0"/>
+              </a:ext>
+            </a:extLst>
+          </a:blip>
+          <a:stretch>
+            <a:fillRect/>
+          </a:stretch>
+        </p:blipFill>
+        <p:spPr>
+          <a:xfrm>
+            <a:off x="6530819" y="4750362"/>
+            <a:ext cx="2733675" cy="1219200"/>
+          </a:xfrm>
+          <a:prstGeom prst="rect">
+            <a:avLst/>
+          </a:prstGeom>
+        </p:spPr>
+      </p:pic>
+      <p:sp>
+        <p:nvSpPr>
+          <p:cNvPr id="131" name="文字方塊 130">
+            <a:extLst>
+              <a:ext uri="{FF2B5EF4-FFF2-40B4-BE49-F238E27FC236}">
+                <a16:creationId xmlns:a16="http://schemas.microsoft.com/office/drawing/2014/main" id="{301321F6-A2C2-48C0-9EB5-95D6C4615556}"/>
+              </a:ext>
+            </a:extLst>
+          </p:cNvPr>
+          <p:cNvSpPr txBox="1"/>
+          <p:nvPr/>
+        </p:nvSpPr>
+        <p:spPr>
+          <a:xfrm>
+            <a:off x="6244889" y="4231204"/>
+            <a:ext cx="3305533" cy="369332"/>
+          </a:xfrm>
+          <a:prstGeom prst="rect">
+            <a:avLst/>
+          </a:prstGeom>
+          <a:noFill/>
+        </p:spPr>
+        <p:txBody>
+          <a:bodyPr wrap="square" rtlCol="0">
+            <a:spAutoFit/>
+          </a:bodyPr>
+          <a:lstStyle/>
+          <a:p>
+            <a:r>
+              <a:rPr lang="zh-TW" altLang="en-US" dirty="0">
+                <a:latin typeface="微軟正黑體" panose="020B0604030504040204" pitchFamily="34" charset="-120"/>
+                <a:ea typeface="微軟正黑體" panose="020B0604030504040204" pitchFamily="34" charset="-120"/>
+              </a:rPr>
+              <a:t>取得多筆數據並計算最小誤差</a:t>
+            </a:r>
+          </a:p>
+        </p:txBody>
+      </p:sp>
+      <mc:AlternateContent xmlns:mc="http://schemas.openxmlformats.org/markup-compatibility/2006">
+        <mc:Choice xmlns:a14="http://schemas.microsoft.com/office/drawing/2010/main" Requires="a14">
+          <p:sp>
+            <p:nvSpPr>
+              <p:cNvPr id="132" name="文字方塊 131">
+                <a:extLst>
+                  <a:ext uri="{FF2B5EF4-FFF2-40B4-BE49-F238E27FC236}">
+                    <a16:creationId xmlns:a16="http://schemas.microsoft.com/office/drawing/2014/main" id="{EA700948-7A66-492B-92C1-1A8C8545FBC5}"/>
+                  </a:ext>
+                </a:extLst>
+              </p:cNvPr>
+              <p:cNvSpPr txBox="1"/>
+              <p:nvPr/>
+            </p:nvSpPr>
+            <p:spPr>
+              <a:xfrm>
+                <a:off x="9821781" y="5025314"/>
+                <a:ext cx="2348448" cy="662233"/>
+              </a:xfrm>
+              <a:prstGeom prst="rect">
+                <a:avLst/>
+              </a:prstGeom>
+              <a:noFill/>
+            </p:spPr>
+            <p:txBody>
+              <a:bodyPr wrap="square" rtlCol="0">
+                <a:spAutoFit/>
+              </a:bodyPr>
+              <a:lstStyle/>
+              <a:p>
+                <a:r>
+                  <a:rPr lang="zh-TW" altLang="en-US" dirty="0">
+                    <a:latin typeface="微軟正黑體" panose="020B0604030504040204" pitchFamily="34" charset="-120"/>
+                    <a:ea typeface="微軟正黑體" panose="020B0604030504040204" pitchFamily="34" charset="-120"/>
+                  </a:rPr>
+                  <a:t>獲得待測物質心座標</a:t>
+                </a:r>
+                <a:endParaRPr lang="en-US" altLang="zh-TW" dirty="0">
+                  <a:latin typeface="微軟正黑體" panose="020B0604030504040204" pitchFamily="34" charset="-120"/>
+                  <a:ea typeface="微軟正黑體" panose="020B0604030504040204" pitchFamily="34" charset="-120"/>
+                </a:endParaRPr>
+              </a:p>
+              <a:p>
+                <a14:m>
+                  <m:oMathPara xmlns:m="http://schemas.openxmlformats.org/officeDocument/2006/math">
+                    <m:oMathParaPr>
+                      <m:jc m:val="centerGroup"/>
+                    </m:oMathParaPr>
+                    <m:oMath xmlns:m="http://schemas.openxmlformats.org/officeDocument/2006/math">
+                      <m:d>
+                        <m:dPr>
+                          <m:begChr m:val="["/>
+                          <m:endChr m:val="]"/>
+                          <m:ctrlPr>
+                            <a:rPr lang="en-US" altLang="zh-TW" i="1" smtClean="0">
+                              <a:latin typeface="Cambria Math" panose="02040503050406030204" pitchFamily="18" charset="0"/>
+                              <a:ea typeface="微軟正黑體" panose="020B0604030504040204" pitchFamily="34" charset="-120"/>
+                            </a:rPr>
+                          </m:ctrlPr>
+                        </m:dPr>
+                        <m:e>
+                          <m:m>
+                            <m:mPr>
+                              <m:mcs>
+                                <m:mc>
+                                  <m:mcPr>
+                                    <m:count m:val="3"/>
+                                    <m:mcJc m:val="center"/>
+                                  </m:mcPr>
+                                </m:mc>
+                              </m:mcs>
+                              <m:ctrlPr>
+                                <a:rPr lang="en-US" altLang="zh-TW" i="1" smtClean="0">
+                                  <a:latin typeface="Cambria Math" panose="02040503050406030204" pitchFamily="18" charset="0"/>
+                                  <a:ea typeface="微軟正黑體" panose="020B0604030504040204" pitchFamily="34" charset="-120"/>
+                                </a:rPr>
+                              </m:ctrlPr>
+                            </m:mPr>
+                            <m:mr>
+                              <m:e>
+                                <m:sSub>
+                                  <m:sSubPr>
+                                    <m:ctrlPr>
+                                      <a:rPr lang="en-US" altLang="zh-TW" b="0" i="1" smtClean="0">
+                                        <a:latin typeface="Cambria Math" panose="02040503050406030204" pitchFamily="18" charset="0"/>
+                                        <a:ea typeface="微軟正黑體" panose="020B0604030504040204" pitchFamily="34" charset="-120"/>
+                                      </a:rPr>
+                                    </m:ctrlPr>
+                                  </m:sSubPr>
+                                  <m:e>
+                                    <m:r>
+                                      <m:rPr>
+                                        <m:brk m:alnAt="7"/>
+                                      </m:rPr>
+                                      <a:rPr lang="en-US" altLang="zh-TW" b="0" i="1" smtClean="0">
+                                        <a:latin typeface="Cambria Math" panose="02040503050406030204" pitchFamily="18" charset="0"/>
+                                        <a:ea typeface="微軟正黑體" panose="020B0604030504040204" pitchFamily="34" charset="-120"/>
+                                      </a:rPr>
+                                      <m:t>𝑙</m:t>
+                                    </m:r>
+                                  </m:e>
+                                  <m:sub>
+                                    <m:r>
+                                      <a:rPr lang="en-US" altLang="zh-TW" b="0" i="1" smtClean="0">
+                                        <a:latin typeface="Cambria Math" panose="02040503050406030204" pitchFamily="18" charset="0"/>
+                                        <a:ea typeface="微軟正黑體" panose="020B0604030504040204" pitchFamily="34" charset="-120"/>
+                                      </a:rPr>
+                                      <m:t>𝑥</m:t>
+                                    </m:r>
+                                  </m:sub>
+                                </m:sSub>
+                              </m:e>
+                              <m:e>
+                                <m:sSub>
+                                  <m:sSubPr>
+                                    <m:ctrlPr>
+                                      <a:rPr lang="en-US" altLang="zh-TW" b="0" i="1" smtClean="0">
+                                        <a:latin typeface="Cambria Math" panose="02040503050406030204" pitchFamily="18" charset="0"/>
+                                        <a:ea typeface="微軟正黑體" panose="020B0604030504040204" pitchFamily="34" charset="-120"/>
+                                      </a:rPr>
+                                    </m:ctrlPr>
+                                  </m:sSubPr>
+                                  <m:e>
+                                    <m:r>
+                                      <a:rPr lang="en-US" altLang="zh-TW" b="0" i="1" smtClean="0">
+                                        <a:latin typeface="Cambria Math" panose="02040503050406030204" pitchFamily="18" charset="0"/>
+                                        <a:ea typeface="微軟正黑體" panose="020B0604030504040204" pitchFamily="34" charset="-120"/>
+                                      </a:rPr>
+                                      <m:t>𝑙</m:t>
+                                    </m:r>
+                                  </m:e>
+                                  <m:sub>
+                                    <m:r>
+                                      <a:rPr lang="en-US" altLang="zh-TW" b="0" i="1" smtClean="0">
+                                        <a:latin typeface="Cambria Math" panose="02040503050406030204" pitchFamily="18" charset="0"/>
+                                        <a:ea typeface="微軟正黑體" panose="020B0604030504040204" pitchFamily="34" charset="-120"/>
+                                      </a:rPr>
+                                      <m:t>𝑦</m:t>
+                                    </m:r>
+                                  </m:sub>
+                                </m:sSub>
+                              </m:e>
+                              <m:e>
+                                <m:r>
+                                  <a:rPr lang="en-US" altLang="zh-TW" b="0" i="1" smtClean="0">
+                                    <a:latin typeface="Cambria Math" panose="02040503050406030204" pitchFamily="18" charset="0"/>
+                                    <a:ea typeface="微軟正黑體" panose="020B0604030504040204" pitchFamily="34" charset="-120"/>
+                                  </a:rPr>
+                                  <m:t>h</m:t>
+                                </m:r>
+                              </m:e>
+                            </m:mr>
+                          </m:m>
+                        </m:e>
+                      </m:d>
+                    </m:oMath>
+                  </m:oMathPara>
+                </a14:m>
+                <a:endParaRPr lang="zh-TW" altLang="en-US" dirty="0">
+                  <a:latin typeface="微軟正黑體" panose="020B0604030504040204" pitchFamily="34" charset="-120"/>
+                  <a:ea typeface="微軟正黑體" panose="020B0604030504040204" pitchFamily="34" charset="-120"/>
+                </a:endParaRPr>
+              </a:p>
+            </p:txBody>
+          </p:sp>
+        </mc:Choice>
+        <mc:Fallback>
+          <p:sp>
+            <p:nvSpPr>
+              <p:cNvPr id="132" name="文字方塊 131">
+                <a:extLst>
+                  <a:ext uri="{FF2B5EF4-FFF2-40B4-BE49-F238E27FC236}">
+                    <a16:creationId xmlns:a16="http://schemas.microsoft.com/office/drawing/2014/main" id="{EA700948-7A66-492B-92C1-1A8C8545FBC5}"/>
+                  </a:ext>
+                </a:extLst>
+              </p:cNvPr>
+              <p:cNvSpPr txBox="1">
+                <a:spLocks noRot="1" noChangeAspect="1" noMove="1" noResize="1" noEditPoints="1" noAdjustHandles="1" noChangeArrowheads="1" noChangeShapeType="1" noTextEdit="1"/>
+              </p:cNvSpPr>
+              <p:nvPr/>
+            </p:nvSpPr>
+            <p:spPr>
+              <a:xfrm>
+                <a:off x="9821781" y="5025314"/>
+                <a:ext cx="2348448" cy="662233"/>
+              </a:xfrm>
+              <a:prstGeom prst="rect">
+                <a:avLst/>
+              </a:prstGeom>
+              <a:blipFill>
+                <a:blip r:embed="rId17"/>
+                <a:stretch>
+                  <a:fillRect l="-2078" t="-4587"/>
+                </a:stretch>
+              </a:blipFill>
+            </p:spPr>
+            <p:txBody>
+              <a:bodyPr/>
+              <a:lstStyle/>
+              <a:p>
+                <a:r>
+                  <a:rPr lang="zh-TW" altLang="en-US">
+                    <a:noFill/>
+                  </a:rPr>
+                  <a:t> </a:t>
+                </a:r>
+              </a:p>
+            </p:txBody>
+          </p:sp>
+        </mc:Fallback>
+      </mc:AlternateContent>
+      <p:sp>
+        <p:nvSpPr>
+          <p:cNvPr id="133" name="箭號: 向右 132">
+            <a:extLst>
+              <a:ext uri="{FF2B5EF4-FFF2-40B4-BE49-F238E27FC236}">
+                <a16:creationId xmlns:a16="http://schemas.microsoft.com/office/drawing/2014/main" id="{1340C52E-40E4-4066-BB05-450E47E7F71A}"/>
+              </a:ext>
+            </a:extLst>
+          </p:cNvPr>
+          <p:cNvSpPr/>
+          <p:nvPr/>
+        </p:nvSpPr>
+        <p:spPr>
+          <a:xfrm>
+            <a:off x="6008048" y="5135544"/>
+            <a:ext cx="429697" cy="369332"/>
+          </a:xfrm>
+          <a:prstGeom prst="rightArrow">
+            <a:avLst/>
+          </a:prstGeom>
+        </p:spPr>
+        <p:style>
+          <a:lnRef idx="2">
+            <a:schemeClr val="accent1">
+              <a:shade val="50000"/>
+            </a:schemeClr>
+          </a:lnRef>
+          <a:fillRef idx="1">
+            <a:schemeClr val="accent1"/>
+          </a:fillRef>
+          <a:effectRef idx="0">
+            <a:schemeClr val="accent1"/>
+          </a:effectRef>
+          <a:fontRef idx="minor">
+            <a:schemeClr val="lt1"/>
+          </a:fontRef>
+        </p:style>
+        <p:txBody>
+          <a:bodyPr rtlCol="0" anchor="ctr"/>
+          <a:lstStyle/>
+          <a:p>
+            <a:pPr algn="ctr"/>
+            <a:endParaRPr lang="zh-TW" altLang="en-US"/>
+          </a:p>
+        </p:txBody>
+      </p:sp>
+      <p:sp>
+        <p:nvSpPr>
+          <p:cNvPr id="134" name="箭號: 向右 133">
+            <a:extLst>
+              <a:ext uri="{FF2B5EF4-FFF2-40B4-BE49-F238E27FC236}">
+                <a16:creationId xmlns:a16="http://schemas.microsoft.com/office/drawing/2014/main" id="{7C4D6884-D389-4674-96EA-DA4777D926A8}"/>
+              </a:ext>
+            </a:extLst>
+          </p:cNvPr>
+          <p:cNvSpPr/>
+          <p:nvPr/>
+        </p:nvSpPr>
+        <p:spPr>
+          <a:xfrm>
+            <a:off x="9335573" y="5135544"/>
+            <a:ext cx="429697" cy="369332"/>
+          </a:xfrm>
+          <a:prstGeom prst="rightArrow">
+            <a:avLst/>
+          </a:prstGeom>
+        </p:spPr>
+        <p:style>
+          <a:lnRef idx="2">
+            <a:schemeClr val="accent1">
+              <a:shade val="50000"/>
+            </a:schemeClr>
+          </a:lnRef>
+          <a:fillRef idx="1">
+            <a:schemeClr val="accent1"/>
+          </a:fillRef>
+          <a:effectRef idx="0">
+            <a:schemeClr val="accent1"/>
+          </a:effectRef>
+          <a:fontRef idx="minor">
+            <a:schemeClr val="lt1"/>
+          </a:fontRef>
+        </p:style>
+        <p:txBody>
+          <a:bodyPr rtlCol="0" anchor="ctr"/>
+          <a:lstStyle/>
+          <a:p>
+            <a:pPr algn="ctr"/>
+            <a:endParaRPr lang="zh-TW" altLang="en-US"/>
+          </a:p>
+        </p:txBody>
+      </p:sp>
     </p:spTree>
     <p:extLst>
       <p:ext uri="{BB962C8B-B14F-4D97-AF65-F5344CB8AC3E}">
